--- a/presentations/ES-DOC-AGU-2013-IN22A-07-The ES-DOC Software Process.pptx
+++ b/presentations/ES-DOC-AGU-2013-IN22A-07-The ES-DOC Software Process.pptx
@@ -5,48 +5,51 @@
     <p:sldMasterId id="2147483648" r:id="rId1"/>
   </p:sldMasterIdLst>
   <p:notesMasterIdLst>
-    <p:notesMasterId r:id="rId38"/>
+    <p:notesMasterId r:id="rId41"/>
   </p:notesMasterIdLst>
   <p:handoutMasterIdLst>
-    <p:handoutMasterId r:id="rId39"/>
+    <p:handoutMasterId r:id="rId42"/>
   </p:handoutMasterIdLst>
   <p:sldIdLst>
     <p:sldId id="290" r:id="rId2"/>
     <p:sldId id="256" r:id="rId3"/>
     <p:sldId id="325" r:id="rId4"/>
-    <p:sldId id="265" r:id="rId5"/>
-    <p:sldId id="289" r:id="rId6"/>
-    <p:sldId id="274" r:id="rId7"/>
-    <p:sldId id="275" r:id="rId8"/>
-    <p:sldId id="276" r:id="rId9"/>
-    <p:sldId id="291" r:id="rId10"/>
-    <p:sldId id="324" r:id="rId11"/>
-    <p:sldId id="326" r:id="rId12"/>
-    <p:sldId id="295" r:id="rId13"/>
-    <p:sldId id="329" r:id="rId14"/>
-    <p:sldId id="297" r:id="rId15"/>
-    <p:sldId id="301" r:id="rId16"/>
-    <p:sldId id="302" r:id="rId17"/>
-    <p:sldId id="303" r:id="rId18"/>
-    <p:sldId id="304" r:id="rId19"/>
-    <p:sldId id="305" r:id="rId20"/>
-    <p:sldId id="306" r:id="rId21"/>
-    <p:sldId id="307" r:id="rId22"/>
-    <p:sldId id="328" r:id="rId23"/>
-    <p:sldId id="298" r:id="rId24"/>
-    <p:sldId id="310" r:id="rId25"/>
-    <p:sldId id="311" r:id="rId26"/>
-    <p:sldId id="312" r:id="rId27"/>
-    <p:sldId id="318" r:id="rId28"/>
-    <p:sldId id="313" r:id="rId29"/>
-    <p:sldId id="309" r:id="rId30"/>
-    <p:sldId id="314" r:id="rId31"/>
-    <p:sldId id="317" r:id="rId32"/>
-    <p:sldId id="319" r:id="rId33"/>
-    <p:sldId id="327" r:id="rId34"/>
-    <p:sldId id="323" r:id="rId35"/>
-    <p:sldId id="330" r:id="rId36"/>
-    <p:sldId id="331" r:id="rId37"/>
+    <p:sldId id="336" r:id="rId5"/>
+    <p:sldId id="332" r:id="rId6"/>
+    <p:sldId id="265" r:id="rId7"/>
+    <p:sldId id="289" r:id="rId8"/>
+    <p:sldId id="274" r:id="rId9"/>
+    <p:sldId id="275" r:id="rId10"/>
+    <p:sldId id="276" r:id="rId11"/>
+    <p:sldId id="333" r:id="rId12"/>
+    <p:sldId id="337" r:id="rId13"/>
+    <p:sldId id="338" r:id="rId14"/>
+    <p:sldId id="334" r:id="rId15"/>
+    <p:sldId id="335" r:id="rId16"/>
+    <p:sldId id="326" r:id="rId17"/>
+    <p:sldId id="295" r:id="rId18"/>
+    <p:sldId id="329" r:id="rId19"/>
+    <p:sldId id="297" r:id="rId20"/>
+    <p:sldId id="301" r:id="rId21"/>
+    <p:sldId id="302" r:id="rId22"/>
+    <p:sldId id="303" r:id="rId23"/>
+    <p:sldId id="304" r:id="rId24"/>
+    <p:sldId id="305" r:id="rId25"/>
+    <p:sldId id="306" r:id="rId26"/>
+    <p:sldId id="307" r:id="rId27"/>
+    <p:sldId id="328" r:id="rId28"/>
+    <p:sldId id="298" r:id="rId29"/>
+    <p:sldId id="310" r:id="rId30"/>
+    <p:sldId id="311" r:id="rId31"/>
+    <p:sldId id="312" r:id="rId32"/>
+    <p:sldId id="318" r:id="rId33"/>
+    <p:sldId id="313" r:id="rId34"/>
+    <p:sldId id="309" r:id="rId35"/>
+    <p:sldId id="314" r:id="rId36"/>
+    <p:sldId id="317" r:id="rId37"/>
+    <p:sldId id="319" r:id="rId38"/>
+    <p:sldId id="327" r:id="rId39"/>
+    <p:sldId id="323" r:id="rId40"/>
   </p:sldIdLst>
   <p:sldSz cx="9144000" cy="6858000" type="screen4x3"/>
   <p:notesSz cx="6858000" cy="9144000"/>
@@ -230,7 +233,7 @@
           <a:p>
             <a:fld id="{5E64D235-2B20-974A-A429-A9B3A83BF407}" type="datetimeFigureOut">
               <a:rPr lang="fr-FR" smtClean="0"/>
-              <a:t>09/12/2013</a:t>
+              <a:t>10/12/2013</a:t>
             </a:fld>
             <a:endParaRPr lang="en-GB"/>
           </a:p>
@@ -395,7 +398,7 @@
           <a:p>
             <a:fld id="{6DE4E904-B028-2A44-8D2D-3EFACCAFEE6C}" type="datetimeFigureOut">
               <a:rPr lang="fr-FR" smtClean="0"/>
-              <a:t>09/12/2013</a:t>
+              <a:t>10/12/2013</a:t>
             </a:fld>
             <a:endParaRPr lang="en-GB"/>
           </a:p>
@@ -844,7 +847,7 @@
           <a:p>
             <a:fld id="{1A1A7FA9-525B-7B4F-BDA6-45ADF3D586CB}" type="datetimeFigureOut">
               <a:rPr lang="fr-FR" smtClean="0"/>
-              <a:t>09/12/2013</a:t>
+              <a:t>10/12/2013</a:t>
             </a:fld>
             <a:endParaRPr lang="en-GB"/>
           </a:p>
@@ -1014,7 +1017,7 @@
           <a:p>
             <a:fld id="{1A1A7FA9-525B-7B4F-BDA6-45ADF3D586CB}" type="datetimeFigureOut">
               <a:rPr lang="fr-FR" smtClean="0"/>
-              <a:t>09/12/2013</a:t>
+              <a:t>10/12/2013</a:t>
             </a:fld>
             <a:endParaRPr lang="en-GB"/>
           </a:p>
@@ -1194,7 +1197,7 @@
           <a:p>
             <a:fld id="{1A1A7FA9-525B-7B4F-BDA6-45ADF3D586CB}" type="datetimeFigureOut">
               <a:rPr lang="fr-FR" smtClean="0"/>
-              <a:t>09/12/2013</a:t>
+              <a:t>10/12/2013</a:t>
             </a:fld>
             <a:endParaRPr lang="en-GB"/>
           </a:p>
@@ -1364,7 +1367,7 @@
           <a:p>
             <a:fld id="{1A1A7FA9-525B-7B4F-BDA6-45ADF3D586CB}" type="datetimeFigureOut">
               <a:rPr lang="fr-FR" smtClean="0"/>
-              <a:t>09/12/2013</a:t>
+              <a:t>10/12/2013</a:t>
             </a:fld>
             <a:endParaRPr lang="en-GB"/>
           </a:p>
@@ -1610,7 +1613,7 @@
           <a:p>
             <a:fld id="{1A1A7FA9-525B-7B4F-BDA6-45ADF3D586CB}" type="datetimeFigureOut">
               <a:rPr lang="fr-FR" smtClean="0"/>
-              <a:t>09/12/2013</a:t>
+              <a:t>10/12/2013</a:t>
             </a:fld>
             <a:endParaRPr lang="en-GB"/>
           </a:p>
@@ -1898,7 +1901,7 @@
           <a:p>
             <a:fld id="{1A1A7FA9-525B-7B4F-BDA6-45ADF3D586CB}" type="datetimeFigureOut">
               <a:rPr lang="fr-FR" smtClean="0"/>
-              <a:t>09/12/2013</a:t>
+              <a:t>10/12/2013</a:t>
             </a:fld>
             <a:endParaRPr lang="en-GB"/>
           </a:p>
@@ -2320,7 +2323,7 @@
           <a:p>
             <a:fld id="{1A1A7FA9-525B-7B4F-BDA6-45ADF3D586CB}" type="datetimeFigureOut">
               <a:rPr lang="fr-FR" smtClean="0"/>
-              <a:t>09/12/2013</a:t>
+              <a:t>10/12/2013</a:t>
             </a:fld>
             <a:endParaRPr lang="en-GB"/>
           </a:p>
@@ -2438,7 +2441,7 @@
           <a:p>
             <a:fld id="{1A1A7FA9-525B-7B4F-BDA6-45ADF3D586CB}" type="datetimeFigureOut">
               <a:rPr lang="fr-FR" smtClean="0"/>
-              <a:t>09/12/2013</a:t>
+              <a:t>10/12/2013</a:t>
             </a:fld>
             <a:endParaRPr lang="en-GB"/>
           </a:p>
@@ -2533,7 +2536,7 @@
           <a:p>
             <a:fld id="{1A1A7FA9-525B-7B4F-BDA6-45ADF3D586CB}" type="datetimeFigureOut">
               <a:rPr lang="fr-FR" smtClean="0"/>
-              <a:t>09/12/2013</a:t>
+              <a:t>10/12/2013</a:t>
             </a:fld>
             <a:endParaRPr lang="en-GB"/>
           </a:p>
@@ -2810,7 +2813,7 @@
           <a:p>
             <a:fld id="{1A1A7FA9-525B-7B4F-BDA6-45ADF3D586CB}" type="datetimeFigureOut">
               <a:rPr lang="fr-FR" smtClean="0"/>
-              <a:t>09/12/2013</a:t>
+              <a:t>10/12/2013</a:t>
             </a:fld>
             <a:endParaRPr lang="en-GB"/>
           </a:p>
@@ -3063,7 +3066,7 @@
           <a:p>
             <a:fld id="{1A1A7FA9-525B-7B4F-BDA6-45ADF3D586CB}" type="datetimeFigureOut">
               <a:rPr lang="fr-FR" smtClean="0"/>
-              <a:t>09/12/2013</a:t>
+              <a:t>10/12/2013</a:t>
             </a:fld>
             <a:endParaRPr lang="en-GB"/>
           </a:p>
@@ -3276,7 +3279,7 @@
           <a:p>
             <a:fld id="{1A1A7FA9-525B-7B4F-BDA6-45ADF3D586CB}" type="datetimeFigureOut">
               <a:rPr lang="fr-FR" smtClean="0"/>
-              <a:t>09/12/2013</a:t>
+              <a:t>10/12/2013</a:t>
             </a:fld>
             <a:endParaRPr lang="en-GB"/>
           </a:p>
@@ -3687,15 +3690,7 @@
             <a:pPr algn="ctr"/>
             <a:r>
               <a:rPr lang="en-GB" sz="4000" dirty="0" smtClean="0"/>
-              <a:t>IN22A-</a:t>
-            </a:r>
-            <a:r>
-              <a:rPr lang="en-GB" sz="4000" dirty="0" smtClean="0"/>
-              <a:t>07 :: The ES-DOC </a:t>
-            </a:r>
-            <a:r>
-              <a:rPr lang="en-GB" sz="4000" dirty="0" smtClean="0"/>
-              <a:t>Software Process</a:t>
+              <a:t>IN22A-07 :: The ES-DOC Software Process</a:t>
             </a:r>
             <a:endParaRPr lang="en-GB" sz="4000" b="1" dirty="0"/>
           </a:p>
@@ -3760,7 +3755,7 @@
           <a:p>
             <a:r>
               <a:rPr lang="en-GB" sz="6600" b="1" dirty="0" smtClean="0"/>
-              <a:t>Online Presence</a:t>
+              <a:t>Core Team</a:t>
             </a:r>
             <a:endParaRPr lang="en-GB" sz="6600" b="1" dirty="0"/>
           </a:p>
@@ -3805,7 +3800,7 @@
         <p:spPr>
           <a:xfrm>
             <a:off x="1" y="2297367"/>
-            <a:ext cx="9143999" cy="2800767"/>
+            <a:ext cx="9143999" cy="2308324"/>
           </a:xfrm>
           <a:prstGeom prst="rect">
             <a:avLst/>
@@ -3820,38 +3815,50 @@
           <a:p>
             <a:pPr algn="ctr"/>
             <a:r>
-              <a:rPr lang="en-GB" sz="4400" dirty="0" smtClean="0"/>
-              <a:t>Splash Page</a:t>
+              <a:rPr lang="en-GB" sz="4800" dirty="0" smtClean="0"/>
+              <a:t>Sylvia Murphy (US - NOAA)</a:t>
             </a:r>
           </a:p>
           <a:p>
             <a:pPr algn="ctr"/>
             <a:r>
-              <a:rPr lang="en-GB" sz="4400" dirty="0" smtClean="0"/>
-              <a:t>Quick Links</a:t>
+              <a:rPr lang="en-GB" sz="4800" dirty="0" err="1" smtClean="0"/>
+              <a:t>Allyn</a:t>
+            </a:r>
+            <a:r>
+              <a:rPr lang="en-GB" sz="4800" dirty="0" smtClean="0"/>
+              <a:t> </a:t>
+            </a:r>
+            <a:r>
+              <a:rPr lang="en-GB" sz="4800" dirty="0" err="1" smtClean="0"/>
+              <a:t>Treshansky</a:t>
+            </a:r>
+            <a:r>
+              <a:rPr lang="en-GB" sz="4800" dirty="0" smtClean="0"/>
+              <a:t> (US - NOAA)</a:t>
             </a:r>
           </a:p>
           <a:p>
             <a:pPr algn="ctr"/>
             <a:r>
-              <a:rPr lang="en-GB" sz="4400" dirty="0" smtClean="0"/>
-              <a:t>Tools</a:t>
-            </a:r>
-          </a:p>
-          <a:p>
-            <a:pPr algn="ctr"/>
-            <a:r>
-              <a:rPr lang="en-GB" sz="4400" dirty="0" smtClean="0"/>
-              <a:t>API</a:t>
-            </a:r>
-            <a:endParaRPr lang="en-GB" sz="4400" dirty="0" smtClean="0"/>
+              <a:rPr lang="en-GB" sz="4800" dirty="0" smtClean="0"/>
+              <a:t>Mark </a:t>
+            </a:r>
+            <a:r>
+              <a:rPr lang="en-GB" sz="4800" dirty="0" err="1" smtClean="0"/>
+              <a:t>Greenslade</a:t>
+            </a:r>
+            <a:r>
+              <a:rPr lang="en-GB" sz="4800" dirty="0" smtClean="0"/>
+              <a:t> (EU - IPSL)</a:t>
+            </a:r>
           </a:p>
         </p:txBody>
       </p:sp>
     </p:spTree>
     <p:extLst>
       <p:ext uri="{BB962C8B-B14F-4D97-AF65-F5344CB8AC3E}">
-        <p14:creationId xmlns:p14="http://schemas.microsoft.com/office/powerpoint/2010/main" val="204597557"/>
+        <p14:creationId xmlns:p14="http://schemas.microsoft.com/office/powerpoint/2010/main" val="3760817667"/>
       </p:ext>
     </p:extLst>
   </p:cSld>
@@ -3907,7 +3914,7 @@
           <a:p>
             <a:r>
               <a:rPr lang="en-GB" sz="6600" b="1" dirty="0" smtClean="0"/>
-              <a:t>Demo</a:t>
+              <a:t>Tools</a:t>
             </a:r>
             <a:endParaRPr lang="en-GB" sz="6600" b="1" dirty="0"/>
           </a:p>
@@ -3951,8 +3958,8 @@
         </p:nvSpPr>
         <p:spPr>
           <a:xfrm>
-            <a:off x="1" y="2443244"/>
-            <a:ext cx="9143999" cy="646331"/>
+            <a:off x="1" y="2048518"/>
+            <a:ext cx="9143999" cy="2862322"/>
           </a:xfrm>
           <a:prstGeom prst="rect">
             <a:avLst/>
@@ -3968,7 +3975,35 @@
             <a:pPr algn="ctr"/>
             <a:r>
               <a:rPr lang="en-GB" sz="3600" dirty="0" smtClean="0"/>
-              <a:t>CMIP5 Comparator</a:t>
+              <a:t>Create</a:t>
+            </a:r>
+          </a:p>
+          <a:p>
+            <a:pPr algn="ctr"/>
+            <a:r>
+              <a:rPr lang="en-GB" sz="3600" dirty="0" smtClean="0"/>
+              <a:t>Search</a:t>
+            </a:r>
+          </a:p>
+          <a:p>
+            <a:pPr algn="ctr"/>
+            <a:r>
+              <a:rPr lang="en-GB" sz="3600" dirty="0" smtClean="0"/>
+              <a:t>View</a:t>
+            </a:r>
+          </a:p>
+          <a:p>
+            <a:pPr algn="ctr"/>
+            <a:r>
+              <a:rPr lang="en-GB" sz="3600" dirty="0" smtClean="0"/>
+              <a:t>Compare</a:t>
+            </a:r>
+          </a:p>
+          <a:p>
+            <a:pPr algn="ctr"/>
+            <a:r>
+              <a:rPr lang="en-GB" sz="3600" dirty="0" smtClean="0"/>
+              <a:t>Visualize</a:t>
             </a:r>
           </a:p>
         </p:txBody>
@@ -3976,7 +4011,7 @@
     </p:spTree>
     <p:extLst>
       <p:ext uri="{BB962C8B-B14F-4D97-AF65-F5344CB8AC3E}">
-        <p14:creationId xmlns:p14="http://schemas.microsoft.com/office/powerpoint/2010/main" val="1565676031"/>
+        <p14:creationId xmlns:p14="http://schemas.microsoft.com/office/powerpoint/2010/main" val="3519846194"/>
       </p:ext>
     </p:extLst>
   </p:cSld>
@@ -4010,37 +4045,9 @@
           <a:chExt cx="0" cy="0"/>
         </a:xfrm>
       </p:grpSpPr>
-      <p:sp>
-        <p:nvSpPr>
-          <p:cNvPr id="2" name="Titre 1"/>
-          <p:cNvSpPr>
-            <a:spLocks noGrp="1"/>
-          </p:cNvSpPr>
-          <p:nvPr>
-            <p:ph type="title"/>
-          </p:nvPr>
-        </p:nvSpPr>
-        <p:spPr>
-          <a:xfrm>
-            <a:off x="457200" y="489163"/>
-            <a:ext cx="8229600" cy="1143000"/>
-          </a:xfrm>
-        </p:spPr>
-        <p:txBody>
-          <a:bodyPr/>
-          <a:lstStyle/>
-          <a:p>
-            <a:r>
-              <a:rPr lang="en-GB" sz="6600" b="1" dirty="0" smtClean="0"/>
-              <a:t>Process</a:t>
-            </a:r>
-            <a:endParaRPr lang="en-GB" sz="6600" b="1" dirty="0"/>
-          </a:p>
-        </p:txBody>
-      </p:sp>
       <p:pic>
         <p:nvPicPr>
-          <p:cNvPr id="3" name="Image 2" descr="es-doc-logo.png"/>
+          <p:cNvPr id="7" name="Image 6" descr="agu-search.png"/>
           <p:cNvPicPr>
             <a:picLocks noChangeAspect="1"/>
           </p:cNvPicPr>
@@ -4060,72 +4067,18 @@
         </p:blipFill>
         <p:spPr>
           <a:xfrm>
-            <a:off x="6358431" y="5962278"/>
-            <a:ext cx="2592253" cy="653902"/>
+            <a:off x="965200" y="0"/>
+            <a:ext cx="7207680" cy="6858000"/>
           </a:xfrm>
           <a:prstGeom prst="rect">
             <a:avLst/>
           </a:prstGeom>
         </p:spPr>
       </p:pic>
-      <p:sp>
-        <p:nvSpPr>
-          <p:cNvPr id="4" name="ZoneTexte 3"/>
-          <p:cNvSpPr txBox="1"/>
-          <p:nvPr/>
-        </p:nvSpPr>
-        <p:spPr>
-          <a:xfrm>
-            <a:off x="1" y="2168652"/>
-            <a:ext cx="9143999" cy="2923877"/>
-          </a:xfrm>
-          <a:prstGeom prst="rect">
-            <a:avLst/>
-          </a:prstGeom>
-          <a:noFill/>
-        </p:spPr>
-        <p:txBody>
-          <a:bodyPr wrap="square" rtlCol="0">
-            <a:spAutoFit/>
-          </a:bodyPr>
-          <a:lstStyle/>
-          <a:p>
-            <a:pPr algn="ctr"/>
-            <a:r>
-              <a:rPr lang="en-GB" sz="4800" b="1" dirty="0" smtClean="0"/>
-              <a:t>Social</a:t>
-            </a:r>
-          </a:p>
-          <a:p>
-            <a:pPr algn="ctr"/>
-            <a:endParaRPr lang="en-GB" sz="2400" dirty="0" smtClean="0"/>
-          </a:p>
-          <a:p>
-            <a:pPr algn="ctr"/>
-            <a:r>
-              <a:rPr lang="en-GB" sz="4400" dirty="0" err="1" smtClean="0"/>
-              <a:t>vs</a:t>
-            </a:r>
-            <a:endParaRPr lang="en-GB" sz="4400" dirty="0" smtClean="0"/>
-          </a:p>
-          <a:p>
-            <a:pPr algn="ctr"/>
-            <a:endParaRPr lang="en-GB" sz="2400" dirty="0" smtClean="0"/>
-          </a:p>
-          <a:p>
-            <a:pPr algn="ctr"/>
-            <a:r>
-              <a:rPr lang="en-GB" sz="4400" b="1" dirty="0" smtClean="0"/>
-              <a:t>Technical</a:t>
-            </a:r>
-            <a:endParaRPr lang="en-GB" sz="4400" b="1" dirty="0" smtClean="0"/>
-          </a:p>
-        </p:txBody>
-      </p:sp>
     </p:spTree>
     <p:extLst>
       <p:ext uri="{BB962C8B-B14F-4D97-AF65-F5344CB8AC3E}">
-        <p14:creationId xmlns:p14="http://schemas.microsoft.com/office/powerpoint/2010/main" val="2196942164"/>
+        <p14:creationId xmlns:p14="http://schemas.microsoft.com/office/powerpoint/2010/main" val="53142901"/>
       </p:ext>
     </p:extLst>
   </p:cSld>
@@ -4159,6 +4112,627 @@
           <a:chExt cx="0" cy="0"/>
         </a:xfrm>
       </p:grpSpPr>
+      <p:pic>
+        <p:nvPicPr>
+          <p:cNvPr id="2" name="Image 1" descr="agu-compare.png"/>
+          <p:cNvPicPr>
+            <a:picLocks noChangeAspect="1"/>
+          </p:cNvPicPr>
+          <p:nvPr/>
+        </p:nvPicPr>
+        <p:blipFill>
+          <a:blip r:embed="rId2">
+            <a:extLst>
+              <a:ext uri="{28A0092B-C50C-407E-A947-70E740481C1C}">
+                <a14:useLocalDpi xmlns:a14="http://schemas.microsoft.com/office/drawing/2010/main" val="0"/>
+              </a:ext>
+            </a:extLst>
+          </a:blip>
+          <a:stretch>
+            <a:fillRect/>
+          </a:stretch>
+        </p:blipFill>
+        <p:spPr>
+          <a:xfrm>
+            <a:off x="38100" y="0"/>
+            <a:ext cx="9053547" cy="6858000"/>
+          </a:xfrm>
+          <a:prstGeom prst="rect">
+            <a:avLst/>
+          </a:prstGeom>
+        </p:spPr>
+      </p:pic>
+    </p:spTree>
+    <p:extLst>
+      <p:ext uri="{BB962C8B-B14F-4D97-AF65-F5344CB8AC3E}">
+        <p14:creationId xmlns:p14="http://schemas.microsoft.com/office/powerpoint/2010/main" val="504886112"/>
+      </p:ext>
+    </p:extLst>
+  </p:cSld>
+  <p:clrMapOvr>
+    <a:masterClrMapping/>
+  </p:clrMapOvr>
+  <p:timing>
+    <p:tnLst>
+      <p:par>
+        <p:cTn xmlns:p14="http://schemas.microsoft.com/office/powerpoint/2010/main" id="1" dur="indefinite" restart="never" nodeType="tmRoot"/>
+      </p:par>
+    </p:tnLst>
+  </p:timing>
+</p:sld>
+</file>
+
+<file path=ppt/slides/slide14.xml><?xml version="1.0" encoding="utf-8"?>
+<p:sld xmlns:a="http://schemas.openxmlformats.org/drawingml/2006/main" xmlns:r="http://schemas.openxmlformats.org/officeDocument/2006/relationships" xmlns:p="http://schemas.openxmlformats.org/presentationml/2006/main">
+  <p:cSld>
+    <p:spTree>
+      <p:nvGrpSpPr>
+        <p:cNvPr id="1" name=""/>
+        <p:cNvGrpSpPr/>
+        <p:nvPr/>
+      </p:nvGrpSpPr>
+      <p:grpSpPr>
+        <a:xfrm>
+          <a:off x="0" y="0"/>
+          <a:ext cx="0" cy="0"/>
+          <a:chOff x="0" y="0"/>
+          <a:chExt cx="0" cy="0"/>
+        </a:xfrm>
+      </p:grpSpPr>
+      <p:sp>
+        <p:nvSpPr>
+          <p:cNvPr id="2" name="Titre 1"/>
+          <p:cNvSpPr>
+            <a:spLocks noGrp="1"/>
+          </p:cNvSpPr>
+          <p:nvPr>
+            <p:ph type="title"/>
+          </p:nvPr>
+        </p:nvSpPr>
+        <p:spPr>
+          <a:xfrm>
+            <a:off x="457200" y="489163"/>
+            <a:ext cx="8229600" cy="1143000"/>
+          </a:xfrm>
+        </p:spPr>
+        <p:txBody>
+          <a:bodyPr/>
+          <a:lstStyle/>
+          <a:p>
+            <a:r>
+              <a:rPr lang="en-GB" sz="6600" b="1" dirty="0" smtClean="0"/>
+              <a:t>API</a:t>
+            </a:r>
+            <a:endParaRPr lang="en-GB" sz="6600" b="1" dirty="0"/>
+          </a:p>
+        </p:txBody>
+      </p:sp>
+      <p:pic>
+        <p:nvPicPr>
+          <p:cNvPr id="3" name="Image 2" descr="es-doc-logo.png"/>
+          <p:cNvPicPr>
+            <a:picLocks noChangeAspect="1"/>
+          </p:cNvPicPr>
+          <p:nvPr/>
+        </p:nvPicPr>
+        <p:blipFill>
+          <a:blip r:embed="rId2">
+            <a:extLst>
+              <a:ext uri="{28A0092B-C50C-407E-A947-70E740481C1C}">
+                <a14:useLocalDpi xmlns:a14="http://schemas.microsoft.com/office/drawing/2010/main" val="0"/>
+              </a:ext>
+            </a:extLst>
+          </a:blip>
+          <a:stretch>
+            <a:fillRect/>
+          </a:stretch>
+        </p:blipFill>
+        <p:spPr>
+          <a:xfrm>
+            <a:off x="6358431" y="5962278"/>
+            <a:ext cx="2592253" cy="653902"/>
+          </a:xfrm>
+          <a:prstGeom prst="rect">
+            <a:avLst/>
+          </a:prstGeom>
+        </p:spPr>
+      </p:pic>
+      <p:sp>
+        <p:nvSpPr>
+          <p:cNvPr id="4" name="ZoneTexte 3"/>
+          <p:cNvSpPr txBox="1"/>
+          <p:nvPr/>
+        </p:nvSpPr>
+        <p:spPr>
+          <a:xfrm>
+            <a:off x="1" y="2237300"/>
+            <a:ext cx="9143999" cy="2308324"/>
+          </a:xfrm>
+          <a:prstGeom prst="rect">
+            <a:avLst/>
+          </a:prstGeom>
+          <a:noFill/>
+        </p:spPr>
+        <p:txBody>
+          <a:bodyPr wrap="square" rtlCol="0">
+            <a:spAutoFit/>
+          </a:bodyPr>
+          <a:lstStyle/>
+          <a:p>
+            <a:pPr algn="ctr"/>
+            <a:r>
+              <a:rPr lang="en-GB" sz="3600" dirty="0" smtClean="0"/>
+              <a:t>Publish</a:t>
+            </a:r>
+          </a:p>
+          <a:p>
+            <a:pPr algn="ctr"/>
+            <a:r>
+              <a:rPr lang="en-GB" sz="3600" dirty="0" smtClean="0"/>
+              <a:t>Search</a:t>
+            </a:r>
+          </a:p>
+          <a:p>
+            <a:pPr algn="ctr"/>
+            <a:r>
+              <a:rPr lang="en-GB" sz="3600" dirty="0" smtClean="0"/>
+              <a:t>Compare</a:t>
+            </a:r>
+          </a:p>
+          <a:p>
+            <a:pPr algn="ctr"/>
+            <a:r>
+              <a:rPr lang="en-GB" sz="3600" dirty="0" smtClean="0"/>
+              <a:t>Visualize</a:t>
+            </a:r>
+          </a:p>
+        </p:txBody>
+      </p:sp>
+    </p:spTree>
+    <p:extLst>
+      <p:ext uri="{BB962C8B-B14F-4D97-AF65-F5344CB8AC3E}">
+        <p14:creationId xmlns:p14="http://schemas.microsoft.com/office/powerpoint/2010/main" val="2448104083"/>
+      </p:ext>
+    </p:extLst>
+  </p:cSld>
+  <p:clrMapOvr>
+    <a:masterClrMapping/>
+  </p:clrMapOvr>
+  <p:timing>
+    <p:tnLst>
+      <p:par>
+        <p:cTn xmlns:p14="http://schemas.microsoft.com/office/powerpoint/2010/main" id="1" dur="indefinite" restart="never" nodeType="tmRoot"/>
+      </p:par>
+    </p:tnLst>
+  </p:timing>
+</p:sld>
+</file>
+
+<file path=ppt/slides/slide15.xml><?xml version="1.0" encoding="utf-8"?>
+<p:sld xmlns:a="http://schemas.openxmlformats.org/drawingml/2006/main" xmlns:r="http://schemas.openxmlformats.org/officeDocument/2006/relationships" xmlns:p="http://schemas.openxmlformats.org/presentationml/2006/main">
+  <p:cSld>
+    <p:spTree>
+      <p:nvGrpSpPr>
+        <p:cNvPr id="1" name=""/>
+        <p:cNvGrpSpPr/>
+        <p:nvPr/>
+      </p:nvGrpSpPr>
+      <p:grpSpPr>
+        <a:xfrm>
+          <a:off x="0" y="0"/>
+          <a:ext cx="0" cy="0"/>
+          <a:chOff x="0" y="0"/>
+          <a:chExt cx="0" cy="0"/>
+        </a:xfrm>
+      </p:grpSpPr>
+      <p:sp>
+        <p:nvSpPr>
+          <p:cNvPr id="2" name="Titre 1"/>
+          <p:cNvSpPr>
+            <a:spLocks noGrp="1"/>
+          </p:cNvSpPr>
+          <p:nvPr>
+            <p:ph type="title"/>
+          </p:nvPr>
+        </p:nvSpPr>
+        <p:spPr>
+          <a:xfrm>
+            <a:off x="457200" y="489163"/>
+            <a:ext cx="8229600" cy="1143000"/>
+          </a:xfrm>
+        </p:spPr>
+        <p:txBody>
+          <a:bodyPr/>
+          <a:lstStyle/>
+          <a:p>
+            <a:r>
+              <a:rPr lang="en-GB" sz="6600" b="1" dirty="0" smtClean="0"/>
+              <a:t>API Clients</a:t>
+            </a:r>
+            <a:endParaRPr lang="en-GB" sz="6600" b="1" dirty="0"/>
+          </a:p>
+        </p:txBody>
+      </p:sp>
+      <p:pic>
+        <p:nvPicPr>
+          <p:cNvPr id="3" name="Image 2" descr="es-doc-logo.png"/>
+          <p:cNvPicPr>
+            <a:picLocks noChangeAspect="1"/>
+          </p:cNvPicPr>
+          <p:nvPr/>
+        </p:nvPicPr>
+        <p:blipFill>
+          <a:blip r:embed="rId2">
+            <a:extLst>
+              <a:ext uri="{28A0092B-C50C-407E-A947-70E740481C1C}">
+                <a14:useLocalDpi xmlns:a14="http://schemas.microsoft.com/office/drawing/2010/main" val="0"/>
+              </a:ext>
+            </a:extLst>
+          </a:blip>
+          <a:stretch>
+            <a:fillRect/>
+          </a:stretch>
+        </p:blipFill>
+        <p:spPr>
+          <a:xfrm>
+            <a:off x="6358431" y="5962278"/>
+            <a:ext cx="2592253" cy="653902"/>
+          </a:xfrm>
+          <a:prstGeom prst="rect">
+            <a:avLst/>
+          </a:prstGeom>
+        </p:spPr>
+      </p:pic>
+      <p:sp>
+        <p:nvSpPr>
+          <p:cNvPr id="4" name="ZoneTexte 3"/>
+          <p:cNvSpPr txBox="1"/>
+          <p:nvPr/>
+        </p:nvSpPr>
+        <p:spPr>
+          <a:xfrm>
+            <a:off x="1" y="2237300"/>
+            <a:ext cx="9143999" cy="2862322"/>
+          </a:xfrm>
+          <a:prstGeom prst="rect">
+            <a:avLst/>
+          </a:prstGeom>
+          <a:noFill/>
+        </p:spPr>
+        <p:txBody>
+          <a:bodyPr wrap="square" rtlCol="0">
+            <a:spAutoFit/>
+          </a:bodyPr>
+          <a:lstStyle/>
+          <a:p>
+            <a:pPr algn="ctr"/>
+            <a:r>
+              <a:rPr lang="en-GB" sz="3600" b="1" dirty="0" smtClean="0"/>
+              <a:t>2013</a:t>
+            </a:r>
+          </a:p>
+          <a:p>
+            <a:pPr algn="ctr"/>
+            <a:r>
+              <a:rPr lang="en-GB" sz="3600" dirty="0" smtClean="0"/>
+              <a:t>Python</a:t>
+            </a:r>
+          </a:p>
+          <a:p>
+            <a:pPr algn="ctr"/>
+            <a:endParaRPr lang="en-GB" sz="3600" dirty="0" smtClean="0"/>
+          </a:p>
+          <a:p>
+            <a:pPr algn="ctr"/>
+            <a:r>
+              <a:rPr lang="en-GB" sz="3600" b="1" dirty="0" smtClean="0"/>
+              <a:t>2014</a:t>
+            </a:r>
+          </a:p>
+          <a:p>
+            <a:pPr algn="ctr"/>
+            <a:r>
+              <a:rPr lang="en-GB" sz="3600" dirty="0" smtClean="0"/>
+              <a:t>C, Java</a:t>
+            </a:r>
+          </a:p>
+        </p:txBody>
+      </p:sp>
+    </p:spTree>
+    <p:extLst>
+      <p:ext uri="{BB962C8B-B14F-4D97-AF65-F5344CB8AC3E}">
+        <p14:creationId xmlns:p14="http://schemas.microsoft.com/office/powerpoint/2010/main" val="694194047"/>
+      </p:ext>
+    </p:extLst>
+  </p:cSld>
+  <p:clrMapOvr>
+    <a:masterClrMapping/>
+  </p:clrMapOvr>
+  <p:timing>
+    <p:tnLst>
+      <p:par>
+        <p:cTn xmlns:p14="http://schemas.microsoft.com/office/powerpoint/2010/main" id="1" dur="indefinite" restart="never" nodeType="tmRoot"/>
+      </p:par>
+    </p:tnLst>
+  </p:timing>
+</p:sld>
+</file>
+
+<file path=ppt/slides/slide16.xml><?xml version="1.0" encoding="utf-8"?>
+<p:sld xmlns:a="http://schemas.openxmlformats.org/drawingml/2006/main" xmlns:r="http://schemas.openxmlformats.org/officeDocument/2006/relationships" xmlns:p="http://schemas.openxmlformats.org/presentationml/2006/main">
+  <p:cSld>
+    <p:spTree>
+      <p:nvGrpSpPr>
+        <p:cNvPr id="1" name=""/>
+        <p:cNvGrpSpPr/>
+        <p:nvPr/>
+      </p:nvGrpSpPr>
+      <p:grpSpPr>
+        <a:xfrm>
+          <a:off x="0" y="0"/>
+          <a:ext cx="0" cy="0"/>
+          <a:chOff x="0" y="0"/>
+          <a:chExt cx="0" cy="0"/>
+        </a:xfrm>
+      </p:grpSpPr>
+      <p:sp>
+        <p:nvSpPr>
+          <p:cNvPr id="2" name="Titre 1"/>
+          <p:cNvSpPr>
+            <a:spLocks noGrp="1"/>
+          </p:cNvSpPr>
+          <p:nvPr>
+            <p:ph type="title"/>
+          </p:nvPr>
+        </p:nvSpPr>
+        <p:spPr>
+          <a:xfrm>
+            <a:off x="457200" y="489163"/>
+            <a:ext cx="8229600" cy="1143000"/>
+          </a:xfrm>
+        </p:spPr>
+        <p:txBody>
+          <a:bodyPr/>
+          <a:lstStyle/>
+          <a:p>
+            <a:r>
+              <a:rPr lang="en-GB" sz="6600" b="1" dirty="0" smtClean="0"/>
+              <a:t>Demo</a:t>
+            </a:r>
+            <a:endParaRPr lang="en-GB" sz="6600" b="1" dirty="0"/>
+          </a:p>
+        </p:txBody>
+      </p:sp>
+      <p:pic>
+        <p:nvPicPr>
+          <p:cNvPr id="3" name="Image 2" descr="es-doc-logo.png"/>
+          <p:cNvPicPr>
+            <a:picLocks noChangeAspect="1"/>
+          </p:cNvPicPr>
+          <p:nvPr/>
+        </p:nvPicPr>
+        <p:blipFill>
+          <a:blip r:embed="rId2">
+            <a:extLst>
+              <a:ext uri="{28A0092B-C50C-407E-A947-70E740481C1C}">
+                <a14:useLocalDpi xmlns:a14="http://schemas.microsoft.com/office/drawing/2010/main" val="0"/>
+              </a:ext>
+            </a:extLst>
+          </a:blip>
+          <a:stretch>
+            <a:fillRect/>
+          </a:stretch>
+        </p:blipFill>
+        <p:spPr>
+          <a:xfrm>
+            <a:off x="6358431" y="5962278"/>
+            <a:ext cx="2592253" cy="653902"/>
+          </a:xfrm>
+          <a:prstGeom prst="rect">
+            <a:avLst/>
+          </a:prstGeom>
+        </p:spPr>
+      </p:pic>
+      <p:sp>
+        <p:nvSpPr>
+          <p:cNvPr id="4" name="ZoneTexte 3"/>
+          <p:cNvSpPr txBox="1"/>
+          <p:nvPr/>
+        </p:nvSpPr>
+        <p:spPr>
+          <a:xfrm>
+            <a:off x="1" y="2443244"/>
+            <a:ext cx="9143999" cy="646331"/>
+          </a:xfrm>
+          <a:prstGeom prst="rect">
+            <a:avLst/>
+          </a:prstGeom>
+          <a:noFill/>
+        </p:spPr>
+        <p:txBody>
+          <a:bodyPr wrap="square" rtlCol="0">
+            <a:spAutoFit/>
+          </a:bodyPr>
+          <a:lstStyle/>
+          <a:p>
+            <a:pPr algn="ctr"/>
+            <a:r>
+              <a:rPr lang="en-GB" sz="3600" dirty="0" smtClean="0"/>
+              <a:t>CMIP5 Comparator</a:t>
+            </a:r>
+          </a:p>
+        </p:txBody>
+      </p:sp>
+    </p:spTree>
+    <p:extLst>
+      <p:ext uri="{BB962C8B-B14F-4D97-AF65-F5344CB8AC3E}">
+        <p14:creationId xmlns:p14="http://schemas.microsoft.com/office/powerpoint/2010/main" val="1565676031"/>
+      </p:ext>
+    </p:extLst>
+  </p:cSld>
+  <p:clrMapOvr>
+    <a:masterClrMapping/>
+  </p:clrMapOvr>
+  <p:timing>
+    <p:tnLst>
+      <p:par>
+        <p:cTn xmlns:p14="http://schemas.microsoft.com/office/powerpoint/2010/main" id="1" dur="indefinite" restart="never" nodeType="tmRoot"/>
+      </p:par>
+    </p:tnLst>
+  </p:timing>
+</p:sld>
+</file>
+
+<file path=ppt/slides/slide17.xml><?xml version="1.0" encoding="utf-8"?>
+<p:sld xmlns:a="http://schemas.openxmlformats.org/drawingml/2006/main" xmlns:r="http://schemas.openxmlformats.org/officeDocument/2006/relationships" xmlns:p="http://schemas.openxmlformats.org/presentationml/2006/main">
+  <p:cSld>
+    <p:spTree>
+      <p:nvGrpSpPr>
+        <p:cNvPr id="1" name=""/>
+        <p:cNvGrpSpPr/>
+        <p:nvPr/>
+      </p:nvGrpSpPr>
+      <p:grpSpPr>
+        <a:xfrm>
+          <a:off x="0" y="0"/>
+          <a:ext cx="0" cy="0"/>
+          <a:chOff x="0" y="0"/>
+          <a:chExt cx="0" cy="0"/>
+        </a:xfrm>
+      </p:grpSpPr>
+      <p:sp>
+        <p:nvSpPr>
+          <p:cNvPr id="2" name="Titre 1"/>
+          <p:cNvSpPr>
+            <a:spLocks noGrp="1"/>
+          </p:cNvSpPr>
+          <p:nvPr>
+            <p:ph type="title"/>
+          </p:nvPr>
+        </p:nvSpPr>
+        <p:spPr>
+          <a:xfrm>
+            <a:off x="457200" y="489163"/>
+            <a:ext cx="8229600" cy="1143000"/>
+          </a:xfrm>
+        </p:spPr>
+        <p:txBody>
+          <a:bodyPr/>
+          <a:lstStyle/>
+          <a:p>
+            <a:r>
+              <a:rPr lang="en-GB" sz="6600" b="1" dirty="0" smtClean="0"/>
+              <a:t>Process</a:t>
+            </a:r>
+            <a:endParaRPr lang="en-GB" sz="6600" b="1" dirty="0"/>
+          </a:p>
+        </p:txBody>
+      </p:sp>
+      <p:pic>
+        <p:nvPicPr>
+          <p:cNvPr id="3" name="Image 2" descr="es-doc-logo.png"/>
+          <p:cNvPicPr>
+            <a:picLocks noChangeAspect="1"/>
+          </p:cNvPicPr>
+          <p:nvPr/>
+        </p:nvPicPr>
+        <p:blipFill>
+          <a:blip r:embed="rId2">
+            <a:extLst>
+              <a:ext uri="{28A0092B-C50C-407E-A947-70E740481C1C}">
+                <a14:useLocalDpi xmlns:a14="http://schemas.microsoft.com/office/drawing/2010/main" val="0"/>
+              </a:ext>
+            </a:extLst>
+          </a:blip>
+          <a:stretch>
+            <a:fillRect/>
+          </a:stretch>
+        </p:blipFill>
+        <p:spPr>
+          <a:xfrm>
+            <a:off x="6358431" y="5962278"/>
+            <a:ext cx="2592253" cy="653902"/>
+          </a:xfrm>
+          <a:prstGeom prst="rect">
+            <a:avLst/>
+          </a:prstGeom>
+        </p:spPr>
+      </p:pic>
+      <p:sp>
+        <p:nvSpPr>
+          <p:cNvPr id="4" name="ZoneTexte 3"/>
+          <p:cNvSpPr txBox="1"/>
+          <p:nvPr/>
+        </p:nvSpPr>
+        <p:spPr>
+          <a:xfrm>
+            <a:off x="1" y="2709255"/>
+            <a:ext cx="9143999" cy="830997"/>
+          </a:xfrm>
+          <a:prstGeom prst="rect">
+            <a:avLst/>
+          </a:prstGeom>
+          <a:noFill/>
+        </p:spPr>
+        <p:txBody>
+          <a:bodyPr wrap="square" rtlCol="0">
+            <a:spAutoFit/>
+          </a:bodyPr>
+          <a:lstStyle/>
+          <a:p>
+            <a:pPr algn="ctr"/>
+            <a:r>
+              <a:rPr lang="en-GB" sz="4800" b="1" dirty="0" smtClean="0"/>
+              <a:t>Social </a:t>
+            </a:r>
+            <a:r>
+              <a:rPr lang="en-GB" sz="4400" dirty="0" smtClean="0"/>
+              <a:t>or </a:t>
+            </a:r>
+            <a:r>
+              <a:rPr lang="en-GB" sz="4400" b="1" dirty="0" smtClean="0"/>
+              <a:t>Technical ?</a:t>
+            </a:r>
+          </a:p>
+        </p:txBody>
+      </p:sp>
+    </p:spTree>
+    <p:extLst>
+      <p:ext uri="{BB962C8B-B14F-4D97-AF65-F5344CB8AC3E}">
+        <p14:creationId xmlns:p14="http://schemas.microsoft.com/office/powerpoint/2010/main" val="2196942164"/>
+      </p:ext>
+    </p:extLst>
+  </p:cSld>
+  <p:clrMapOvr>
+    <a:masterClrMapping/>
+  </p:clrMapOvr>
+  <p:timing>
+    <p:tnLst>
+      <p:par>
+        <p:cTn xmlns:p14="http://schemas.microsoft.com/office/powerpoint/2010/main" id="1" dur="indefinite" restart="never" nodeType="tmRoot"/>
+      </p:par>
+    </p:tnLst>
+  </p:timing>
+</p:sld>
+</file>
+
+<file path=ppt/slides/slide18.xml><?xml version="1.0" encoding="utf-8"?>
+<p:sld xmlns:a="http://schemas.openxmlformats.org/drawingml/2006/main" xmlns:r="http://schemas.openxmlformats.org/officeDocument/2006/relationships" xmlns:p="http://schemas.openxmlformats.org/presentationml/2006/main">
+  <p:cSld>
+    <p:spTree>
+      <p:nvGrpSpPr>
+        <p:cNvPr id="1" name=""/>
+        <p:cNvGrpSpPr/>
+        <p:nvPr/>
+      </p:nvGrpSpPr>
+      <p:grpSpPr>
+        <a:xfrm>
+          <a:off x="0" y="0"/>
+          <a:ext cx="0" cy="0"/>
+          <a:chOff x="0" y="0"/>
+          <a:chExt cx="0" cy="0"/>
+        </a:xfrm>
+      </p:grpSpPr>
       <p:sp>
         <p:nvSpPr>
           <p:cNvPr id="2" name="Titre 1"/>
@@ -4237,7 +4811,7 @@
 </p:sld>
 </file>
 
-<file path=ppt/slides/slide14.xml><?xml version="1.0" encoding="utf-8"?>
+<file path=ppt/slides/slide19.xml><?xml version="1.0" encoding="utf-8"?>
 <p:sld xmlns:a="http://schemas.openxmlformats.org/drawingml/2006/main" xmlns:r="http://schemas.openxmlformats.org/officeDocument/2006/relationships" xmlns:p="http://schemas.openxmlformats.org/presentationml/2006/main">
   <p:cSld>
     <p:spTree>
@@ -4311,7 +4885,6 @@
               <a:rPr lang="en-GB" sz="4800" b="1" dirty="0" smtClean="0"/>
               <a:t>before software comes dialog</a:t>
             </a:r>
-            <a:endParaRPr lang="en-GB" sz="4800" b="1" dirty="0" smtClean="0"/>
           </a:p>
         </p:txBody>
       </p:sp>
@@ -4319,865 +4892,6 @@
     <p:extLst>
       <p:ext uri="{BB962C8B-B14F-4D97-AF65-F5344CB8AC3E}">
         <p14:creationId xmlns:p14="http://schemas.microsoft.com/office/powerpoint/2010/main" val="1404075332"/>
-      </p:ext>
-    </p:extLst>
-  </p:cSld>
-  <p:clrMapOvr>
-    <a:masterClrMapping/>
-  </p:clrMapOvr>
-  <p:timing>
-    <p:tnLst>
-      <p:par>
-        <p:cTn xmlns:p14="http://schemas.microsoft.com/office/powerpoint/2010/main" id="1" dur="indefinite" restart="never" nodeType="tmRoot"/>
-      </p:par>
-    </p:tnLst>
-  </p:timing>
-</p:sld>
-</file>
-
-<file path=ppt/slides/slide15.xml><?xml version="1.0" encoding="utf-8"?>
-<p:sld xmlns:a="http://schemas.openxmlformats.org/drawingml/2006/main" xmlns:r="http://schemas.openxmlformats.org/officeDocument/2006/relationships" xmlns:p="http://schemas.openxmlformats.org/presentationml/2006/main">
-  <p:cSld>
-    <p:spTree>
-      <p:nvGrpSpPr>
-        <p:cNvPr id="1" name=""/>
-        <p:cNvGrpSpPr/>
-        <p:nvPr/>
-      </p:nvGrpSpPr>
-      <p:grpSpPr>
-        <a:xfrm>
-          <a:off x="0" y="0"/>
-          <a:ext cx="0" cy="0"/>
-          <a:chOff x="0" y="0"/>
-          <a:chExt cx="0" cy="0"/>
-        </a:xfrm>
-      </p:grpSpPr>
-      <p:sp>
-        <p:nvSpPr>
-          <p:cNvPr id="2" name="Titre 1"/>
-          <p:cNvSpPr>
-            <a:spLocks noGrp="1"/>
-          </p:cNvSpPr>
-          <p:nvPr>
-            <p:ph type="title"/>
-          </p:nvPr>
-        </p:nvSpPr>
-        <p:spPr>
-          <a:xfrm>
-            <a:off x="457200" y="489163"/>
-            <a:ext cx="8229600" cy="1143000"/>
-          </a:xfrm>
-        </p:spPr>
-        <p:txBody>
-          <a:bodyPr/>
-          <a:lstStyle/>
-          <a:p>
-            <a:r>
-              <a:rPr lang="en-GB" sz="6600" b="1" dirty="0" smtClean="0"/>
-              <a:t>Social Process</a:t>
-            </a:r>
-            <a:endParaRPr lang="en-GB" sz="6600" b="1" dirty="0"/>
-          </a:p>
-        </p:txBody>
-      </p:sp>
-      <p:pic>
-        <p:nvPicPr>
-          <p:cNvPr id="3" name="Image 2" descr="es-doc-logo.png"/>
-          <p:cNvPicPr>
-            <a:picLocks noChangeAspect="1"/>
-          </p:cNvPicPr>
-          <p:nvPr/>
-        </p:nvPicPr>
-        <p:blipFill>
-          <a:blip r:embed="rId2">
-            <a:extLst>
-              <a:ext uri="{28A0092B-C50C-407E-A947-70E740481C1C}">
-                <a14:useLocalDpi xmlns:a14="http://schemas.microsoft.com/office/drawing/2010/main" val="0"/>
-              </a:ext>
-            </a:extLst>
-          </a:blip>
-          <a:stretch>
-            <a:fillRect/>
-          </a:stretch>
-        </p:blipFill>
-        <p:spPr>
-          <a:xfrm>
-            <a:off x="6358431" y="5962278"/>
-            <a:ext cx="2592253" cy="653902"/>
-          </a:xfrm>
-          <a:prstGeom prst="rect">
-            <a:avLst/>
-          </a:prstGeom>
-        </p:spPr>
-      </p:pic>
-      <p:sp>
-        <p:nvSpPr>
-          <p:cNvPr id="4" name="ZoneTexte 3"/>
-          <p:cNvSpPr txBox="1"/>
-          <p:nvPr/>
-        </p:nvSpPr>
-        <p:spPr>
-          <a:xfrm>
-            <a:off x="1" y="1765345"/>
-            <a:ext cx="9143999" cy="5016758"/>
-          </a:xfrm>
-          <a:prstGeom prst="rect">
-            <a:avLst/>
-          </a:prstGeom>
-          <a:noFill/>
-        </p:spPr>
-        <p:txBody>
-          <a:bodyPr wrap="square" rtlCol="0">
-            <a:spAutoFit/>
-          </a:bodyPr>
-          <a:lstStyle/>
-          <a:p>
-            <a:pPr algn="ctr"/>
-            <a:r>
-              <a:rPr lang="en-GB" sz="4800" u="sng" dirty="0" smtClean="0"/>
-              <a:t>Requirements Capture</a:t>
-            </a:r>
-          </a:p>
-          <a:p>
-            <a:pPr algn="ctr"/>
-            <a:endParaRPr lang="en-GB" sz="3200" dirty="0" smtClean="0"/>
-          </a:p>
-          <a:p>
-            <a:pPr marL="571500" indent="-571500" algn="ctr">
-              <a:buFont typeface="Arial"/>
-              <a:buChar char="•"/>
-            </a:pPr>
-            <a:r>
-              <a:rPr lang="en-GB" sz="4000" dirty="0" smtClean="0"/>
-              <a:t>scientist engagement</a:t>
-            </a:r>
-          </a:p>
-          <a:p>
-            <a:pPr marL="571500" indent="-571500" algn="ctr">
-              <a:buFont typeface="Arial"/>
-              <a:buChar char="•"/>
-            </a:pPr>
-            <a:r>
-              <a:rPr lang="en-GB" sz="4000" dirty="0" smtClean="0"/>
-              <a:t>prioritization</a:t>
-            </a:r>
-          </a:p>
-          <a:p>
-            <a:pPr marL="571500" indent="-571500" algn="ctr">
-              <a:buFont typeface="Arial"/>
-              <a:buChar char="•"/>
-            </a:pPr>
-            <a:r>
-              <a:rPr lang="en-GB" sz="4000" dirty="0" smtClean="0"/>
-              <a:t>scoping</a:t>
-            </a:r>
-          </a:p>
-          <a:p>
-            <a:pPr marL="571500" indent="-571500" algn="ctr">
-              <a:buFont typeface="Arial"/>
-              <a:buChar char="•"/>
-            </a:pPr>
-            <a:r>
-              <a:rPr lang="en-GB" sz="4000" dirty="0" smtClean="0"/>
-              <a:t>politics</a:t>
-            </a:r>
-          </a:p>
-          <a:p>
-            <a:pPr marL="571500" indent="-571500" algn="ctr">
-              <a:buFont typeface="Arial"/>
-              <a:buChar char="•"/>
-            </a:pPr>
-            <a:endParaRPr lang="en-GB" sz="4000" dirty="0" smtClean="0"/>
-          </a:p>
-          <a:p>
-            <a:pPr algn="ctr"/>
-            <a:endParaRPr lang="en-GB" sz="4000" dirty="0" smtClean="0"/>
-          </a:p>
-        </p:txBody>
-      </p:sp>
-    </p:spTree>
-    <p:extLst>
-      <p:ext uri="{BB962C8B-B14F-4D97-AF65-F5344CB8AC3E}">
-        <p14:creationId xmlns:p14="http://schemas.microsoft.com/office/powerpoint/2010/main" val="499593863"/>
-      </p:ext>
-    </p:extLst>
-  </p:cSld>
-  <p:clrMapOvr>
-    <a:masterClrMapping/>
-  </p:clrMapOvr>
-  <p:timing>
-    <p:tnLst>
-      <p:par>
-        <p:cTn xmlns:p14="http://schemas.microsoft.com/office/powerpoint/2010/main" id="1" dur="indefinite" restart="never" nodeType="tmRoot"/>
-      </p:par>
-    </p:tnLst>
-  </p:timing>
-</p:sld>
-</file>
-
-<file path=ppt/slides/slide16.xml><?xml version="1.0" encoding="utf-8"?>
-<p:sld xmlns:a="http://schemas.openxmlformats.org/drawingml/2006/main" xmlns:r="http://schemas.openxmlformats.org/officeDocument/2006/relationships" xmlns:p="http://schemas.openxmlformats.org/presentationml/2006/main">
-  <p:cSld>
-    <p:spTree>
-      <p:nvGrpSpPr>
-        <p:cNvPr id="1" name=""/>
-        <p:cNvGrpSpPr/>
-        <p:nvPr/>
-      </p:nvGrpSpPr>
-      <p:grpSpPr>
-        <a:xfrm>
-          <a:off x="0" y="0"/>
-          <a:ext cx="0" cy="0"/>
-          <a:chOff x="0" y="0"/>
-          <a:chExt cx="0" cy="0"/>
-        </a:xfrm>
-      </p:grpSpPr>
-      <p:sp>
-        <p:nvSpPr>
-          <p:cNvPr id="2" name="Titre 1"/>
-          <p:cNvSpPr>
-            <a:spLocks noGrp="1"/>
-          </p:cNvSpPr>
-          <p:nvPr>
-            <p:ph type="title"/>
-          </p:nvPr>
-        </p:nvSpPr>
-        <p:spPr>
-          <a:xfrm>
-            <a:off x="457200" y="489163"/>
-            <a:ext cx="8229600" cy="1143000"/>
-          </a:xfrm>
-        </p:spPr>
-        <p:txBody>
-          <a:bodyPr/>
-          <a:lstStyle/>
-          <a:p>
-            <a:r>
-              <a:rPr lang="en-GB" sz="6600" b="1" dirty="0"/>
-              <a:t>Social Process</a:t>
-            </a:r>
-            <a:endParaRPr lang="en-GB" sz="6600" b="1" dirty="0"/>
-          </a:p>
-        </p:txBody>
-      </p:sp>
-      <p:pic>
-        <p:nvPicPr>
-          <p:cNvPr id="3" name="Image 2" descr="es-doc-logo.png"/>
-          <p:cNvPicPr>
-            <a:picLocks noChangeAspect="1"/>
-          </p:cNvPicPr>
-          <p:nvPr/>
-        </p:nvPicPr>
-        <p:blipFill>
-          <a:blip r:embed="rId2">
-            <a:extLst>
-              <a:ext uri="{28A0092B-C50C-407E-A947-70E740481C1C}">
-                <a14:useLocalDpi xmlns:a14="http://schemas.microsoft.com/office/drawing/2010/main" val="0"/>
-              </a:ext>
-            </a:extLst>
-          </a:blip>
-          <a:stretch>
-            <a:fillRect/>
-          </a:stretch>
-        </p:blipFill>
-        <p:spPr>
-          <a:xfrm>
-            <a:off x="6358431" y="5962278"/>
-            <a:ext cx="2592253" cy="653902"/>
-          </a:xfrm>
-          <a:prstGeom prst="rect">
-            <a:avLst/>
-          </a:prstGeom>
-        </p:spPr>
-      </p:pic>
-      <p:sp>
-        <p:nvSpPr>
-          <p:cNvPr id="4" name="ZoneTexte 3"/>
-          <p:cNvSpPr txBox="1"/>
-          <p:nvPr/>
-        </p:nvSpPr>
-        <p:spPr>
-          <a:xfrm>
-            <a:off x="1" y="1765345"/>
-            <a:ext cx="9143999" cy="3785652"/>
-          </a:xfrm>
-          <a:prstGeom prst="rect">
-            <a:avLst/>
-          </a:prstGeom>
-          <a:noFill/>
-        </p:spPr>
-        <p:txBody>
-          <a:bodyPr wrap="square" rtlCol="0">
-            <a:spAutoFit/>
-          </a:bodyPr>
-          <a:lstStyle/>
-          <a:p>
-            <a:pPr algn="ctr"/>
-            <a:r>
-              <a:rPr lang="en-GB" sz="4800" u="sng" dirty="0" smtClean="0"/>
-              <a:t>Self Organization</a:t>
-            </a:r>
-          </a:p>
-          <a:p>
-            <a:pPr algn="ctr"/>
-            <a:endParaRPr lang="en-GB" sz="3200" dirty="0" smtClean="0"/>
-          </a:p>
-          <a:p>
-            <a:pPr marL="571500" indent="-571500" algn="ctr">
-              <a:buFont typeface="Arial"/>
-              <a:buChar char="•"/>
-            </a:pPr>
-            <a:r>
-              <a:rPr lang="en-GB" sz="4000" dirty="0" smtClean="0"/>
-              <a:t>roles</a:t>
-            </a:r>
-          </a:p>
-          <a:p>
-            <a:pPr marL="571500" indent="-571500" algn="ctr">
-              <a:buFont typeface="Arial"/>
-              <a:buChar char="•"/>
-            </a:pPr>
-            <a:r>
-              <a:rPr lang="en-GB" sz="4000" dirty="0" smtClean="0"/>
-              <a:t>responsibilities</a:t>
-            </a:r>
-          </a:p>
-          <a:p>
-            <a:pPr marL="571500" indent="-571500" algn="ctr">
-              <a:buFont typeface="Arial"/>
-              <a:buChar char="•"/>
-            </a:pPr>
-            <a:r>
-              <a:rPr lang="en-GB" sz="4000" dirty="0" smtClean="0"/>
-              <a:t>mutual respect</a:t>
-            </a:r>
-          </a:p>
-          <a:p>
-            <a:pPr algn="ctr"/>
-            <a:endParaRPr lang="en-GB" sz="4000" dirty="0" smtClean="0"/>
-          </a:p>
-        </p:txBody>
-      </p:sp>
-    </p:spTree>
-    <p:extLst>
-      <p:ext uri="{BB962C8B-B14F-4D97-AF65-F5344CB8AC3E}">
-        <p14:creationId xmlns:p14="http://schemas.microsoft.com/office/powerpoint/2010/main" val="3281060179"/>
-      </p:ext>
-    </p:extLst>
-  </p:cSld>
-  <p:clrMapOvr>
-    <a:masterClrMapping/>
-  </p:clrMapOvr>
-  <p:timing>
-    <p:tnLst>
-      <p:par>
-        <p:cTn xmlns:p14="http://schemas.microsoft.com/office/powerpoint/2010/main" id="1" dur="indefinite" restart="never" nodeType="tmRoot"/>
-      </p:par>
-    </p:tnLst>
-  </p:timing>
-</p:sld>
-</file>
-
-<file path=ppt/slides/slide17.xml><?xml version="1.0" encoding="utf-8"?>
-<p:sld xmlns:a="http://schemas.openxmlformats.org/drawingml/2006/main" xmlns:r="http://schemas.openxmlformats.org/officeDocument/2006/relationships" xmlns:p="http://schemas.openxmlformats.org/presentationml/2006/main">
-  <p:cSld>
-    <p:spTree>
-      <p:nvGrpSpPr>
-        <p:cNvPr id="1" name=""/>
-        <p:cNvGrpSpPr/>
-        <p:nvPr/>
-      </p:nvGrpSpPr>
-      <p:grpSpPr>
-        <a:xfrm>
-          <a:off x="0" y="0"/>
-          <a:ext cx="0" cy="0"/>
-          <a:chOff x="0" y="0"/>
-          <a:chExt cx="0" cy="0"/>
-        </a:xfrm>
-      </p:grpSpPr>
-      <p:sp>
-        <p:nvSpPr>
-          <p:cNvPr id="2" name="Titre 1"/>
-          <p:cNvSpPr>
-            <a:spLocks noGrp="1"/>
-          </p:cNvSpPr>
-          <p:nvPr>
-            <p:ph type="title"/>
-          </p:nvPr>
-        </p:nvSpPr>
-        <p:spPr>
-          <a:xfrm>
-            <a:off x="457200" y="489163"/>
-            <a:ext cx="8229600" cy="1143000"/>
-          </a:xfrm>
-        </p:spPr>
-        <p:txBody>
-          <a:bodyPr/>
-          <a:lstStyle/>
-          <a:p>
-            <a:r>
-              <a:rPr lang="en-GB" sz="6600" b="1" dirty="0"/>
-              <a:t>Social Process</a:t>
-            </a:r>
-            <a:endParaRPr lang="en-GB" sz="6600" b="1" dirty="0"/>
-          </a:p>
-        </p:txBody>
-      </p:sp>
-      <p:pic>
-        <p:nvPicPr>
-          <p:cNvPr id="3" name="Image 2" descr="es-doc-logo.png"/>
-          <p:cNvPicPr>
-            <a:picLocks noChangeAspect="1"/>
-          </p:cNvPicPr>
-          <p:nvPr/>
-        </p:nvPicPr>
-        <p:blipFill>
-          <a:blip r:embed="rId2">
-            <a:extLst>
-              <a:ext uri="{28A0092B-C50C-407E-A947-70E740481C1C}">
-                <a14:useLocalDpi xmlns:a14="http://schemas.microsoft.com/office/drawing/2010/main" val="0"/>
-              </a:ext>
-            </a:extLst>
-          </a:blip>
-          <a:stretch>
-            <a:fillRect/>
-          </a:stretch>
-        </p:blipFill>
-        <p:spPr>
-          <a:xfrm>
-            <a:off x="6358431" y="5962278"/>
-            <a:ext cx="2592253" cy="653902"/>
-          </a:xfrm>
-          <a:prstGeom prst="rect">
-            <a:avLst/>
-          </a:prstGeom>
-        </p:spPr>
-      </p:pic>
-      <p:sp>
-        <p:nvSpPr>
-          <p:cNvPr id="4" name="ZoneTexte 3"/>
-          <p:cNvSpPr txBox="1"/>
-          <p:nvPr/>
-        </p:nvSpPr>
-        <p:spPr>
-          <a:xfrm>
-            <a:off x="1" y="1765345"/>
-            <a:ext cx="9143999" cy="4401205"/>
-          </a:xfrm>
-          <a:prstGeom prst="rect">
-            <a:avLst/>
-          </a:prstGeom>
-          <a:noFill/>
-        </p:spPr>
-        <p:txBody>
-          <a:bodyPr wrap="square" rtlCol="0">
-            <a:spAutoFit/>
-          </a:bodyPr>
-          <a:lstStyle/>
-          <a:p>
-            <a:pPr algn="ctr"/>
-            <a:r>
-              <a:rPr lang="en-GB" sz="4800" u="sng" dirty="0" smtClean="0"/>
-              <a:t>Transparency</a:t>
-            </a:r>
-          </a:p>
-          <a:p>
-            <a:pPr algn="ctr"/>
-            <a:endParaRPr lang="en-GB" sz="3200" dirty="0" smtClean="0"/>
-          </a:p>
-          <a:p>
-            <a:pPr marL="571500" indent="-571500" algn="ctr">
-              <a:buFont typeface="Arial"/>
-              <a:buChar char="•"/>
-            </a:pPr>
-            <a:r>
-              <a:rPr lang="en-GB" sz="4000" dirty="0" err="1" smtClean="0"/>
-              <a:t>visibilty</a:t>
-            </a:r>
-            <a:endParaRPr lang="en-GB" sz="4000" dirty="0" smtClean="0"/>
-          </a:p>
-          <a:p>
-            <a:pPr marL="571500" indent="-571500" algn="ctr">
-              <a:buFont typeface="Arial"/>
-              <a:buChar char="•"/>
-            </a:pPr>
-            <a:r>
-              <a:rPr lang="en-GB" sz="4000" dirty="0" smtClean="0"/>
-              <a:t>accountability</a:t>
-            </a:r>
-          </a:p>
-          <a:p>
-            <a:pPr marL="571500" indent="-571500" algn="ctr">
-              <a:buFont typeface="Arial"/>
-              <a:buChar char="•"/>
-            </a:pPr>
-            <a:r>
-              <a:rPr lang="en-GB" sz="4000" dirty="0" smtClean="0"/>
-              <a:t>traceability</a:t>
-            </a:r>
-          </a:p>
-          <a:p>
-            <a:pPr marL="571500" indent="-571500" algn="ctr">
-              <a:buFont typeface="Arial"/>
-              <a:buChar char="•"/>
-            </a:pPr>
-            <a:endParaRPr lang="en-GB" sz="4000" dirty="0" smtClean="0"/>
-          </a:p>
-          <a:p>
-            <a:pPr algn="ctr"/>
-            <a:endParaRPr lang="en-GB" sz="4000" dirty="0" smtClean="0"/>
-          </a:p>
-        </p:txBody>
-      </p:sp>
-    </p:spTree>
-    <p:extLst>
-      <p:ext uri="{BB962C8B-B14F-4D97-AF65-F5344CB8AC3E}">
-        <p14:creationId xmlns:p14="http://schemas.microsoft.com/office/powerpoint/2010/main" val="453008295"/>
-      </p:ext>
-    </p:extLst>
-  </p:cSld>
-  <p:clrMapOvr>
-    <a:masterClrMapping/>
-  </p:clrMapOvr>
-  <p:timing>
-    <p:tnLst>
-      <p:par>
-        <p:cTn xmlns:p14="http://schemas.microsoft.com/office/powerpoint/2010/main" id="1" dur="indefinite" restart="never" nodeType="tmRoot"/>
-      </p:par>
-    </p:tnLst>
-  </p:timing>
-</p:sld>
-</file>
-
-<file path=ppt/slides/slide18.xml><?xml version="1.0" encoding="utf-8"?>
-<p:sld xmlns:a="http://schemas.openxmlformats.org/drawingml/2006/main" xmlns:r="http://schemas.openxmlformats.org/officeDocument/2006/relationships" xmlns:p="http://schemas.openxmlformats.org/presentationml/2006/main">
-  <p:cSld>
-    <p:spTree>
-      <p:nvGrpSpPr>
-        <p:cNvPr id="1" name=""/>
-        <p:cNvGrpSpPr/>
-        <p:nvPr/>
-      </p:nvGrpSpPr>
-      <p:grpSpPr>
-        <a:xfrm>
-          <a:off x="0" y="0"/>
-          <a:ext cx="0" cy="0"/>
-          <a:chOff x="0" y="0"/>
-          <a:chExt cx="0" cy="0"/>
-        </a:xfrm>
-      </p:grpSpPr>
-      <p:sp>
-        <p:nvSpPr>
-          <p:cNvPr id="2" name="Titre 1"/>
-          <p:cNvSpPr>
-            <a:spLocks noGrp="1"/>
-          </p:cNvSpPr>
-          <p:nvPr>
-            <p:ph type="title"/>
-          </p:nvPr>
-        </p:nvSpPr>
-        <p:spPr>
-          <a:xfrm>
-            <a:off x="457200" y="489163"/>
-            <a:ext cx="8229600" cy="1143000"/>
-          </a:xfrm>
-        </p:spPr>
-        <p:txBody>
-          <a:bodyPr/>
-          <a:lstStyle/>
-          <a:p>
-            <a:r>
-              <a:rPr lang="en-GB" sz="6600" b="1" dirty="0"/>
-              <a:t>Social Process</a:t>
-            </a:r>
-            <a:endParaRPr lang="en-GB" sz="6600" b="1" dirty="0"/>
-          </a:p>
-        </p:txBody>
-      </p:sp>
-      <p:pic>
-        <p:nvPicPr>
-          <p:cNvPr id="3" name="Image 2" descr="es-doc-logo.png"/>
-          <p:cNvPicPr>
-            <a:picLocks noChangeAspect="1"/>
-          </p:cNvPicPr>
-          <p:nvPr/>
-        </p:nvPicPr>
-        <p:blipFill>
-          <a:blip r:embed="rId2">
-            <a:extLst>
-              <a:ext uri="{28A0092B-C50C-407E-A947-70E740481C1C}">
-                <a14:useLocalDpi xmlns:a14="http://schemas.microsoft.com/office/drawing/2010/main" val="0"/>
-              </a:ext>
-            </a:extLst>
-          </a:blip>
-          <a:stretch>
-            <a:fillRect/>
-          </a:stretch>
-        </p:blipFill>
-        <p:spPr>
-          <a:xfrm>
-            <a:off x="6358431" y="5962278"/>
-            <a:ext cx="2592253" cy="653902"/>
-          </a:xfrm>
-          <a:prstGeom prst="rect">
-            <a:avLst/>
-          </a:prstGeom>
-        </p:spPr>
-      </p:pic>
-      <p:sp>
-        <p:nvSpPr>
-          <p:cNvPr id="4" name="ZoneTexte 3"/>
-          <p:cNvSpPr txBox="1"/>
-          <p:nvPr/>
-        </p:nvSpPr>
-        <p:spPr>
-          <a:xfrm>
-            <a:off x="1" y="1765345"/>
-            <a:ext cx="9143999" cy="3785652"/>
-          </a:xfrm>
-          <a:prstGeom prst="rect">
-            <a:avLst/>
-          </a:prstGeom>
-          <a:noFill/>
-        </p:spPr>
-        <p:txBody>
-          <a:bodyPr wrap="square" rtlCol="0">
-            <a:spAutoFit/>
-          </a:bodyPr>
-          <a:lstStyle/>
-          <a:p>
-            <a:pPr algn="ctr"/>
-            <a:r>
-              <a:rPr lang="en-GB" sz="4800" u="sng" dirty="0" smtClean="0"/>
-              <a:t>Ethos</a:t>
-            </a:r>
-          </a:p>
-          <a:p>
-            <a:pPr algn="ctr"/>
-            <a:endParaRPr lang="en-GB" sz="3200" dirty="0" smtClean="0"/>
-          </a:p>
-          <a:p>
-            <a:pPr marL="571500" indent="-571500" algn="ctr">
-              <a:buFont typeface="Arial"/>
-              <a:buChar char="•"/>
-            </a:pPr>
-            <a:r>
-              <a:rPr lang="en-GB" sz="4000" dirty="0" smtClean="0"/>
-              <a:t>commitment to quality</a:t>
-            </a:r>
-          </a:p>
-          <a:p>
-            <a:pPr marL="571500" indent="-571500" algn="ctr">
-              <a:buFont typeface="Arial"/>
-              <a:buChar char="•"/>
-            </a:pPr>
-            <a:r>
-              <a:rPr lang="en-GB" sz="4000" dirty="0" smtClean="0"/>
-              <a:t>determination</a:t>
-            </a:r>
-          </a:p>
-          <a:p>
-            <a:pPr marL="571500" indent="-571500" algn="ctr">
-              <a:buFont typeface="Arial"/>
-              <a:buChar char="•"/>
-            </a:pPr>
-            <a:r>
-              <a:rPr lang="en-GB" sz="4000" dirty="0" smtClean="0"/>
-              <a:t>sense of </a:t>
-            </a:r>
-            <a:r>
-              <a:rPr lang="en-GB" sz="4000" dirty="0" err="1" smtClean="0"/>
-              <a:t>humor</a:t>
-            </a:r>
-            <a:r>
-              <a:rPr lang="en-GB" sz="4000" dirty="0" smtClean="0"/>
-              <a:t> !</a:t>
-            </a:r>
-          </a:p>
-          <a:p>
-            <a:pPr algn="ctr"/>
-            <a:endParaRPr lang="en-GB" sz="4000" dirty="0" smtClean="0"/>
-          </a:p>
-        </p:txBody>
-      </p:sp>
-    </p:spTree>
-    <p:extLst>
-      <p:ext uri="{BB962C8B-B14F-4D97-AF65-F5344CB8AC3E}">
-        <p14:creationId xmlns:p14="http://schemas.microsoft.com/office/powerpoint/2010/main" val="2361889426"/>
-      </p:ext>
-    </p:extLst>
-  </p:cSld>
-  <p:clrMapOvr>
-    <a:masterClrMapping/>
-  </p:clrMapOvr>
-  <p:timing>
-    <p:tnLst>
-      <p:par>
-        <p:cTn xmlns:p14="http://schemas.microsoft.com/office/powerpoint/2010/main" id="1" dur="indefinite" restart="never" nodeType="tmRoot"/>
-      </p:par>
-    </p:tnLst>
-  </p:timing>
-</p:sld>
-</file>
-
-<file path=ppt/slides/slide19.xml><?xml version="1.0" encoding="utf-8"?>
-<p:sld xmlns:a="http://schemas.openxmlformats.org/drawingml/2006/main" xmlns:r="http://schemas.openxmlformats.org/officeDocument/2006/relationships" xmlns:p="http://schemas.openxmlformats.org/presentationml/2006/main">
-  <p:cSld>
-    <p:spTree>
-      <p:nvGrpSpPr>
-        <p:cNvPr id="1" name=""/>
-        <p:cNvGrpSpPr/>
-        <p:nvPr/>
-      </p:nvGrpSpPr>
-      <p:grpSpPr>
-        <a:xfrm>
-          <a:off x="0" y="0"/>
-          <a:ext cx="0" cy="0"/>
-          <a:chOff x="0" y="0"/>
-          <a:chExt cx="0" cy="0"/>
-        </a:xfrm>
-      </p:grpSpPr>
-      <p:sp>
-        <p:nvSpPr>
-          <p:cNvPr id="2" name="Titre 1"/>
-          <p:cNvSpPr>
-            <a:spLocks noGrp="1"/>
-          </p:cNvSpPr>
-          <p:nvPr>
-            <p:ph type="title"/>
-          </p:nvPr>
-        </p:nvSpPr>
-        <p:spPr>
-          <a:xfrm>
-            <a:off x="457200" y="489163"/>
-            <a:ext cx="8229600" cy="1143000"/>
-          </a:xfrm>
-        </p:spPr>
-        <p:txBody>
-          <a:bodyPr/>
-          <a:lstStyle/>
-          <a:p>
-            <a:r>
-              <a:rPr lang="en-GB" sz="6600" b="1" dirty="0"/>
-              <a:t>Social Process</a:t>
-            </a:r>
-            <a:endParaRPr lang="en-GB" sz="6600" b="1" dirty="0"/>
-          </a:p>
-        </p:txBody>
-      </p:sp>
-      <p:pic>
-        <p:nvPicPr>
-          <p:cNvPr id="3" name="Image 2" descr="es-doc-logo.png"/>
-          <p:cNvPicPr>
-            <a:picLocks noChangeAspect="1"/>
-          </p:cNvPicPr>
-          <p:nvPr/>
-        </p:nvPicPr>
-        <p:blipFill>
-          <a:blip r:embed="rId2">
-            <a:extLst>
-              <a:ext uri="{28A0092B-C50C-407E-A947-70E740481C1C}">
-                <a14:useLocalDpi xmlns:a14="http://schemas.microsoft.com/office/drawing/2010/main" val="0"/>
-              </a:ext>
-            </a:extLst>
-          </a:blip>
-          <a:stretch>
-            <a:fillRect/>
-          </a:stretch>
-        </p:blipFill>
-        <p:spPr>
-          <a:xfrm>
-            <a:off x="6358431" y="5962278"/>
-            <a:ext cx="2592253" cy="653902"/>
-          </a:xfrm>
-          <a:prstGeom prst="rect">
-            <a:avLst/>
-          </a:prstGeom>
-        </p:spPr>
-      </p:pic>
-      <p:sp>
-        <p:nvSpPr>
-          <p:cNvPr id="4" name="ZoneTexte 3"/>
-          <p:cNvSpPr txBox="1"/>
-          <p:nvPr/>
-        </p:nvSpPr>
-        <p:spPr>
-          <a:xfrm>
-            <a:off x="1" y="1765345"/>
-            <a:ext cx="9143999" cy="4401205"/>
-          </a:xfrm>
-          <a:prstGeom prst="rect">
-            <a:avLst/>
-          </a:prstGeom>
-          <a:noFill/>
-        </p:spPr>
-        <p:txBody>
-          <a:bodyPr wrap="square" rtlCol="0">
-            <a:spAutoFit/>
-          </a:bodyPr>
-          <a:lstStyle/>
-          <a:p>
-            <a:pPr algn="ctr"/>
-            <a:r>
-              <a:rPr lang="en-GB" sz="4800" u="sng" dirty="0" smtClean="0"/>
-              <a:t>Communication (internal)</a:t>
-            </a:r>
-          </a:p>
-          <a:p>
-            <a:pPr algn="ctr"/>
-            <a:endParaRPr lang="en-GB" sz="3200" dirty="0" smtClean="0"/>
-          </a:p>
-          <a:p>
-            <a:pPr marL="571500" indent="-571500" algn="ctr">
-              <a:buFont typeface="Arial"/>
-              <a:buChar char="•"/>
-            </a:pPr>
-            <a:r>
-              <a:rPr lang="en-GB" sz="4000" dirty="0" smtClean="0"/>
-              <a:t>face to face</a:t>
-            </a:r>
-          </a:p>
-          <a:p>
-            <a:pPr marL="571500" indent="-571500" algn="ctr">
-              <a:buFont typeface="Arial"/>
-              <a:buChar char="•"/>
-            </a:pPr>
-            <a:r>
-              <a:rPr lang="en-GB" sz="4000" dirty="0" err="1" smtClean="0"/>
-              <a:t>telcos</a:t>
-            </a:r>
-            <a:endParaRPr lang="en-GB" sz="4000" dirty="0" smtClean="0"/>
-          </a:p>
-          <a:p>
-            <a:pPr marL="571500" indent="-571500" algn="ctr">
-              <a:buFont typeface="Arial"/>
-              <a:buChar char="•"/>
-            </a:pPr>
-            <a:r>
-              <a:rPr lang="en-GB" sz="4000" dirty="0" smtClean="0"/>
-              <a:t>wiki</a:t>
-            </a:r>
-          </a:p>
-          <a:p>
-            <a:pPr marL="571500" indent="-571500" algn="ctr">
-              <a:buFont typeface="Arial"/>
-              <a:buChar char="•"/>
-            </a:pPr>
-            <a:r>
-              <a:rPr lang="en-GB" sz="4000" dirty="0" smtClean="0"/>
-              <a:t>email</a:t>
-            </a:r>
-          </a:p>
-          <a:p>
-            <a:pPr algn="ctr"/>
-            <a:endParaRPr lang="en-GB" sz="4000" dirty="0" smtClean="0"/>
-          </a:p>
-        </p:txBody>
-      </p:sp>
-    </p:spTree>
-    <p:extLst>
-      <p:ext uri="{BB962C8B-B14F-4D97-AF65-F5344CB8AC3E}">
-        <p14:creationId xmlns:p14="http://schemas.microsoft.com/office/powerpoint/2010/main" val="2361889426"/>
       </p:ext>
     </p:extLst>
   </p:cSld>
@@ -5329,7 +5043,7 @@
           <a:lstStyle/>
           <a:p>
             <a:r>
-              <a:rPr lang="en-GB" sz="6600" b="1" dirty="0"/>
+              <a:rPr lang="en-GB" sz="6600" b="1" dirty="0" smtClean="0"/>
               <a:t>Social Process</a:t>
             </a:r>
             <a:endParaRPr lang="en-GB" sz="6600" b="1" dirty="0"/>
@@ -5375,7 +5089,7 @@
         <p:spPr>
           <a:xfrm>
             <a:off x="1" y="1765345"/>
-            <a:ext cx="9143999" cy="3785652"/>
+            <a:ext cx="9143999" cy="5016758"/>
           </a:xfrm>
           <a:prstGeom prst="rect">
             <a:avLst/>
@@ -5391,15 +5105,7 @@
             <a:pPr algn="ctr"/>
             <a:r>
               <a:rPr lang="en-GB" sz="4800" u="sng" dirty="0" smtClean="0"/>
-              <a:t>Communication (</a:t>
-            </a:r>
-            <a:r>
-              <a:rPr lang="en-GB" sz="4800" u="sng" dirty="0" smtClean="0"/>
-              <a:t>ex</a:t>
-            </a:r>
-            <a:r>
-              <a:rPr lang="en-GB" sz="4800" u="sng" dirty="0" smtClean="0"/>
-              <a:t>ternal)</a:t>
+              <a:t>Requirements Capture</a:t>
             </a:r>
           </a:p>
           <a:p>
@@ -5413,7 +5119,7 @@
             </a:pPr>
             <a:r>
               <a:rPr lang="en-GB" sz="4000" dirty="0" smtClean="0"/>
-              <a:t>advocacy</a:t>
+              <a:t>scientist engagement</a:t>
             </a:r>
           </a:p>
           <a:p>
@@ -5423,7 +5129,7 @@
             </a:pPr>
             <a:r>
               <a:rPr lang="en-GB" sz="4000" dirty="0" smtClean="0"/>
-              <a:t>splash page (see branding)</a:t>
+              <a:t>prioritization</a:t>
             </a:r>
           </a:p>
           <a:p>
@@ -5433,8 +5139,25 @@
             </a:pPr>
             <a:r>
               <a:rPr lang="en-GB" sz="4000" dirty="0" smtClean="0"/>
-              <a:t>social media</a:t>
-            </a:r>
+              <a:t>scoping</a:t>
+            </a:r>
+          </a:p>
+          <a:p>
+            <a:pPr marL="571500" indent="-571500" algn="ctr">
+              <a:buFont typeface="Arial"/>
+              <a:buChar char="•"/>
+            </a:pPr>
+            <a:r>
+              <a:rPr lang="en-GB" sz="4000" dirty="0" smtClean="0"/>
+              <a:t>politics</a:t>
+            </a:r>
+          </a:p>
+          <a:p>
+            <a:pPr marL="571500" indent="-571500" algn="ctr">
+              <a:buFont typeface="Arial"/>
+              <a:buChar char="•"/>
+            </a:pPr>
+            <a:endParaRPr lang="en-GB" sz="4000" dirty="0" smtClean="0"/>
           </a:p>
           <a:p>
             <a:pPr algn="ctr"/>
@@ -5445,7 +5168,7 @@
     </p:spTree>
     <p:extLst>
       <p:ext uri="{BB962C8B-B14F-4D97-AF65-F5344CB8AC3E}">
-        <p14:creationId xmlns:p14="http://schemas.microsoft.com/office/powerpoint/2010/main" val="3460044244"/>
+        <p14:creationId xmlns:p14="http://schemas.microsoft.com/office/powerpoint/2010/main" val="499593863"/>
       </p:ext>
     </p:extLst>
   </p:cSld>
@@ -5503,7 +5226,6 @@
               <a:rPr lang="en-GB" sz="6600" b="1" dirty="0"/>
               <a:t>Social Process</a:t>
             </a:r>
-            <a:endParaRPr lang="en-GB" sz="6600" b="1" dirty="0"/>
           </a:p>
         </p:txBody>
       </p:sp>
@@ -5562,7 +5284,7 @@
             <a:pPr algn="ctr"/>
             <a:r>
               <a:rPr lang="en-GB" sz="4800" u="sng" dirty="0" smtClean="0"/>
-              <a:t>Goals</a:t>
+              <a:t>Self Organization</a:t>
             </a:r>
           </a:p>
           <a:p>
@@ -5576,7 +5298,7 @@
             </a:pPr>
             <a:r>
               <a:rPr lang="en-GB" sz="4000" dirty="0" smtClean="0"/>
-              <a:t>achievable</a:t>
+              <a:t>roles</a:t>
             </a:r>
           </a:p>
           <a:p>
@@ -5586,7 +5308,7 @@
             </a:pPr>
             <a:r>
               <a:rPr lang="en-GB" sz="4000" dirty="0" smtClean="0"/>
-              <a:t>collectively decided</a:t>
+              <a:t>responsibilities</a:t>
             </a:r>
           </a:p>
           <a:p>
@@ -5596,7 +5318,7 @@
             </a:pPr>
             <a:r>
               <a:rPr lang="en-GB" sz="4000" dirty="0" smtClean="0"/>
-              <a:t>iterative</a:t>
+              <a:t>mutual respect</a:t>
             </a:r>
           </a:p>
           <a:p>
@@ -5608,7 +5330,7 @@
     </p:spTree>
     <p:extLst>
       <p:ext uri="{BB962C8B-B14F-4D97-AF65-F5344CB8AC3E}">
-        <p14:creationId xmlns:p14="http://schemas.microsoft.com/office/powerpoint/2010/main" val="3460044244"/>
+        <p14:creationId xmlns:p14="http://schemas.microsoft.com/office/powerpoint/2010/main" val="3281060179"/>
       </p:ext>
     </p:extLst>
   </p:cSld>
@@ -5654,6 +5376,843 @@
         </p:nvSpPr>
         <p:spPr>
           <a:xfrm>
+            <a:off x="457200" y="489163"/>
+            <a:ext cx="8229600" cy="1143000"/>
+          </a:xfrm>
+        </p:spPr>
+        <p:txBody>
+          <a:bodyPr/>
+          <a:lstStyle/>
+          <a:p>
+            <a:r>
+              <a:rPr lang="en-GB" sz="6600" b="1" dirty="0"/>
+              <a:t>Social Process</a:t>
+            </a:r>
+          </a:p>
+        </p:txBody>
+      </p:sp>
+      <p:pic>
+        <p:nvPicPr>
+          <p:cNvPr id="3" name="Image 2" descr="es-doc-logo.png"/>
+          <p:cNvPicPr>
+            <a:picLocks noChangeAspect="1"/>
+          </p:cNvPicPr>
+          <p:nvPr/>
+        </p:nvPicPr>
+        <p:blipFill>
+          <a:blip r:embed="rId2">
+            <a:extLst>
+              <a:ext uri="{28A0092B-C50C-407E-A947-70E740481C1C}">
+                <a14:useLocalDpi xmlns:a14="http://schemas.microsoft.com/office/drawing/2010/main" val="0"/>
+              </a:ext>
+            </a:extLst>
+          </a:blip>
+          <a:stretch>
+            <a:fillRect/>
+          </a:stretch>
+        </p:blipFill>
+        <p:spPr>
+          <a:xfrm>
+            <a:off x="6358431" y="5962278"/>
+            <a:ext cx="2592253" cy="653902"/>
+          </a:xfrm>
+          <a:prstGeom prst="rect">
+            <a:avLst/>
+          </a:prstGeom>
+        </p:spPr>
+      </p:pic>
+      <p:sp>
+        <p:nvSpPr>
+          <p:cNvPr id="4" name="ZoneTexte 3"/>
+          <p:cNvSpPr txBox="1"/>
+          <p:nvPr/>
+        </p:nvSpPr>
+        <p:spPr>
+          <a:xfrm>
+            <a:off x="1" y="1765345"/>
+            <a:ext cx="9143999" cy="4401205"/>
+          </a:xfrm>
+          <a:prstGeom prst="rect">
+            <a:avLst/>
+          </a:prstGeom>
+          <a:noFill/>
+        </p:spPr>
+        <p:txBody>
+          <a:bodyPr wrap="square" rtlCol="0">
+            <a:spAutoFit/>
+          </a:bodyPr>
+          <a:lstStyle/>
+          <a:p>
+            <a:pPr algn="ctr"/>
+            <a:r>
+              <a:rPr lang="en-GB" sz="4800" u="sng" dirty="0" smtClean="0"/>
+              <a:t>Transparency</a:t>
+            </a:r>
+          </a:p>
+          <a:p>
+            <a:pPr algn="ctr"/>
+            <a:endParaRPr lang="en-GB" sz="3200" dirty="0" smtClean="0"/>
+          </a:p>
+          <a:p>
+            <a:pPr marL="571500" indent="-571500" algn="ctr">
+              <a:buFont typeface="Arial"/>
+              <a:buChar char="•"/>
+            </a:pPr>
+            <a:r>
+              <a:rPr lang="en-GB" sz="4000" dirty="0" err="1" smtClean="0"/>
+              <a:t>visibilty</a:t>
+            </a:r>
+            <a:endParaRPr lang="en-GB" sz="4000" dirty="0" smtClean="0"/>
+          </a:p>
+          <a:p>
+            <a:pPr marL="571500" indent="-571500" algn="ctr">
+              <a:buFont typeface="Arial"/>
+              <a:buChar char="•"/>
+            </a:pPr>
+            <a:r>
+              <a:rPr lang="en-GB" sz="4000" dirty="0" smtClean="0"/>
+              <a:t>accountability</a:t>
+            </a:r>
+          </a:p>
+          <a:p>
+            <a:pPr marL="571500" indent="-571500" algn="ctr">
+              <a:buFont typeface="Arial"/>
+              <a:buChar char="•"/>
+            </a:pPr>
+            <a:r>
+              <a:rPr lang="en-GB" sz="4000" dirty="0" smtClean="0"/>
+              <a:t>traceability</a:t>
+            </a:r>
+          </a:p>
+          <a:p>
+            <a:pPr marL="571500" indent="-571500" algn="ctr">
+              <a:buFont typeface="Arial"/>
+              <a:buChar char="•"/>
+            </a:pPr>
+            <a:endParaRPr lang="en-GB" sz="4000" dirty="0" smtClean="0"/>
+          </a:p>
+          <a:p>
+            <a:pPr algn="ctr"/>
+            <a:endParaRPr lang="en-GB" sz="4000" dirty="0" smtClean="0"/>
+          </a:p>
+        </p:txBody>
+      </p:sp>
+    </p:spTree>
+    <p:extLst>
+      <p:ext uri="{BB962C8B-B14F-4D97-AF65-F5344CB8AC3E}">
+        <p14:creationId xmlns:p14="http://schemas.microsoft.com/office/powerpoint/2010/main" val="453008295"/>
+      </p:ext>
+    </p:extLst>
+  </p:cSld>
+  <p:clrMapOvr>
+    <a:masterClrMapping/>
+  </p:clrMapOvr>
+  <p:timing>
+    <p:tnLst>
+      <p:par>
+        <p:cTn xmlns:p14="http://schemas.microsoft.com/office/powerpoint/2010/main" id="1" dur="indefinite" restart="never" nodeType="tmRoot"/>
+      </p:par>
+    </p:tnLst>
+  </p:timing>
+</p:sld>
+</file>
+
+<file path=ppt/slides/slide23.xml><?xml version="1.0" encoding="utf-8"?>
+<p:sld xmlns:a="http://schemas.openxmlformats.org/drawingml/2006/main" xmlns:r="http://schemas.openxmlformats.org/officeDocument/2006/relationships" xmlns:p="http://schemas.openxmlformats.org/presentationml/2006/main">
+  <p:cSld>
+    <p:spTree>
+      <p:nvGrpSpPr>
+        <p:cNvPr id="1" name=""/>
+        <p:cNvGrpSpPr/>
+        <p:nvPr/>
+      </p:nvGrpSpPr>
+      <p:grpSpPr>
+        <a:xfrm>
+          <a:off x="0" y="0"/>
+          <a:ext cx="0" cy="0"/>
+          <a:chOff x="0" y="0"/>
+          <a:chExt cx="0" cy="0"/>
+        </a:xfrm>
+      </p:grpSpPr>
+      <p:sp>
+        <p:nvSpPr>
+          <p:cNvPr id="2" name="Titre 1"/>
+          <p:cNvSpPr>
+            <a:spLocks noGrp="1"/>
+          </p:cNvSpPr>
+          <p:nvPr>
+            <p:ph type="title"/>
+          </p:nvPr>
+        </p:nvSpPr>
+        <p:spPr>
+          <a:xfrm>
+            <a:off x="457200" y="489163"/>
+            <a:ext cx="8229600" cy="1143000"/>
+          </a:xfrm>
+        </p:spPr>
+        <p:txBody>
+          <a:bodyPr/>
+          <a:lstStyle/>
+          <a:p>
+            <a:r>
+              <a:rPr lang="en-GB" sz="6600" b="1" dirty="0"/>
+              <a:t>Social Process</a:t>
+            </a:r>
+          </a:p>
+        </p:txBody>
+      </p:sp>
+      <p:pic>
+        <p:nvPicPr>
+          <p:cNvPr id="3" name="Image 2" descr="es-doc-logo.png"/>
+          <p:cNvPicPr>
+            <a:picLocks noChangeAspect="1"/>
+          </p:cNvPicPr>
+          <p:nvPr/>
+        </p:nvPicPr>
+        <p:blipFill>
+          <a:blip r:embed="rId2">
+            <a:extLst>
+              <a:ext uri="{28A0092B-C50C-407E-A947-70E740481C1C}">
+                <a14:useLocalDpi xmlns:a14="http://schemas.microsoft.com/office/drawing/2010/main" val="0"/>
+              </a:ext>
+            </a:extLst>
+          </a:blip>
+          <a:stretch>
+            <a:fillRect/>
+          </a:stretch>
+        </p:blipFill>
+        <p:spPr>
+          <a:xfrm>
+            <a:off x="6358431" y="5962278"/>
+            <a:ext cx="2592253" cy="653902"/>
+          </a:xfrm>
+          <a:prstGeom prst="rect">
+            <a:avLst/>
+          </a:prstGeom>
+        </p:spPr>
+      </p:pic>
+      <p:sp>
+        <p:nvSpPr>
+          <p:cNvPr id="4" name="ZoneTexte 3"/>
+          <p:cNvSpPr txBox="1"/>
+          <p:nvPr/>
+        </p:nvSpPr>
+        <p:spPr>
+          <a:xfrm>
+            <a:off x="1" y="1765345"/>
+            <a:ext cx="9143999" cy="3785652"/>
+          </a:xfrm>
+          <a:prstGeom prst="rect">
+            <a:avLst/>
+          </a:prstGeom>
+          <a:noFill/>
+        </p:spPr>
+        <p:txBody>
+          <a:bodyPr wrap="square" rtlCol="0">
+            <a:spAutoFit/>
+          </a:bodyPr>
+          <a:lstStyle/>
+          <a:p>
+            <a:pPr algn="ctr"/>
+            <a:r>
+              <a:rPr lang="en-GB" sz="4800" u="sng" dirty="0" smtClean="0"/>
+              <a:t>Ethos</a:t>
+            </a:r>
+          </a:p>
+          <a:p>
+            <a:pPr algn="ctr"/>
+            <a:endParaRPr lang="en-GB" sz="3200" dirty="0" smtClean="0"/>
+          </a:p>
+          <a:p>
+            <a:pPr marL="571500" indent="-571500" algn="ctr">
+              <a:buFont typeface="Arial"/>
+              <a:buChar char="•"/>
+            </a:pPr>
+            <a:r>
+              <a:rPr lang="en-GB" sz="4000" dirty="0" smtClean="0"/>
+              <a:t>commitment to quality</a:t>
+            </a:r>
+          </a:p>
+          <a:p>
+            <a:pPr marL="571500" indent="-571500" algn="ctr">
+              <a:buFont typeface="Arial"/>
+              <a:buChar char="•"/>
+            </a:pPr>
+            <a:r>
+              <a:rPr lang="en-GB" sz="4000" dirty="0" smtClean="0"/>
+              <a:t>determination</a:t>
+            </a:r>
+          </a:p>
+          <a:p>
+            <a:pPr marL="571500" indent="-571500" algn="ctr">
+              <a:buFont typeface="Arial"/>
+              <a:buChar char="•"/>
+            </a:pPr>
+            <a:r>
+              <a:rPr lang="en-GB" sz="4000" dirty="0" smtClean="0"/>
+              <a:t>sense of </a:t>
+            </a:r>
+            <a:r>
+              <a:rPr lang="en-GB" sz="4000" dirty="0" err="1" smtClean="0"/>
+              <a:t>humor</a:t>
+            </a:r>
+            <a:r>
+              <a:rPr lang="en-GB" sz="4000" dirty="0" smtClean="0"/>
+              <a:t> !</a:t>
+            </a:r>
+          </a:p>
+          <a:p>
+            <a:pPr algn="ctr"/>
+            <a:endParaRPr lang="en-GB" sz="4000" dirty="0" smtClean="0"/>
+          </a:p>
+        </p:txBody>
+      </p:sp>
+    </p:spTree>
+    <p:extLst>
+      <p:ext uri="{BB962C8B-B14F-4D97-AF65-F5344CB8AC3E}">
+        <p14:creationId xmlns:p14="http://schemas.microsoft.com/office/powerpoint/2010/main" val="2361889426"/>
+      </p:ext>
+    </p:extLst>
+  </p:cSld>
+  <p:clrMapOvr>
+    <a:masterClrMapping/>
+  </p:clrMapOvr>
+  <p:timing>
+    <p:tnLst>
+      <p:par>
+        <p:cTn xmlns:p14="http://schemas.microsoft.com/office/powerpoint/2010/main" id="1" dur="indefinite" restart="never" nodeType="tmRoot"/>
+      </p:par>
+    </p:tnLst>
+  </p:timing>
+</p:sld>
+</file>
+
+<file path=ppt/slides/slide24.xml><?xml version="1.0" encoding="utf-8"?>
+<p:sld xmlns:a="http://schemas.openxmlformats.org/drawingml/2006/main" xmlns:r="http://schemas.openxmlformats.org/officeDocument/2006/relationships" xmlns:p="http://schemas.openxmlformats.org/presentationml/2006/main">
+  <p:cSld>
+    <p:spTree>
+      <p:nvGrpSpPr>
+        <p:cNvPr id="1" name=""/>
+        <p:cNvGrpSpPr/>
+        <p:nvPr/>
+      </p:nvGrpSpPr>
+      <p:grpSpPr>
+        <a:xfrm>
+          <a:off x="0" y="0"/>
+          <a:ext cx="0" cy="0"/>
+          <a:chOff x="0" y="0"/>
+          <a:chExt cx="0" cy="0"/>
+        </a:xfrm>
+      </p:grpSpPr>
+      <p:sp>
+        <p:nvSpPr>
+          <p:cNvPr id="2" name="Titre 1"/>
+          <p:cNvSpPr>
+            <a:spLocks noGrp="1"/>
+          </p:cNvSpPr>
+          <p:nvPr>
+            <p:ph type="title"/>
+          </p:nvPr>
+        </p:nvSpPr>
+        <p:spPr>
+          <a:xfrm>
+            <a:off x="457200" y="489163"/>
+            <a:ext cx="8229600" cy="1143000"/>
+          </a:xfrm>
+        </p:spPr>
+        <p:txBody>
+          <a:bodyPr/>
+          <a:lstStyle/>
+          <a:p>
+            <a:r>
+              <a:rPr lang="en-GB" sz="6600" b="1" dirty="0"/>
+              <a:t>Social Process</a:t>
+            </a:r>
+          </a:p>
+        </p:txBody>
+      </p:sp>
+      <p:pic>
+        <p:nvPicPr>
+          <p:cNvPr id="3" name="Image 2" descr="es-doc-logo.png"/>
+          <p:cNvPicPr>
+            <a:picLocks noChangeAspect="1"/>
+          </p:cNvPicPr>
+          <p:nvPr/>
+        </p:nvPicPr>
+        <p:blipFill>
+          <a:blip r:embed="rId2">
+            <a:extLst>
+              <a:ext uri="{28A0092B-C50C-407E-A947-70E740481C1C}">
+                <a14:useLocalDpi xmlns:a14="http://schemas.microsoft.com/office/drawing/2010/main" val="0"/>
+              </a:ext>
+            </a:extLst>
+          </a:blip>
+          <a:stretch>
+            <a:fillRect/>
+          </a:stretch>
+        </p:blipFill>
+        <p:spPr>
+          <a:xfrm>
+            <a:off x="6358431" y="5962278"/>
+            <a:ext cx="2592253" cy="653902"/>
+          </a:xfrm>
+          <a:prstGeom prst="rect">
+            <a:avLst/>
+          </a:prstGeom>
+        </p:spPr>
+      </p:pic>
+      <p:sp>
+        <p:nvSpPr>
+          <p:cNvPr id="4" name="ZoneTexte 3"/>
+          <p:cNvSpPr txBox="1"/>
+          <p:nvPr/>
+        </p:nvSpPr>
+        <p:spPr>
+          <a:xfrm>
+            <a:off x="1" y="1765345"/>
+            <a:ext cx="9143999" cy="4401205"/>
+          </a:xfrm>
+          <a:prstGeom prst="rect">
+            <a:avLst/>
+          </a:prstGeom>
+          <a:noFill/>
+        </p:spPr>
+        <p:txBody>
+          <a:bodyPr wrap="square" rtlCol="0">
+            <a:spAutoFit/>
+          </a:bodyPr>
+          <a:lstStyle/>
+          <a:p>
+            <a:pPr algn="ctr"/>
+            <a:r>
+              <a:rPr lang="en-GB" sz="4800" u="sng" dirty="0" smtClean="0"/>
+              <a:t>Communication (internal)</a:t>
+            </a:r>
+          </a:p>
+          <a:p>
+            <a:pPr algn="ctr"/>
+            <a:endParaRPr lang="en-GB" sz="3200" dirty="0" smtClean="0"/>
+          </a:p>
+          <a:p>
+            <a:pPr marL="571500" indent="-571500" algn="ctr">
+              <a:buFont typeface="Arial"/>
+              <a:buChar char="•"/>
+            </a:pPr>
+            <a:r>
+              <a:rPr lang="en-GB" sz="4000" dirty="0" smtClean="0"/>
+              <a:t>face to face</a:t>
+            </a:r>
+          </a:p>
+          <a:p>
+            <a:pPr marL="571500" indent="-571500" algn="ctr">
+              <a:buFont typeface="Arial"/>
+              <a:buChar char="•"/>
+            </a:pPr>
+            <a:r>
+              <a:rPr lang="en-GB" sz="4000" dirty="0" err="1" smtClean="0"/>
+              <a:t>telcos</a:t>
+            </a:r>
+            <a:endParaRPr lang="en-GB" sz="4000" dirty="0" smtClean="0"/>
+          </a:p>
+          <a:p>
+            <a:pPr marL="571500" indent="-571500" algn="ctr">
+              <a:buFont typeface="Arial"/>
+              <a:buChar char="•"/>
+            </a:pPr>
+            <a:r>
+              <a:rPr lang="en-GB" sz="4000" dirty="0" smtClean="0"/>
+              <a:t>wiki</a:t>
+            </a:r>
+          </a:p>
+          <a:p>
+            <a:pPr marL="571500" indent="-571500" algn="ctr">
+              <a:buFont typeface="Arial"/>
+              <a:buChar char="•"/>
+            </a:pPr>
+            <a:r>
+              <a:rPr lang="en-GB" sz="4000" dirty="0" smtClean="0"/>
+              <a:t>email</a:t>
+            </a:r>
+          </a:p>
+          <a:p>
+            <a:pPr algn="ctr"/>
+            <a:endParaRPr lang="en-GB" sz="4000" dirty="0" smtClean="0"/>
+          </a:p>
+        </p:txBody>
+      </p:sp>
+    </p:spTree>
+    <p:extLst>
+      <p:ext uri="{BB962C8B-B14F-4D97-AF65-F5344CB8AC3E}">
+        <p14:creationId xmlns:p14="http://schemas.microsoft.com/office/powerpoint/2010/main" val="2361889426"/>
+      </p:ext>
+    </p:extLst>
+  </p:cSld>
+  <p:clrMapOvr>
+    <a:masterClrMapping/>
+  </p:clrMapOvr>
+  <p:timing>
+    <p:tnLst>
+      <p:par>
+        <p:cTn xmlns:p14="http://schemas.microsoft.com/office/powerpoint/2010/main" id="1" dur="indefinite" restart="never" nodeType="tmRoot"/>
+      </p:par>
+    </p:tnLst>
+  </p:timing>
+</p:sld>
+</file>
+
+<file path=ppt/slides/slide25.xml><?xml version="1.0" encoding="utf-8"?>
+<p:sld xmlns:a="http://schemas.openxmlformats.org/drawingml/2006/main" xmlns:r="http://schemas.openxmlformats.org/officeDocument/2006/relationships" xmlns:p="http://schemas.openxmlformats.org/presentationml/2006/main">
+  <p:cSld>
+    <p:spTree>
+      <p:nvGrpSpPr>
+        <p:cNvPr id="1" name=""/>
+        <p:cNvGrpSpPr/>
+        <p:nvPr/>
+      </p:nvGrpSpPr>
+      <p:grpSpPr>
+        <a:xfrm>
+          <a:off x="0" y="0"/>
+          <a:ext cx="0" cy="0"/>
+          <a:chOff x="0" y="0"/>
+          <a:chExt cx="0" cy="0"/>
+        </a:xfrm>
+      </p:grpSpPr>
+      <p:sp>
+        <p:nvSpPr>
+          <p:cNvPr id="2" name="Titre 1"/>
+          <p:cNvSpPr>
+            <a:spLocks noGrp="1"/>
+          </p:cNvSpPr>
+          <p:nvPr>
+            <p:ph type="title"/>
+          </p:nvPr>
+        </p:nvSpPr>
+        <p:spPr>
+          <a:xfrm>
+            <a:off x="457200" y="489163"/>
+            <a:ext cx="8229600" cy="1143000"/>
+          </a:xfrm>
+        </p:spPr>
+        <p:txBody>
+          <a:bodyPr/>
+          <a:lstStyle/>
+          <a:p>
+            <a:r>
+              <a:rPr lang="en-GB" sz="6600" b="1" dirty="0"/>
+              <a:t>Social Process</a:t>
+            </a:r>
+          </a:p>
+        </p:txBody>
+      </p:sp>
+      <p:pic>
+        <p:nvPicPr>
+          <p:cNvPr id="3" name="Image 2" descr="es-doc-logo.png"/>
+          <p:cNvPicPr>
+            <a:picLocks noChangeAspect="1"/>
+          </p:cNvPicPr>
+          <p:nvPr/>
+        </p:nvPicPr>
+        <p:blipFill>
+          <a:blip r:embed="rId2">
+            <a:extLst>
+              <a:ext uri="{28A0092B-C50C-407E-A947-70E740481C1C}">
+                <a14:useLocalDpi xmlns:a14="http://schemas.microsoft.com/office/drawing/2010/main" val="0"/>
+              </a:ext>
+            </a:extLst>
+          </a:blip>
+          <a:stretch>
+            <a:fillRect/>
+          </a:stretch>
+        </p:blipFill>
+        <p:spPr>
+          <a:xfrm>
+            <a:off x="6358431" y="5962278"/>
+            <a:ext cx="2592253" cy="653902"/>
+          </a:xfrm>
+          <a:prstGeom prst="rect">
+            <a:avLst/>
+          </a:prstGeom>
+        </p:spPr>
+      </p:pic>
+      <p:sp>
+        <p:nvSpPr>
+          <p:cNvPr id="4" name="ZoneTexte 3"/>
+          <p:cNvSpPr txBox="1"/>
+          <p:nvPr/>
+        </p:nvSpPr>
+        <p:spPr>
+          <a:xfrm>
+            <a:off x="1" y="1765345"/>
+            <a:ext cx="9143999" cy="3785652"/>
+          </a:xfrm>
+          <a:prstGeom prst="rect">
+            <a:avLst/>
+          </a:prstGeom>
+          <a:noFill/>
+        </p:spPr>
+        <p:txBody>
+          <a:bodyPr wrap="square" rtlCol="0">
+            <a:spAutoFit/>
+          </a:bodyPr>
+          <a:lstStyle/>
+          <a:p>
+            <a:pPr algn="ctr"/>
+            <a:r>
+              <a:rPr lang="en-GB" sz="4800" u="sng" dirty="0" smtClean="0"/>
+              <a:t>Communication (external)</a:t>
+            </a:r>
+          </a:p>
+          <a:p>
+            <a:pPr algn="ctr"/>
+            <a:endParaRPr lang="en-GB" sz="3200" dirty="0" smtClean="0"/>
+          </a:p>
+          <a:p>
+            <a:pPr marL="571500" indent="-571500" algn="ctr">
+              <a:buFont typeface="Arial"/>
+              <a:buChar char="•"/>
+            </a:pPr>
+            <a:r>
+              <a:rPr lang="en-GB" sz="4000" dirty="0" smtClean="0"/>
+              <a:t>advocacy</a:t>
+            </a:r>
+          </a:p>
+          <a:p>
+            <a:pPr marL="571500" indent="-571500" algn="ctr">
+              <a:buFont typeface="Arial"/>
+              <a:buChar char="•"/>
+            </a:pPr>
+            <a:r>
+              <a:rPr lang="en-GB" sz="4000" dirty="0" smtClean="0"/>
+              <a:t>splash page (see branding)</a:t>
+            </a:r>
+          </a:p>
+          <a:p>
+            <a:pPr marL="571500" indent="-571500" algn="ctr">
+              <a:buFont typeface="Arial"/>
+              <a:buChar char="•"/>
+            </a:pPr>
+            <a:r>
+              <a:rPr lang="en-GB" sz="4000" dirty="0" smtClean="0"/>
+              <a:t>social media</a:t>
+            </a:r>
+          </a:p>
+          <a:p>
+            <a:pPr algn="ctr"/>
+            <a:endParaRPr lang="en-GB" sz="4000" dirty="0" smtClean="0"/>
+          </a:p>
+        </p:txBody>
+      </p:sp>
+    </p:spTree>
+    <p:extLst>
+      <p:ext uri="{BB962C8B-B14F-4D97-AF65-F5344CB8AC3E}">
+        <p14:creationId xmlns:p14="http://schemas.microsoft.com/office/powerpoint/2010/main" val="3460044244"/>
+      </p:ext>
+    </p:extLst>
+  </p:cSld>
+  <p:clrMapOvr>
+    <a:masterClrMapping/>
+  </p:clrMapOvr>
+  <p:timing>
+    <p:tnLst>
+      <p:par>
+        <p:cTn xmlns:p14="http://schemas.microsoft.com/office/powerpoint/2010/main" id="1" dur="indefinite" restart="never" nodeType="tmRoot"/>
+      </p:par>
+    </p:tnLst>
+  </p:timing>
+</p:sld>
+</file>
+
+<file path=ppt/slides/slide26.xml><?xml version="1.0" encoding="utf-8"?>
+<p:sld xmlns:a="http://schemas.openxmlformats.org/drawingml/2006/main" xmlns:r="http://schemas.openxmlformats.org/officeDocument/2006/relationships" xmlns:p="http://schemas.openxmlformats.org/presentationml/2006/main">
+  <p:cSld>
+    <p:spTree>
+      <p:nvGrpSpPr>
+        <p:cNvPr id="1" name=""/>
+        <p:cNvGrpSpPr/>
+        <p:nvPr/>
+      </p:nvGrpSpPr>
+      <p:grpSpPr>
+        <a:xfrm>
+          <a:off x="0" y="0"/>
+          <a:ext cx="0" cy="0"/>
+          <a:chOff x="0" y="0"/>
+          <a:chExt cx="0" cy="0"/>
+        </a:xfrm>
+      </p:grpSpPr>
+      <p:sp>
+        <p:nvSpPr>
+          <p:cNvPr id="2" name="Titre 1"/>
+          <p:cNvSpPr>
+            <a:spLocks noGrp="1"/>
+          </p:cNvSpPr>
+          <p:nvPr>
+            <p:ph type="title"/>
+          </p:nvPr>
+        </p:nvSpPr>
+        <p:spPr>
+          <a:xfrm>
+            <a:off x="457200" y="489163"/>
+            <a:ext cx="8229600" cy="1143000"/>
+          </a:xfrm>
+        </p:spPr>
+        <p:txBody>
+          <a:bodyPr/>
+          <a:lstStyle/>
+          <a:p>
+            <a:r>
+              <a:rPr lang="en-GB" sz="6600" b="1" dirty="0"/>
+              <a:t>Social Process</a:t>
+            </a:r>
+          </a:p>
+        </p:txBody>
+      </p:sp>
+      <p:pic>
+        <p:nvPicPr>
+          <p:cNvPr id="3" name="Image 2" descr="es-doc-logo.png"/>
+          <p:cNvPicPr>
+            <a:picLocks noChangeAspect="1"/>
+          </p:cNvPicPr>
+          <p:nvPr/>
+        </p:nvPicPr>
+        <p:blipFill>
+          <a:blip r:embed="rId2">
+            <a:extLst>
+              <a:ext uri="{28A0092B-C50C-407E-A947-70E740481C1C}">
+                <a14:useLocalDpi xmlns:a14="http://schemas.microsoft.com/office/drawing/2010/main" val="0"/>
+              </a:ext>
+            </a:extLst>
+          </a:blip>
+          <a:stretch>
+            <a:fillRect/>
+          </a:stretch>
+        </p:blipFill>
+        <p:spPr>
+          <a:xfrm>
+            <a:off x="6358431" y="5962278"/>
+            <a:ext cx="2592253" cy="653902"/>
+          </a:xfrm>
+          <a:prstGeom prst="rect">
+            <a:avLst/>
+          </a:prstGeom>
+        </p:spPr>
+      </p:pic>
+      <p:sp>
+        <p:nvSpPr>
+          <p:cNvPr id="4" name="ZoneTexte 3"/>
+          <p:cNvSpPr txBox="1"/>
+          <p:nvPr/>
+        </p:nvSpPr>
+        <p:spPr>
+          <a:xfrm>
+            <a:off x="1" y="1765345"/>
+            <a:ext cx="9143999" cy="3785652"/>
+          </a:xfrm>
+          <a:prstGeom prst="rect">
+            <a:avLst/>
+          </a:prstGeom>
+          <a:noFill/>
+        </p:spPr>
+        <p:txBody>
+          <a:bodyPr wrap="square" rtlCol="0">
+            <a:spAutoFit/>
+          </a:bodyPr>
+          <a:lstStyle/>
+          <a:p>
+            <a:pPr algn="ctr"/>
+            <a:r>
+              <a:rPr lang="en-GB" sz="4800" u="sng" dirty="0" smtClean="0"/>
+              <a:t>Goals</a:t>
+            </a:r>
+          </a:p>
+          <a:p>
+            <a:pPr algn="ctr"/>
+            <a:endParaRPr lang="en-GB" sz="3200" dirty="0" smtClean="0"/>
+          </a:p>
+          <a:p>
+            <a:pPr marL="571500" indent="-571500" algn="ctr">
+              <a:buFont typeface="Arial"/>
+              <a:buChar char="•"/>
+            </a:pPr>
+            <a:r>
+              <a:rPr lang="en-GB" sz="4000" dirty="0" smtClean="0"/>
+              <a:t>achievable</a:t>
+            </a:r>
+          </a:p>
+          <a:p>
+            <a:pPr marL="571500" indent="-571500" algn="ctr">
+              <a:buFont typeface="Arial"/>
+              <a:buChar char="•"/>
+            </a:pPr>
+            <a:r>
+              <a:rPr lang="en-GB" sz="4000" dirty="0" smtClean="0"/>
+              <a:t>collectively decided</a:t>
+            </a:r>
+          </a:p>
+          <a:p>
+            <a:pPr marL="571500" indent="-571500" algn="ctr">
+              <a:buFont typeface="Arial"/>
+              <a:buChar char="•"/>
+            </a:pPr>
+            <a:r>
+              <a:rPr lang="en-GB" sz="4000" dirty="0" smtClean="0"/>
+              <a:t>iterative</a:t>
+            </a:r>
+          </a:p>
+          <a:p>
+            <a:pPr algn="ctr"/>
+            <a:endParaRPr lang="en-GB" sz="4000" dirty="0" smtClean="0"/>
+          </a:p>
+        </p:txBody>
+      </p:sp>
+    </p:spTree>
+    <p:extLst>
+      <p:ext uri="{BB962C8B-B14F-4D97-AF65-F5344CB8AC3E}">
+        <p14:creationId xmlns:p14="http://schemas.microsoft.com/office/powerpoint/2010/main" val="3460044244"/>
+      </p:ext>
+    </p:extLst>
+  </p:cSld>
+  <p:clrMapOvr>
+    <a:masterClrMapping/>
+  </p:clrMapOvr>
+  <p:timing>
+    <p:tnLst>
+      <p:par>
+        <p:cTn xmlns:p14="http://schemas.microsoft.com/office/powerpoint/2010/main" id="1" dur="indefinite" restart="never" nodeType="tmRoot"/>
+      </p:par>
+    </p:tnLst>
+  </p:timing>
+</p:sld>
+</file>
+
+<file path=ppt/slides/slide27.xml><?xml version="1.0" encoding="utf-8"?>
+<p:sld xmlns:a="http://schemas.openxmlformats.org/drawingml/2006/main" xmlns:r="http://schemas.openxmlformats.org/officeDocument/2006/relationships" xmlns:p="http://schemas.openxmlformats.org/presentationml/2006/main">
+  <p:cSld>
+    <p:spTree>
+      <p:nvGrpSpPr>
+        <p:cNvPr id="1" name=""/>
+        <p:cNvGrpSpPr/>
+        <p:nvPr/>
+      </p:nvGrpSpPr>
+      <p:grpSpPr>
+        <a:xfrm>
+          <a:off x="0" y="0"/>
+          <a:ext cx="0" cy="0"/>
+          <a:chOff x="0" y="0"/>
+          <a:chExt cx="0" cy="0"/>
+        </a:xfrm>
+      </p:grpSpPr>
+      <p:sp>
+        <p:nvSpPr>
+          <p:cNvPr id="2" name="Titre 1"/>
+          <p:cNvSpPr>
+            <a:spLocks noGrp="1"/>
+          </p:cNvSpPr>
+          <p:nvPr>
+            <p:ph type="title"/>
+          </p:nvPr>
+        </p:nvSpPr>
+        <p:spPr>
+          <a:xfrm>
             <a:off x="517266" y="2471269"/>
             <a:ext cx="8229600" cy="1143000"/>
           </a:xfrm>
@@ -5720,7 +6279,7 @@
 </p:sld>
 </file>
 
-<file path=ppt/slides/slide23.xml><?xml version="1.0" encoding="utf-8"?>
+<file path=ppt/slides/slide28.xml><?xml version="1.0" encoding="utf-8"?>
 <p:sld xmlns:a="http://schemas.openxmlformats.org/drawingml/2006/main" xmlns:r="http://schemas.openxmlformats.org/officeDocument/2006/relationships" xmlns:p="http://schemas.openxmlformats.org/presentationml/2006/main">
   <p:cSld>
     <p:spTree>
@@ -5794,7 +6353,6 @@
               <a:rPr lang="en-GB" sz="4800" b="1" dirty="0" smtClean="0"/>
               <a:t>after dialog comes software</a:t>
             </a:r>
-            <a:endParaRPr lang="en-GB" sz="4800" b="1" dirty="0" smtClean="0"/>
           </a:p>
         </p:txBody>
       </p:sp>
@@ -5802,810 +6360,6 @@
     <p:extLst>
       <p:ext uri="{BB962C8B-B14F-4D97-AF65-F5344CB8AC3E}">
         <p14:creationId xmlns:p14="http://schemas.microsoft.com/office/powerpoint/2010/main" val="1902806585"/>
-      </p:ext>
-    </p:extLst>
-  </p:cSld>
-  <p:clrMapOvr>
-    <a:masterClrMapping/>
-  </p:clrMapOvr>
-  <p:timing>
-    <p:tnLst>
-      <p:par>
-        <p:cTn xmlns:p14="http://schemas.microsoft.com/office/powerpoint/2010/main" id="1" dur="indefinite" restart="never" nodeType="tmRoot"/>
-      </p:par>
-    </p:tnLst>
-  </p:timing>
-</p:sld>
-</file>
-
-<file path=ppt/slides/slide24.xml><?xml version="1.0" encoding="utf-8"?>
-<p:sld xmlns:a="http://schemas.openxmlformats.org/drawingml/2006/main" xmlns:r="http://schemas.openxmlformats.org/officeDocument/2006/relationships" xmlns:p="http://schemas.openxmlformats.org/presentationml/2006/main">
-  <p:cSld>
-    <p:spTree>
-      <p:nvGrpSpPr>
-        <p:cNvPr id="1" name=""/>
-        <p:cNvGrpSpPr/>
-        <p:nvPr/>
-      </p:nvGrpSpPr>
-      <p:grpSpPr>
-        <a:xfrm>
-          <a:off x="0" y="0"/>
-          <a:ext cx="0" cy="0"/>
-          <a:chOff x="0" y="0"/>
-          <a:chExt cx="0" cy="0"/>
-        </a:xfrm>
-      </p:grpSpPr>
-      <p:sp>
-        <p:nvSpPr>
-          <p:cNvPr id="2" name="Titre 1"/>
-          <p:cNvSpPr>
-            <a:spLocks noGrp="1"/>
-          </p:cNvSpPr>
-          <p:nvPr>
-            <p:ph type="title"/>
-          </p:nvPr>
-        </p:nvSpPr>
-        <p:spPr>
-          <a:xfrm>
-            <a:off x="457200" y="489163"/>
-            <a:ext cx="8229600" cy="1143000"/>
-          </a:xfrm>
-        </p:spPr>
-        <p:txBody>
-          <a:bodyPr/>
-          <a:lstStyle/>
-          <a:p>
-            <a:r>
-              <a:rPr lang="en-GB" sz="6600" b="1" dirty="0" smtClean="0"/>
-              <a:t>Technical Process</a:t>
-            </a:r>
-            <a:endParaRPr lang="en-GB" sz="6600" b="1" dirty="0"/>
-          </a:p>
-        </p:txBody>
-      </p:sp>
-      <p:pic>
-        <p:nvPicPr>
-          <p:cNvPr id="3" name="Image 2" descr="es-doc-logo.png"/>
-          <p:cNvPicPr>
-            <a:picLocks noChangeAspect="1"/>
-          </p:cNvPicPr>
-          <p:nvPr/>
-        </p:nvPicPr>
-        <p:blipFill>
-          <a:blip r:embed="rId2">
-            <a:extLst>
-              <a:ext uri="{28A0092B-C50C-407E-A947-70E740481C1C}">
-                <a14:useLocalDpi xmlns:a14="http://schemas.microsoft.com/office/drawing/2010/main" val="0"/>
-              </a:ext>
-            </a:extLst>
-          </a:blip>
-          <a:stretch>
-            <a:fillRect/>
-          </a:stretch>
-        </p:blipFill>
-        <p:spPr>
-          <a:xfrm>
-            <a:off x="6358431" y="5962278"/>
-            <a:ext cx="2592253" cy="653902"/>
-          </a:xfrm>
-          <a:prstGeom prst="rect">
-            <a:avLst/>
-          </a:prstGeom>
-        </p:spPr>
-      </p:pic>
-      <p:sp>
-        <p:nvSpPr>
-          <p:cNvPr id="4" name="ZoneTexte 3"/>
-          <p:cNvSpPr txBox="1"/>
-          <p:nvPr/>
-        </p:nvSpPr>
-        <p:spPr>
-          <a:xfrm>
-            <a:off x="1" y="1765345"/>
-            <a:ext cx="9143999" cy="3170099"/>
-          </a:xfrm>
-          <a:prstGeom prst="rect">
-            <a:avLst/>
-          </a:prstGeom>
-          <a:noFill/>
-        </p:spPr>
-        <p:txBody>
-          <a:bodyPr wrap="square" rtlCol="0">
-            <a:spAutoFit/>
-          </a:bodyPr>
-          <a:lstStyle/>
-          <a:p>
-            <a:pPr algn="ctr"/>
-            <a:r>
-              <a:rPr lang="en-GB" sz="4800" u="sng" dirty="0" smtClean="0"/>
-              <a:t>Information Architecture</a:t>
-            </a:r>
-          </a:p>
-          <a:p>
-            <a:pPr algn="ctr"/>
-            <a:endParaRPr lang="en-GB" sz="3200" dirty="0" smtClean="0"/>
-          </a:p>
-          <a:p>
-            <a:pPr marL="571500" indent="-571500" algn="ctr">
-              <a:buFont typeface="Arial"/>
-              <a:buChar char="•"/>
-            </a:pPr>
-            <a:r>
-              <a:rPr lang="en-GB" sz="4000" dirty="0" smtClean="0"/>
-              <a:t>domain driven design</a:t>
-            </a:r>
-          </a:p>
-          <a:p>
-            <a:pPr marL="571500" indent="-571500" algn="ctr">
-              <a:buFont typeface="Arial"/>
-              <a:buChar char="•"/>
-            </a:pPr>
-            <a:r>
-              <a:rPr lang="en-GB" sz="4000" dirty="0" smtClean="0"/>
-              <a:t>ontologies</a:t>
-            </a:r>
-          </a:p>
-          <a:p>
-            <a:pPr algn="ctr"/>
-            <a:endParaRPr lang="en-GB" sz="4000" dirty="0" smtClean="0"/>
-          </a:p>
-        </p:txBody>
-      </p:sp>
-    </p:spTree>
-    <p:extLst>
-      <p:ext uri="{BB962C8B-B14F-4D97-AF65-F5344CB8AC3E}">
-        <p14:creationId xmlns:p14="http://schemas.microsoft.com/office/powerpoint/2010/main" val="2739767578"/>
-      </p:ext>
-    </p:extLst>
-  </p:cSld>
-  <p:clrMapOvr>
-    <a:masterClrMapping/>
-  </p:clrMapOvr>
-  <p:timing>
-    <p:tnLst>
-      <p:par>
-        <p:cTn xmlns:p14="http://schemas.microsoft.com/office/powerpoint/2010/main" id="1" dur="indefinite" restart="never" nodeType="tmRoot"/>
-      </p:par>
-    </p:tnLst>
-  </p:timing>
-</p:sld>
-</file>
-
-<file path=ppt/slides/slide25.xml><?xml version="1.0" encoding="utf-8"?>
-<p:sld xmlns:a="http://schemas.openxmlformats.org/drawingml/2006/main" xmlns:r="http://schemas.openxmlformats.org/officeDocument/2006/relationships" xmlns:p="http://schemas.openxmlformats.org/presentationml/2006/main">
-  <p:cSld>
-    <p:spTree>
-      <p:nvGrpSpPr>
-        <p:cNvPr id="1" name=""/>
-        <p:cNvGrpSpPr/>
-        <p:nvPr/>
-      </p:nvGrpSpPr>
-      <p:grpSpPr>
-        <a:xfrm>
-          <a:off x="0" y="0"/>
-          <a:ext cx="0" cy="0"/>
-          <a:chOff x="0" y="0"/>
-          <a:chExt cx="0" cy="0"/>
-        </a:xfrm>
-      </p:grpSpPr>
-      <p:sp>
-        <p:nvSpPr>
-          <p:cNvPr id="2" name="Titre 1"/>
-          <p:cNvSpPr>
-            <a:spLocks noGrp="1"/>
-          </p:cNvSpPr>
-          <p:nvPr>
-            <p:ph type="title"/>
-          </p:nvPr>
-        </p:nvSpPr>
-        <p:spPr>
-          <a:xfrm>
-            <a:off x="457200" y="489163"/>
-            <a:ext cx="8229600" cy="1143000"/>
-          </a:xfrm>
-        </p:spPr>
-        <p:txBody>
-          <a:bodyPr/>
-          <a:lstStyle/>
-          <a:p>
-            <a:r>
-              <a:rPr lang="en-GB" sz="6600" b="1" dirty="0"/>
-              <a:t>Technical Process</a:t>
-            </a:r>
-            <a:endParaRPr lang="en-GB" sz="6600" b="1" dirty="0"/>
-          </a:p>
-        </p:txBody>
-      </p:sp>
-      <p:pic>
-        <p:nvPicPr>
-          <p:cNvPr id="3" name="Image 2" descr="es-doc-logo.png"/>
-          <p:cNvPicPr>
-            <a:picLocks noChangeAspect="1"/>
-          </p:cNvPicPr>
-          <p:nvPr/>
-        </p:nvPicPr>
-        <p:blipFill>
-          <a:blip r:embed="rId2">
-            <a:extLst>
-              <a:ext uri="{28A0092B-C50C-407E-A947-70E740481C1C}">
-                <a14:useLocalDpi xmlns:a14="http://schemas.microsoft.com/office/drawing/2010/main" val="0"/>
-              </a:ext>
-            </a:extLst>
-          </a:blip>
-          <a:stretch>
-            <a:fillRect/>
-          </a:stretch>
-        </p:blipFill>
-        <p:spPr>
-          <a:xfrm>
-            <a:off x="6358431" y="5962278"/>
-            <a:ext cx="2592253" cy="653902"/>
-          </a:xfrm>
-          <a:prstGeom prst="rect">
-            <a:avLst/>
-          </a:prstGeom>
-        </p:spPr>
-      </p:pic>
-      <p:sp>
-        <p:nvSpPr>
-          <p:cNvPr id="4" name="ZoneTexte 3"/>
-          <p:cNvSpPr txBox="1"/>
-          <p:nvPr/>
-        </p:nvSpPr>
-        <p:spPr>
-          <a:xfrm>
-            <a:off x="1" y="1765345"/>
-            <a:ext cx="9143999" cy="3785652"/>
-          </a:xfrm>
-          <a:prstGeom prst="rect">
-            <a:avLst/>
-          </a:prstGeom>
-          <a:noFill/>
-        </p:spPr>
-        <p:txBody>
-          <a:bodyPr wrap="square" rtlCol="0">
-            <a:spAutoFit/>
-          </a:bodyPr>
-          <a:lstStyle/>
-          <a:p>
-            <a:pPr algn="ctr"/>
-            <a:r>
-              <a:rPr lang="en-GB" sz="4800" u="sng" dirty="0" smtClean="0"/>
-              <a:t>Meta-programming</a:t>
-            </a:r>
-          </a:p>
-          <a:p>
-            <a:pPr algn="ctr"/>
-            <a:endParaRPr lang="en-GB" sz="3200" dirty="0" smtClean="0"/>
-          </a:p>
-          <a:p>
-            <a:pPr marL="571500" indent="-571500" algn="ctr">
-              <a:buFont typeface="Arial"/>
-              <a:buChar char="•"/>
-            </a:pPr>
-            <a:r>
-              <a:rPr lang="en-GB" sz="4000" dirty="0" smtClean="0"/>
-              <a:t>Code generation</a:t>
-            </a:r>
-          </a:p>
-          <a:p>
-            <a:pPr marL="571500" indent="-571500" algn="ctr">
-              <a:buFont typeface="Arial"/>
-              <a:buChar char="•"/>
-            </a:pPr>
-            <a:r>
-              <a:rPr lang="en-GB" sz="4000" dirty="0" smtClean="0"/>
-              <a:t>Multi-language support</a:t>
-            </a:r>
-          </a:p>
-          <a:p>
-            <a:pPr marL="571500" indent="-571500" algn="ctr">
-              <a:buFont typeface="Arial"/>
-              <a:buChar char="•"/>
-            </a:pPr>
-            <a:r>
-              <a:rPr lang="en-GB" sz="4000" dirty="0" smtClean="0"/>
-              <a:t>Supports </a:t>
-            </a:r>
-            <a:r>
-              <a:rPr lang="en-GB" sz="4000" dirty="0" err="1" smtClean="0"/>
-              <a:t>quaility</a:t>
-            </a:r>
-            <a:endParaRPr lang="en-GB" sz="4000" dirty="0" smtClean="0"/>
-          </a:p>
-          <a:p>
-            <a:pPr algn="ctr"/>
-            <a:endParaRPr lang="en-GB" sz="4000" dirty="0" smtClean="0"/>
-          </a:p>
-        </p:txBody>
-      </p:sp>
-    </p:spTree>
-    <p:extLst>
-      <p:ext uri="{BB962C8B-B14F-4D97-AF65-F5344CB8AC3E}">
-        <p14:creationId xmlns:p14="http://schemas.microsoft.com/office/powerpoint/2010/main" val="1354466527"/>
-      </p:ext>
-    </p:extLst>
-  </p:cSld>
-  <p:clrMapOvr>
-    <a:masterClrMapping/>
-  </p:clrMapOvr>
-  <p:timing>
-    <p:tnLst>
-      <p:par>
-        <p:cTn xmlns:p14="http://schemas.microsoft.com/office/powerpoint/2010/main" id="1" dur="indefinite" restart="never" nodeType="tmRoot"/>
-      </p:par>
-    </p:tnLst>
-  </p:timing>
-</p:sld>
-</file>
-
-<file path=ppt/slides/slide26.xml><?xml version="1.0" encoding="utf-8"?>
-<p:sld xmlns:a="http://schemas.openxmlformats.org/drawingml/2006/main" xmlns:r="http://schemas.openxmlformats.org/officeDocument/2006/relationships" xmlns:p="http://schemas.openxmlformats.org/presentationml/2006/main">
-  <p:cSld>
-    <p:spTree>
-      <p:nvGrpSpPr>
-        <p:cNvPr id="1" name=""/>
-        <p:cNvGrpSpPr/>
-        <p:nvPr/>
-      </p:nvGrpSpPr>
-      <p:grpSpPr>
-        <a:xfrm>
-          <a:off x="0" y="0"/>
-          <a:ext cx="0" cy="0"/>
-          <a:chOff x="0" y="0"/>
-          <a:chExt cx="0" cy="0"/>
-        </a:xfrm>
-      </p:grpSpPr>
-      <p:sp>
-        <p:nvSpPr>
-          <p:cNvPr id="2" name="Titre 1"/>
-          <p:cNvSpPr>
-            <a:spLocks noGrp="1"/>
-          </p:cNvSpPr>
-          <p:nvPr>
-            <p:ph type="title"/>
-          </p:nvPr>
-        </p:nvSpPr>
-        <p:spPr>
-          <a:xfrm>
-            <a:off x="457200" y="489163"/>
-            <a:ext cx="8229600" cy="1143000"/>
-          </a:xfrm>
-        </p:spPr>
-        <p:txBody>
-          <a:bodyPr/>
-          <a:lstStyle/>
-          <a:p>
-            <a:r>
-              <a:rPr lang="en-GB" sz="6600" b="1" dirty="0"/>
-              <a:t>Technical Process</a:t>
-            </a:r>
-            <a:endParaRPr lang="en-GB" sz="6600" b="1" dirty="0"/>
-          </a:p>
-        </p:txBody>
-      </p:sp>
-      <p:pic>
-        <p:nvPicPr>
-          <p:cNvPr id="3" name="Image 2" descr="es-doc-logo.png"/>
-          <p:cNvPicPr>
-            <a:picLocks noChangeAspect="1"/>
-          </p:cNvPicPr>
-          <p:nvPr/>
-        </p:nvPicPr>
-        <p:blipFill>
-          <a:blip r:embed="rId2">
-            <a:extLst>
-              <a:ext uri="{28A0092B-C50C-407E-A947-70E740481C1C}">
-                <a14:useLocalDpi xmlns:a14="http://schemas.microsoft.com/office/drawing/2010/main" val="0"/>
-              </a:ext>
-            </a:extLst>
-          </a:blip>
-          <a:stretch>
-            <a:fillRect/>
-          </a:stretch>
-        </p:blipFill>
-        <p:spPr>
-          <a:xfrm>
-            <a:off x="6358431" y="5962278"/>
-            <a:ext cx="2592253" cy="653902"/>
-          </a:xfrm>
-          <a:prstGeom prst="rect">
-            <a:avLst/>
-          </a:prstGeom>
-        </p:spPr>
-      </p:pic>
-      <p:sp>
-        <p:nvSpPr>
-          <p:cNvPr id="4" name="ZoneTexte 3"/>
-          <p:cNvSpPr txBox="1"/>
-          <p:nvPr/>
-        </p:nvSpPr>
-        <p:spPr>
-          <a:xfrm>
-            <a:off x="1" y="1765345"/>
-            <a:ext cx="9143999" cy="3170099"/>
-          </a:xfrm>
-          <a:prstGeom prst="rect">
-            <a:avLst/>
-          </a:prstGeom>
-          <a:noFill/>
-        </p:spPr>
-        <p:txBody>
-          <a:bodyPr wrap="square" rtlCol="0">
-            <a:spAutoFit/>
-          </a:bodyPr>
-          <a:lstStyle/>
-          <a:p>
-            <a:pPr algn="ctr"/>
-            <a:r>
-              <a:rPr lang="en-GB" sz="4800" u="sng" dirty="0" smtClean="0"/>
-              <a:t>Map Reduce</a:t>
-            </a:r>
-          </a:p>
-          <a:p>
-            <a:pPr algn="ctr"/>
-            <a:endParaRPr lang="en-GB" sz="3200" dirty="0" smtClean="0"/>
-          </a:p>
-          <a:p>
-            <a:pPr marL="571500" indent="-571500" algn="ctr">
-              <a:buFont typeface="Arial"/>
-              <a:buChar char="•"/>
-            </a:pPr>
-            <a:r>
-              <a:rPr lang="en-GB" sz="4000" dirty="0" smtClean="0"/>
-              <a:t>700,00 lines of XML</a:t>
-            </a:r>
-          </a:p>
-          <a:p>
-            <a:pPr marL="571500" indent="-571500" algn="ctr">
-              <a:buFont typeface="Arial"/>
-              <a:buChar char="•"/>
-            </a:pPr>
-            <a:r>
-              <a:rPr lang="en-GB" sz="4000" dirty="0" smtClean="0"/>
-              <a:t>4D array</a:t>
-            </a:r>
-          </a:p>
-          <a:p>
-            <a:pPr algn="ctr"/>
-            <a:endParaRPr lang="en-GB" sz="4000" dirty="0" smtClean="0"/>
-          </a:p>
-        </p:txBody>
-      </p:sp>
-    </p:spTree>
-    <p:extLst>
-      <p:ext uri="{BB962C8B-B14F-4D97-AF65-F5344CB8AC3E}">
-        <p14:creationId xmlns:p14="http://schemas.microsoft.com/office/powerpoint/2010/main" val="967079186"/>
-      </p:ext>
-    </p:extLst>
-  </p:cSld>
-  <p:clrMapOvr>
-    <a:masterClrMapping/>
-  </p:clrMapOvr>
-  <p:timing>
-    <p:tnLst>
-      <p:par>
-        <p:cTn xmlns:p14="http://schemas.microsoft.com/office/powerpoint/2010/main" id="1" dur="indefinite" restart="never" nodeType="tmRoot"/>
-      </p:par>
-    </p:tnLst>
-  </p:timing>
-</p:sld>
-</file>
-
-<file path=ppt/slides/slide27.xml><?xml version="1.0" encoding="utf-8"?>
-<p:sld xmlns:a="http://schemas.openxmlformats.org/drawingml/2006/main" xmlns:r="http://schemas.openxmlformats.org/officeDocument/2006/relationships" xmlns:p="http://schemas.openxmlformats.org/presentationml/2006/main">
-  <p:cSld>
-    <p:spTree>
-      <p:nvGrpSpPr>
-        <p:cNvPr id="1" name=""/>
-        <p:cNvGrpSpPr/>
-        <p:nvPr/>
-      </p:nvGrpSpPr>
-      <p:grpSpPr>
-        <a:xfrm>
-          <a:off x="0" y="0"/>
-          <a:ext cx="0" cy="0"/>
-          <a:chOff x="0" y="0"/>
-          <a:chExt cx="0" cy="0"/>
-        </a:xfrm>
-      </p:grpSpPr>
-      <p:sp>
-        <p:nvSpPr>
-          <p:cNvPr id="2" name="Titre 1"/>
-          <p:cNvSpPr>
-            <a:spLocks noGrp="1"/>
-          </p:cNvSpPr>
-          <p:nvPr>
-            <p:ph type="title"/>
-          </p:nvPr>
-        </p:nvSpPr>
-        <p:spPr>
-          <a:xfrm>
-            <a:off x="457200" y="489163"/>
-            <a:ext cx="8229600" cy="1143000"/>
-          </a:xfrm>
-        </p:spPr>
-        <p:txBody>
-          <a:bodyPr/>
-          <a:lstStyle/>
-          <a:p>
-            <a:r>
-              <a:rPr lang="en-GB" sz="6600" b="1" dirty="0"/>
-              <a:t>Technical Process</a:t>
-            </a:r>
-            <a:endParaRPr lang="en-GB" sz="6600" b="1" dirty="0"/>
-          </a:p>
-        </p:txBody>
-      </p:sp>
-      <p:pic>
-        <p:nvPicPr>
-          <p:cNvPr id="3" name="Image 2" descr="es-doc-logo.png"/>
-          <p:cNvPicPr>
-            <a:picLocks noChangeAspect="1"/>
-          </p:cNvPicPr>
-          <p:nvPr/>
-        </p:nvPicPr>
-        <p:blipFill>
-          <a:blip r:embed="rId2">
-            <a:extLst>
-              <a:ext uri="{28A0092B-C50C-407E-A947-70E740481C1C}">
-                <a14:useLocalDpi xmlns:a14="http://schemas.microsoft.com/office/drawing/2010/main" val="0"/>
-              </a:ext>
-            </a:extLst>
-          </a:blip>
-          <a:stretch>
-            <a:fillRect/>
-          </a:stretch>
-        </p:blipFill>
-        <p:spPr>
-          <a:xfrm>
-            <a:off x="6358431" y="5962278"/>
-            <a:ext cx="2592253" cy="653902"/>
-          </a:xfrm>
-          <a:prstGeom prst="rect">
-            <a:avLst/>
-          </a:prstGeom>
-        </p:spPr>
-      </p:pic>
-      <p:sp>
-        <p:nvSpPr>
-          <p:cNvPr id="4" name="ZoneTexte 3"/>
-          <p:cNvSpPr txBox="1"/>
-          <p:nvPr/>
-        </p:nvSpPr>
-        <p:spPr>
-          <a:xfrm>
-            <a:off x="1" y="1765345"/>
-            <a:ext cx="9143999" cy="2554545"/>
-          </a:xfrm>
-          <a:prstGeom prst="rect">
-            <a:avLst/>
-          </a:prstGeom>
-          <a:noFill/>
-        </p:spPr>
-        <p:txBody>
-          <a:bodyPr wrap="square" rtlCol="0">
-            <a:spAutoFit/>
-          </a:bodyPr>
-          <a:lstStyle/>
-          <a:p>
-            <a:pPr algn="ctr"/>
-            <a:r>
-              <a:rPr lang="en-GB" sz="4800" u="sng" dirty="0" smtClean="0"/>
-              <a:t>User Experience</a:t>
-            </a:r>
-          </a:p>
-          <a:p>
-            <a:pPr algn="ctr"/>
-            <a:endParaRPr lang="en-GB" sz="3200" dirty="0" smtClean="0"/>
-          </a:p>
-          <a:p>
-            <a:pPr marL="571500" indent="-571500" algn="ctr">
-              <a:buFont typeface="Arial"/>
-              <a:buChar char="•"/>
-            </a:pPr>
-            <a:r>
-              <a:rPr lang="en-GB" sz="4000" dirty="0" smtClean="0"/>
-              <a:t>UI first</a:t>
-            </a:r>
-          </a:p>
-          <a:p>
-            <a:pPr marL="571500" indent="-571500" algn="ctr">
-              <a:buFont typeface="Arial"/>
-              <a:buChar char="•"/>
-            </a:pPr>
-            <a:r>
-              <a:rPr lang="en-GB" sz="4000" dirty="0" smtClean="0"/>
-              <a:t>Usability testing</a:t>
-            </a:r>
-          </a:p>
-        </p:txBody>
-      </p:sp>
-    </p:spTree>
-    <p:extLst>
-      <p:ext uri="{BB962C8B-B14F-4D97-AF65-F5344CB8AC3E}">
-        <p14:creationId xmlns:p14="http://schemas.microsoft.com/office/powerpoint/2010/main" val="3596886636"/>
-      </p:ext>
-    </p:extLst>
-  </p:cSld>
-  <p:clrMapOvr>
-    <a:masterClrMapping/>
-  </p:clrMapOvr>
-  <p:timing>
-    <p:tnLst>
-      <p:par>
-        <p:cTn xmlns:p14="http://schemas.microsoft.com/office/powerpoint/2010/main" id="1" dur="indefinite" restart="never" nodeType="tmRoot"/>
-      </p:par>
-    </p:tnLst>
-  </p:timing>
-</p:sld>
-</file>
-
-<file path=ppt/slides/slide28.xml><?xml version="1.0" encoding="utf-8"?>
-<p:sld xmlns:a="http://schemas.openxmlformats.org/drawingml/2006/main" xmlns:r="http://schemas.openxmlformats.org/officeDocument/2006/relationships" xmlns:p="http://schemas.openxmlformats.org/presentationml/2006/main">
-  <p:cSld>
-    <p:spTree>
-      <p:nvGrpSpPr>
-        <p:cNvPr id="1" name=""/>
-        <p:cNvGrpSpPr/>
-        <p:nvPr/>
-      </p:nvGrpSpPr>
-      <p:grpSpPr>
-        <a:xfrm>
-          <a:off x="0" y="0"/>
-          <a:ext cx="0" cy="0"/>
-          <a:chOff x="0" y="0"/>
-          <a:chExt cx="0" cy="0"/>
-        </a:xfrm>
-      </p:grpSpPr>
-      <p:sp>
-        <p:nvSpPr>
-          <p:cNvPr id="2" name="Titre 1"/>
-          <p:cNvSpPr>
-            <a:spLocks noGrp="1"/>
-          </p:cNvSpPr>
-          <p:nvPr>
-            <p:ph type="title"/>
-          </p:nvPr>
-        </p:nvSpPr>
-        <p:spPr>
-          <a:xfrm>
-            <a:off x="457200" y="489163"/>
-            <a:ext cx="8229600" cy="1143000"/>
-          </a:xfrm>
-        </p:spPr>
-        <p:txBody>
-          <a:bodyPr/>
-          <a:lstStyle/>
-          <a:p>
-            <a:r>
-              <a:rPr lang="en-GB" sz="6600" b="1" dirty="0"/>
-              <a:t>Technical Process</a:t>
-            </a:r>
-            <a:endParaRPr lang="en-GB" sz="6600" b="1" dirty="0"/>
-          </a:p>
-        </p:txBody>
-      </p:sp>
-      <p:pic>
-        <p:nvPicPr>
-          <p:cNvPr id="3" name="Image 2" descr="es-doc-logo.png"/>
-          <p:cNvPicPr>
-            <a:picLocks noChangeAspect="1"/>
-          </p:cNvPicPr>
-          <p:nvPr/>
-        </p:nvPicPr>
-        <p:blipFill>
-          <a:blip r:embed="rId2">
-            <a:extLst>
-              <a:ext uri="{28A0092B-C50C-407E-A947-70E740481C1C}">
-                <a14:useLocalDpi xmlns:a14="http://schemas.microsoft.com/office/drawing/2010/main" val="0"/>
-              </a:ext>
-            </a:extLst>
-          </a:blip>
-          <a:stretch>
-            <a:fillRect/>
-          </a:stretch>
-        </p:blipFill>
-        <p:spPr>
-          <a:xfrm>
-            <a:off x="6358431" y="5962278"/>
-            <a:ext cx="2592253" cy="653902"/>
-          </a:xfrm>
-          <a:prstGeom prst="rect">
-            <a:avLst/>
-          </a:prstGeom>
-        </p:spPr>
-      </p:pic>
-      <p:sp>
-        <p:nvSpPr>
-          <p:cNvPr id="4" name="ZoneTexte 3"/>
-          <p:cNvSpPr txBox="1"/>
-          <p:nvPr/>
-        </p:nvSpPr>
-        <p:spPr>
-          <a:xfrm>
-            <a:off x="1" y="1765345"/>
-            <a:ext cx="9143999" cy="4401205"/>
-          </a:xfrm>
-          <a:prstGeom prst="rect">
-            <a:avLst/>
-          </a:prstGeom>
-          <a:noFill/>
-        </p:spPr>
-        <p:txBody>
-          <a:bodyPr wrap="square" rtlCol="0">
-            <a:spAutoFit/>
-          </a:bodyPr>
-          <a:lstStyle/>
-          <a:p>
-            <a:pPr algn="ctr"/>
-            <a:r>
-              <a:rPr lang="en-GB" sz="4800" u="sng" dirty="0" smtClean="0"/>
-              <a:t>Web Services</a:t>
-            </a:r>
-          </a:p>
-          <a:p>
-            <a:pPr algn="ctr"/>
-            <a:endParaRPr lang="en-GB" sz="3200" dirty="0" smtClean="0"/>
-          </a:p>
-          <a:p>
-            <a:pPr marL="571500" indent="-571500" algn="ctr">
-              <a:buFont typeface="Arial"/>
-              <a:buChar char="•"/>
-            </a:pPr>
-            <a:r>
-              <a:rPr lang="en-GB" sz="4000" dirty="0" smtClean="0"/>
-              <a:t>HTTP</a:t>
-            </a:r>
-          </a:p>
-          <a:p>
-            <a:pPr marL="571500" indent="-571500" algn="ctr">
-              <a:buFont typeface="Arial"/>
-              <a:buChar char="•"/>
-            </a:pPr>
-            <a:r>
-              <a:rPr lang="en-GB" sz="4000" dirty="0" smtClean="0"/>
-              <a:t>REST </a:t>
-            </a:r>
-            <a:r>
-              <a:rPr lang="en-GB" sz="4000" dirty="0" err="1" smtClean="0"/>
-              <a:t>vs</a:t>
-            </a:r>
-            <a:r>
-              <a:rPr lang="en-GB" sz="4000" dirty="0" smtClean="0"/>
-              <a:t> RPC</a:t>
-            </a:r>
-          </a:p>
-          <a:p>
-            <a:pPr marL="571500" indent="-571500" algn="ctr">
-              <a:buFont typeface="Arial"/>
-              <a:buChar char="•"/>
-            </a:pPr>
-            <a:r>
-              <a:rPr lang="en-GB" sz="4000" dirty="0" smtClean="0"/>
-              <a:t>Encoding (JSON)</a:t>
-            </a:r>
-          </a:p>
-          <a:p>
-            <a:pPr marL="571500" indent="-571500" algn="ctr">
-              <a:buFont typeface="Arial"/>
-              <a:buChar char="•"/>
-            </a:pPr>
-            <a:r>
-              <a:rPr lang="en-GB" sz="4000" dirty="0" smtClean="0"/>
-              <a:t>Security</a:t>
-            </a:r>
-          </a:p>
-          <a:p>
-            <a:pPr algn="ctr"/>
-            <a:endParaRPr lang="en-GB" sz="4000" dirty="0" smtClean="0"/>
-          </a:p>
-        </p:txBody>
-      </p:sp>
-    </p:spTree>
-    <p:extLst>
-      <p:ext uri="{BB962C8B-B14F-4D97-AF65-F5344CB8AC3E}">
-        <p14:creationId xmlns:p14="http://schemas.microsoft.com/office/powerpoint/2010/main" val="356383674"/>
       </p:ext>
     </p:extLst>
   </p:cSld>
@@ -6660,7 +6414,7 @@
           <a:lstStyle/>
           <a:p>
             <a:r>
-              <a:rPr lang="en-GB" sz="6600" b="1" dirty="0"/>
+              <a:rPr lang="en-GB" sz="6600" b="1" dirty="0" smtClean="0"/>
               <a:t>Technical Process</a:t>
             </a:r>
             <a:endParaRPr lang="en-GB" sz="6600" b="1" dirty="0"/>
@@ -6706,7 +6460,7 @@
         <p:spPr>
           <a:xfrm>
             <a:off x="1" y="1765345"/>
-            <a:ext cx="9143999" cy="3785652"/>
+            <a:ext cx="9143999" cy="3170099"/>
           </a:xfrm>
           <a:prstGeom prst="rect">
             <a:avLst/>
@@ -6721,12 +6475,8 @@
           <a:p>
             <a:pPr algn="ctr"/>
             <a:r>
-              <a:rPr lang="en-GB" sz="4800" u="sng" dirty="0" err="1" smtClean="0"/>
-              <a:t>Polygot</a:t>
-            </a:r>
-            <a:r>
               <a:rPr lang="en-GB" sz="4800" u="sng" dirty="0" smtClean="0"/>
-              <a:t> Programming</a:t>
+              <a:t>Information Architecture</a:t>
             </a:r>
           </a:p>
           <a:p>
@@ -6740,7 +6490,7 @@
             </a:pPr>
             <a:r>
               <a:rPr lang="en-GB" sz="4000" dirty="0" smtClean="0"/>
-              <a:t>python</a:t>
+              <a:t>domain driven design</a:t>
             </a:r>
           </a:p>
           <a:p>
@@ -6749,19 +6499,8 @@
               <a:buChar char="•"/>
             </a:pPr>
             <a:r>
-              <a:rPr lang="en-GB" sz="4000" dirty="0" err="1" smtClean="0"/>
-              <a:t>javascript</a:t>
-            </a:r>
-            <a:endParaRPr lang="en-GB" sz="4000" dirty="0" smtClean="0"/>
-          </a:p>
-          <a:p>
-            <a:pPr marL="571500" indent="-571500" algn="ctr">
-              <a:buFont typeface="Arial"/>
-              <a:buChar char="•"/>
-            </a:pPr>
-            <a:r>
               <a:rPr lang="en-GB" sz="4000" dirty="0" smtClean="0"/>
-              <a:t>bash</a:t>
+              <a:t>ontologies</a:t>
             </a:r>
           </a:p>
           <a:p>
@@ -6773,7 +6512,7 @@
     </p:spTree>
     <p:extLst>
       <p:ext uri="{BB962C8B-B14F-4D97-AF65-F5344CB8AC3E}">
-        <p14:creationId xmlns:p14="http://schemas.microsoft.com/office/powerpoint/2010/main" val="1869808478"/>
+        <p14:creationId xmlns:p14="http://schemas.microsoft.com/office/powerpoint/2010/main" val="2739767578"/>
       </p:ext>
     </p:extLst>
   </p:cSld>
@@ -6956,7 +6695,6 @@
               <a:rPr lang="en-GB" sz="6600" b="1" dirty="0"/>
               <a:t>Technical Process</a:t>
             </a:r>
-            <a:endParaRPr lang="en-GB" sz="6600" b="1" dirty="0"/>
           </a:p>
         </p:txBody>
       </p:sp>
@@ -6999,7 +6737,7 @@
         <p:spPr>
           <a:xfrm>
             <a:off x="1" y="1765345"/>
-            <a:ext cx="9143999" cy="4401205"/>
+            <a:ext cx="9143999" cy="3785652"/>
           </a:xfrm>
           <a:prstGeom prst="rect">
             <a:avLst/>
@@ -7015,7 +6753,7 @@
             <a:pPr algn="ctr"/>
             <a:r>
               <a:rPr lang="en-GB" sz="4800" u="sng" dirty="0" smtClean="0"/>
-              <a:t>Testing</a:t>
+              <a:t>Meta-programming</a:t>
             </a:r>
           </a:p>
           <a:p>
@@ -7029,7 +6767,7 @@
             </a:pPr>
             <a:r>
               <a:rPr lang="en-GB" sz="4000" dirty="0" smtClean="0"/>
-              <a:t>Automated Testing</a:t>
+              <a:t>Code generation</a:t>
             </a:r>
           </a:p>
           <a:p>
@@ -7039,7 +6777,7 @@
             </a:pPr>
             <a:r>
               <a:rPr lang="en-GB" sz="4000" dirty="0" smtClean="0"/>
-              <a:t>Unit, Functional, Integration</a:t>
+              <a:t>Multi-language support</a:t>
             </a:r>
           </a:p>
           <a:p>
@@ -7049,18 +6787,13 @@
             </a:pPr>
             <a:r>
               <a:rPr lang="en-GB" sz="4000" dirty="0" smtClean="0"/>
-              <a:t>CI Server</a:t>
-            </a:r>
-          </a:p>
-          <a:p>
-            <a:pPr marL="571500" indent="-571500" algn="ctr">
-              <a:buFont typeface="Arial"/>
-              <a:buChar char="•"/>
-            </a:pPr>
-            <a:r>
-              <a:rPr lang="en-GB" sz="4000" dirty="0" smtClean="0"/>
-              <a:t>Executed upon check in</a:t>
-            </a:r>
+              <a:t>Supports </a:t>
+            </a:r>
+            <a:r>
+              <a:rPr lang="en-GB" sz="4000" dirty="0" err="1" smtClean="0"/>
+              <a:t>quaility</a:t>
+            </a:r>
+            <a:endParaRPr lang="en-GB" sz="4000" dirty="0" smtClean="0"/>
           </a:p>
           <a:p>
             <a:pPr algn="ctr"/>
@@ -7071,7 +6804,7 @@
     </p:spTree>
     <p:extLst>
       <p:ext uri="{BB962C8B-B14F-4D97-AF65-F5344CB8AC3E}">
-        <p14:creationId xmlns:p14="http://schemas.microsoft.com/office/powerpoint/2010/main" val="4111919207"/>
+        <p14:creationId xmlns:p14="http://schemas.microsoft.com/office/powerpoint/2010/main" val="1354466527"/>
       </p:ext>
     </p:extLst>
   </p:cSld>
@@ -7129,7 +6862,6 @@
               <a:rPr lang="en-GB" sz="6600" b="1" dirty="0"/>
               <a:t>Technical Process</a:t>
             </a:r>
-            <a:endParaRPr lang="en-GB" sz="6600" b="1" dirty="0"/>
           </a:p>
         </p:txBody>
       </p:sp>
@@ -7172,7 +6904,7 @@
         <p:spPr>
           <a:xfrm>
             <a:off x="1" y="1765345"/>
-            <a:ext cx="9143999" cy="2554545"/>
+            <a:ext cx="9143999" cy="3170099"/>
           </a:xfrm>
           <a:prstGeom prst="rect">
             <a:avLst/>
@@ -7188,7 +6920,7 @@
             <a:pPr algn="ctr"/>
             <a:r>
               <a:rPr lang="en-GB" sz="4800" u="sng" dirty="0" smtClean="0"/>
-              <a:t>Deployment</a:t>
+              <a:t>Map Reduce</a:t>
             </a:r>
           </a:p>
           <a:p>
@@ -7202,7 +6934,7 @@
             </a:pPr>
             <a:r>
               <a:rPr lang="en-GB" sz="4000" dirty="0" smtClean="0"/>
-              <a:t>Today: single click</a:t>
+              <a:t>700,00 lines of XML</a:t>
             </a:r>
           </a:p>
           <a:p>
@@ -7212,15 +6944,19 @@
             </a:pPr>
             <a:r>
               <a:rPr lang="en-GB" sz="4000" dirty="0" smtClean="0"/>
-              <a:t>Tomorrow: fully automated</a:t>
-            </a:r>
+              <a:t>4D array</a:t>
+            </a:r>
+          </a:p>
+          <a:p>
+            <a:pPr algn="ctr"/>
+            <a:endParaRPr lang="en-GB" sz="4000" dirty="0" smtClean="0"/>
           </a:p>
         </p:txBody>
       </p:sp>
     </p:spTree>
     <p:extLst>
       <p:ext uri="{BB962C8B-B14F-4D97-AF65-F5344CB8AC3E}">
-        <p14:creationId xmlns:p14="http://schemas.microsoft.com/office/powerpoint/2010/main" val="859064795"/>
+        <p14:creationId xmlns:p14="http://schemas.microsoft.com/office/powerpoint/2010/main" val="967079186"/>
       </p:ext>
     </p:extLst>
   </p:cSld>
@@ -7266,7 +7002,7 @@
         </p:nvSpPr>
         <p:spPr>
           <a:xfrm>
-            <a:off x="517266" y="2471269"/>
+            <a:off x="457200" y="489163"/>
             <a:ext cx="8229600" cy="1143000"/>
           </a:xfrm>
         </p:spPr>
@@ -7275,10 +7011,9 @@
           <a:lstStyle/>
           <a:p>
             <a:r>
-              <a:rPr lang="en-GB" sz="6600" b="1" dirty="0" smtClean="0"/>
-              <a:t>Conclusions</a:t>
-            </a:r>
-            <a:endParaRPr lang="en-GB" sz="6600" b="1" dirty="0"/>
+              <a:rPr lang="en-GB" sz="6600" b="1" dirty="0"/>
+              <a:t>Technical Process</a:t>
+            </a:r>
           </a:p>
         </p:txBody>
       </p:sp>
@@ -7312,10 +7047,64 @@
           </a:prstGeom>
         </p:spPr>
       </p:pic>
+      <p:sp>
+        <p:nvSpPr>
+          <p:cNvPr id="4" name="ZoneTexte 3"/>
+          <p:cNvSpPr txBox="1"/>
+          <p:nvPr/>
+        </p:nvSpPr>
+        <p:spPr>
+          <a:xfrm>
+            <a:off x="1" y="1765345"/>
+            <a:ext cx="9143999" cy="2554545"/>
+          </a:xfrm>
+          <a:prstGeom prst="rect">
+            <a:avLst/>
+          </a:prstGeom>
+          <a:noFill/>
+        </p:spPr>
+        <p:txBody>
+          <a:bodyPr wrap="square" rtlCol="0">
+            <a:spAutoFit/>
+          </a:bodyPr>
+          <a:lstStyle/>
+          <a:p>
+            <a:pPr algn="ctr"/>
+            <a:r>
+              <a:rPr lang="en-GB" sz="4800" u="sng" dirty="0" smtClean="0"/>
+              <a:t>User Experience</a:t>
+            </a:r>
+          </a:p>
+          <a:p>
+            <a:pPr algn="ctr"/>
+            <a:endParaRPr lang="en-GB" sz="3200" dirty="0" smtClean="0"/>
+          </a:p>
+          <a:p>
+            <a:pPr marL="571500" indent="-571500" algn="ctr">
+              <a:buFont typeface="Arial"/>
+              <a:buChar char="•"/>
+            </a:pPr>
+            <a:r>
+              <a:rPr lang="en-GB" sz="4000" dirty="0" smtClean="0"/>
+              <a:t>UI first</a:t>
+            </a:r>
+          </a:p>
+          <a:p>
+            <a:pPr marL="571500" indent="-571500" algn="ctr">
+              <a:buFont typeface="Arial"/>
+              <a:buChar char="•"/>
+            </a:pPr>
+            <a:r>
+              <a:rPr lang="en-GB" sz="4000" dirty="0" smtClean="0"/>
+              <a:t>Usability testing</a:t>
+            </a:r>
+          </a:p>
+        </p:txBody>
+      </p:sp>
     </p:spTree>
     <p:extLst>
       <p:ext uri="{BB962C8B-B14F-4D97-AF65-F5344CB8AC3E}">
-        <p14:creationId xmlns:p14="http://schemas.microsoft.com/office/powerpoint/2010/main" val="619476570"/>
+        <p14:creationId xmlns:p14="http://schemas.microsoft.com/office/powerpoint/2010/main" val="3596886636"/>
       </p:ext>
     </p:extLst>
   </p:cSld>
@@ -7370,10 +7159,9 @@
           <a:lstStyle/>
           <a:p>
             <a:r>
-              <a:rPr lang="en-GB" sz="6600" b="1" dirty="0" smtClean="0"/>
-              <a:t>Conclusion - 1</a:t>
-            </a:r>
-            <a:endParaRPr lang="en-GB" sz="6600" b="1" dirty="0"/>
+              <a:rPr lang="en-GB" sz="6600" b="1" dirty="0"/>
+              <a:t>Technical Process</a:t>
+            </a:r>
           </a:p>
         </p:txBody>
       </p:sp>
@@ -7415,8 +7203,8 @@
         </p:nvSpPr>
         <p:spPr>
           <a:xfrm>
-            <a:off x="1" y="1954127"/>
-            <a:ext cx="9143999" cy="2862322"/>
+            <a:off x="1" y="1765345"/>
+            <a:ext cx="9143999" cy="4401205"/>
           </a:xfrm>
           <a:prstGeom prst="rect">
             <a:avLst/>
@@ -7431,40 +7219,72 @@
           <a:p>
             <a:pPr algn="ctr"/>
             <a:r>
-              <a:rPr lang="en-GB" sz="3600" b="1" dirty="0" smtClean="0"/>
-              <a:t>Scripter   </a:t>
-            </a:r>
-            <a:r>
-              <a:rPr lang="en-GB" sz="3600" b="1" dirty="0" smtClean="0"/>
-              <a:t>Developer   </a:t>
-            </a:r>
-            <a:r>
-              <a:rPr lang="en-GB" sz="3600" b="1" dirty="0" smtClean="0"/>
-              <a:t>Engineer   </a:t>
-            </a:r>
-            <a:r>
-              <a:rPr lang="en-GB" sz="3600" b="1" dirty="0" smtClean="0"/>
-              <a:t>Architect</a:t>
+              <a:rPr lang="en-GB" sz="4800" u="sng" dirty="0" smtClean="0"/>
+              <a:t>Web Services</a:t>
             </a:r>
           </a:p>
           <a:p>
             <a:pPr algn="ctr"/>
-            <a:endParaRPr lang="en-GB" sz="3600" b="1" dirty="0"/>
+            <a:endParaRPr lang="en-GB" sz="3200" dirty="0" smtClean="0"/>
+          </a:p>
+          <a:p>
+            <a:pPr marL="571500" indent="-571500" algn="ctr">
+              <a:buFont typeface="Arial"/>
+              <a:buChar char="•"/>
+            </a:pPr>
+            <a:r>
+              <a:rPr lang="en-GB" sz="4000" dirty="0" smtClean="0"/>
+              <a:t>HTTP</a:t>
+            </a:r>
+          </a:p>
+          <a:p>
+            <a:pPr marL="571500" indent="-571500" algn="ctr">
+              <a:buFont typeface="Arial"/>
+              <a:buChar char="•"/>
+            </a:pPr>
+            <a:r>
+              <a:rPr lang="en-GB" sz="4000" dirty="0" smtClean="0"/>
+              <a:t>REST </a:t>
+            </a:r>
+            <a:r>
+              <a:rPr lang="en-GB" sz="4000" dirty="0" err="1" smtClean="0"/>
+              <a:t>vs</a:t>
+            </a:r>
+            <a:r>
+              <a:rPr lang="en-GB" sz="4000" dirty="0" smtClean="0"/>
+              <a:t> RPC</a:t>
+            </a:r>
+          </a:p>
+          <a:p>
+            <a:pPr marL="571500" indent="-571500" algn="ctr">
+              <a:buFont typeface="Arial"/>
+              <a:buChar char="•"/>
+            </a:pPr>
+            <a:r>
+              <a:rPr lang="en-GB" sz="4000" dirty="0" smtClean="0"/>
+              <a:t>Encoding (JSON)</a:t>
+            </a:r>
+          </a:p>
+          <a:p>
+            <a:pPr marL="571500" indent="-571500" algn="ctr">
+              <a:buFont typeface="Arial"/>
+              <a:buChar char="•"/>
+            </a:pPr>
+            <a:r>
+              <a:rPr lang="en-GB" sz="4000" dirty="0" smtClean="0"/>
+              <a:t>Security</a:t>
+            </a:r>
           </a:p>
           <a:p>
             <a:pPr algn="ctr"/>
-            <a:r>
-              <a:rPr lang="en-GB" sz="3600" dirty="0" smtClean="0"/>
-              <a:t>In the absence of systematic training, internships, &amp; mentoring, scientists will not get beyond developer status</a:t>
-            </a:r>
-            <a:endParaRPr lang="en-GB" sz="3600" dirty="0" smtClean="0"/>
+            <a:endParaRPr lang="en-GB" sz="4000" dirty="0" smtClean="0"/>
           </a:p>
         </p:txBody>
       </p:sp>
     </p:spTree>
     <p:extLst>
       <p:ext uri="{BB962C8B-B14F-4D97-AF65-F5344CB8AC3E}">
-        <p14:creationId xmlns:p14="http://schemas.microsoft.com/office/powerpoint/2010/main" val="2211244477"/>
+        <p14:creationId xmlns:p14="http://schemas.microsoft.com/office/powerpoint/2010/main" val="356383674"/>
       </p:ext>
     </p:extLst>
   </p:cSld>
@@ -7519,10 +7339,9 @@
           <a:lstStyle/>
           <a:p>
             <a:r>
-              <a:rPr lang="en-GB" sz="6600" b="1" dirty="0" smtClean="0"/>
-              <a:t>Conclusion - 2</a:t>
-            </a:r>
-            <a:endParaRPr lang="en-GB" sz="6600" b="1" dirty="0"/>
+              <a:rPr lang="en-GB" sz="6600" b="1" dirty="0"/>
+              <a:t>Technical Process</a:t>
+            </a:r>
           </a:p>
         </p:txBody>
       </p:sp>
@@ -7564,8 +7383,8 @@
         </p:nvSpPr>
         <p:spPr>
           <a:xfrm>
-            <a:off x="1" y="1954127"/>
-            <a:ext cx="9143999" cy="2308324"/>
+            <a:off x="1" y="1765345"/>
+            <a:ext cx="9143999" cy="3785652"/>
           </a:xfrm>
           <a:prstGeom prst="rect">
             <a:avLst/>
@@ -7580,29 +7399,59 @@
           <a:p>
             <a:pPr algn="ctr"/>
             <a:r>
-              <a:rPr lang="en-GB" sz="3600" b="1" dirty="0" smtClean="0"/>
-              <a:t>Strong Repeatable Social Process</a:t>
-            </a:r>
-            <a:endParaRPr lang="en-GB" sz="3600" b="1" dirty="0" smtClean="0"/>
+              <a:rPr lang="en-GB" sz="4800" u="sng" dirty="0" err="1" smtClean="0"/>
+              <a:t>Polygot</a:t>
+            </a:r>
+            <a:r>
+              <a:rPr lang="en-GB" sz="4800" u="sng" dirty="0" smtClean="0"/>
+              <a:t> Programming</a:t>
+            </a:r>
           </a:p>
           <a:p>
             <a:pPr algn="ctr"/>
-            <a:endParaRPr lang="en-GB" sz="3600" b="1" dirty="0"/>
+            <a:endParaRPr lang="en-GB" sz="3200" dirty="0" smtClean="0"/>
+          </a:p>
+          <a:p>
+            <a:pPr marL="571500" indent="-571500" algn="ctr">
+              <a:buFont typeface="Arial"/>
+              <a:buChar char="•"/>
+            </a:pPr>
+            <a:r>
+              <a:rPr lang="en-GB" sz="4000" dirty="0" smtClean="0"/>
+              <a:t>python</a:t>
+            </a:r>
+          </a:p>
+          <a:p>
+            <a:pPr marL="571500" indent="-571500" algn="ctr">
+              <a:buFont typeface="Arial"/>
+              <a:buChar char="•"/>
+            </a:pPr>
+            <a:r>
+              <a:rPr lang="en-GB" sz="4000" dirty="0" err="1" smtClean="0"/>
+              <a:t>javascript</a:t>
+            </a:r>
+            <a:endParaRPr lang="en-GB" sz="4000" dirty="0" smtClean="0"/>
+          </a:p>
+          <a:p>
+            <a:pPr marL="571500" indent="-571500" algn="ctr">
+              <a:buFont typeface="Arial"/>
+              <a:buChar char="•"/>
+            </a:pPr>
+            <a:r>
+              <a:rPr lang="en-GB" sz="4000" dirty="0" smtClean="0"/>
+              <a:t>bash</a:t>
+            </a:r>
           </a:p>
           <a:p>
             <a:pPr algn="ctr"/>
-            <a:r>
-              <a:rPr lang="en-GB" sz="3600" dirty="0" smtClean="0"/>
-              <a:t>The social process is undervalued yet once learnt is transferable between projects </a:t>
-            </a:r>
-            <a:endParaRPr lang="en-GB" sz="3600" dirty="0" smtClean="0"/>
+            <a:endParaRPr lang="en-GB" sz="4000" dirty="0" smtClean="0"/>
           </a:p>
         </p:txBody>
       </p:sp>
     </p:spTree>
     <p:extLst>
       <p:ext uri="{BB962C8B-B14F-4D97-AF65-F5344CB8AC3E}">
-        <p14:creationId xmlns:p14="http://schemas.microsoft.com/office/powerpoint/2010/main" val="79349902"/>
+        <p14:creationId xmlns:p14="http://schemas.microsoft.com/office/powerpoint/2010/main" val="1869808478"/>
       </p:ext>
     </p:extLst>
   </p:cSld>
@@ -7648,7 +7497,7 @@
         </p:nvSpPr>
         <p:spPr>
           <a:xfrm>
-            <a:off x="517266" y="2471269"/>
+            <a:off x="457200" y="489163"/>
             <a:ext cx="8229600" cy="1143000"/>
           </a:xfrm>
         </p:spPr>
@@ -7657,10 +7506,9 @@
           <a:lstStyle/>
           <a:p>
             <a:r>
-              <a:rPr lang="en-GB" sz="6600" b="1" dirty="0" smtClean="0"/>
-              <a:t>Disclaimer</a:t>
-            </a:r>
-            <a:endParaRPr lang="en-GB" sz="6600" b="1" dirty="0"/>
+              <a:rPr lang="en-GB" sz="6600" b="1" dirty="0"/>
+              <a:t>Technical Process</a:t>
+            </a:r>
           </a:p>
         </p:txBody>
       </p:sp>
@@ -7694,10 +7542,88 @@
           </a:prstGeom>
         </p:spPr>
       </p:pic>
+      <p:sp>
+        <p:nvSpPr>
+          <p:cNvPr id="4" name="ZoneTexte 3"/>
+          <p:cNvSpPr txBox="1"/>
+          <p:nvPr/>
+        </p:nvSpPr>
+        <p:spPr>
+          <a:xfrm>
+            <a:off x="1" y="1765345"/>
+            <a:ext cx="9143999" cy="4401205"/>
+          </a:xfrm>
+          <a:prstGeom prst="rect">
+            <a:avLst/>
+          </a:prstGeom>
+          <a:noFill/>
+        </p:spPr>
+        <p:txBody>
+          <a:bodyPr wrap="square" rtlCol="0">
+            <a:spAutoFit/>
+          </a:bodyPr>
+          <a:lstStyle/>
+          <a:p>
+            <a:pPr algn="ctr"/>
+            <a:r>
+              <a:rPr lang="en-GB" sz="4800" u="sng" dirty="0" smtClean="0"/>
+              <a:t>Testing</a:t>
+            </a:r>
+          </a:p>
+          <a:p>
+            <a:pPr algn="ctr"/>
+            <a:endParaRPr lang="en-GB" sz="3200" dirty="0" smtClean="0"/>
+          </a:p>
+          <a:p>
+            <a:pPr marL="571500" indent="-571500" algn="ctr">
+              <a:buFont typeface="Arial"/>
+              <a:buChar char="•"/>
+            </a:pPr>
+            <a:r>
+              <a:rPr lang="en-GB" sz="4000" dirty="0" smtClean="0"/>
+              <a:t>Automated Testing</a:t>
+            </a:r>
+          </a:p>
+          <a:p>
+            <a:pPr marL="571500" indent="-571500" algn="ctr">
+              <a:buFont typeface="Arial"/>
+              <a:buChar char="•"/>
+            </a:pPr>
+            <a:r>
+              <a:rPr lang="en-GB" sz="4000" dirty="0" smtClean="0"/>
+              <a:t>Unit, Functional, Integration</a:t>
+            </a:r>
+          </a:p>
+          <a:p>
+            <a:pPr marL="571500" indent="-571500" algn="ctr">
+              <a:buFont typeface="Arial"/>
+              <a:buChar char="•"/>
+            </a:pPr>
+            <a:r>
+              <a:rPr lang="en-GB" sz="4000" dirty="0" smtClean="0"/>
+              <a:t>CI Server</a:t>
+            </a:r>
+          </a:p>
+          <a:p>
+            <a:pPr marL="571500" indent="-571500" algn="ctr">
+              <a:buFont typeface="Arial"/>
+              <a:buChar char="•"/>
+            </a:pPr>
+            <a:r>
+              <a:rPr lang="en-GB" sz="4000" dirty="0" smtClean="0"/>
+              <a:t>Executed upon check in</a:t>
+            </a:r>
+          </a:p>
+          <a:p>
+            <a:pPr algn="ctr"/>
+            <a:endParaRPr lang="en-GB" sz="4000" dirty="0" smtClean="0"/>
+          </a:p>
+        </p:txBody>
+      </p:sp>
     </p:spTree>
     <p:extLst>
       <p:ext uri="{BB962C8B-B14F-4D97-AF65-F5344CB8AC3E}">
-        <p14:creationId xmlns:p14="http://schemas.microsoft.com/office/powerpoint/2010/main" val="3969376601"/>
+        <p14:creationId xmlns:p14="http://schemas.microsoft.com/office/powerpoint/2010/main" val="4111919207"/>
       </p:ext>
     </p:extLst>
   </p:cSld>
@@ -7743,7 +7669,7 @@
         </p:nvSpPr>
         <p:spPr>
           <a:xfrm>
-            <a:off x="517266" y="2471269"/>
+            <a:off x="457200" y="489163"/>
             <a:ext cx="8229600" cy="1143000"/>
           </a:xfrm>
         </p:spPr>
@@ -7752,10 +7678,9 @@
           <a:lstStyle/>
           <a:p>
             <a:r>
-              <a:rPr lang="en-GB" sz="6600" b="1" dirty="0" smtClean="0"/>
-              <a:t>I am not a scientist !</a:t>
-            </a:r>
-            <a:endParaRPr lang="en-GB" sz="6600" b="1" dirty="0"/>
+              <a:rPr lang="en-GB" sz="6600" b="1" dirty="0"/>
+              <a:t>Technical Process</a:t>
+            </a:r>
           </a:p>
         </p:txBody>
       </p:sp>
@@ -7789,10 +7714,435 @@
           </a:prstGeom>
         </p:spPr>
       </p:pic>
+      <p:sp>
+        <p:nvSpPr>
+          <p:cNvPr id="4" name="ZoneTexte 3"/>
+          <p:cNvSpPr txBox="1"/>
+          <p:nvPr/>
+        </p:nvSpPr>
+        <p:spPr>
+          <a:xfrm>
+            <a:off x="1" y="1765345"/>
+            <a:ext cx="9143999" cy="2554545"/>
+          </a:xfrm>
+          <a:prstGeom prst="rect">
+            <a:avLst/>
+          </a:prstGeom>
+          <a:noFill/>
+        </p:spPr>
+        <p:txBody>
+          <a:bodyPr wrap="square" rtlCol="0">
+            <a:spAutoFit/>
+          </a:bodyPr>
+          <a:lstStyle/>
+          <a:p>
+            <a:pPr algn="ctr"/>
+            <a:r>
+              <a:rPr lang="en-GB" sz="4800" u="sng" dirty="0" smtClean="0"/>
+              <a:t>Deployment</a:t>
+            </a:r>
+          </a:p>
+          <a:p>
+            <a:pPr algn="ctr"/>
+            <a:endParaRPr lang="en-GB" sz="3200" dirty="0" smtClean="0"/>
+          </a:p>
+          <a:p>
+            <a:pPr marL="571500" indent="-571500" algn="ctr">
+              <a:buFont typeface="Arial"/>
+              <a:buChar char="•"/>
+            </a:pPr>
+            <a:r>
+              <a:rPr lang="en-GB" sz="4000" dirty="0" smtClean="0"/>
+              <a:t>Today: single click</a:t>
+            </a:r>
+          </a:p>
+          <a:p>
+            <a:pPr marL="571500" indent="-571500" algn="ctr">
+              <a:buFont typeface="Arial"/>
+              <a:buChar char="•"/>
+            </a:pPr>
+            <a:r>
+              <a:rPr lang="en-GB" sz="4000" dirty="0" smtClean="0"/>
+              <a:t>Tomorrow: fully automated</a:t>
+            </a:r>
+          </a:p>
+        </p:txBody>
+      </p:sp>
     </p:spTree>
     <p:extLst>
       <p:ext uri="{BB962C8B-B14F-4D97-AF65-F5344CB8AC3E}">
-        <p14:creationId xmlns:p14="http://schemas.microsoft.com/office/powerpoint/2010/main" val="1854032871"/>
+        <p14:creationId xmlns:p14="http://schemas.microsoft.com/office/powerpoint/2010/main" val="859064795"/>
+      </p:ext>
+    </p:extLst>
+  </p:cSld>
+  <p:clrMapOvr>
+    <a:masterClrMapping/>
+  </p:clrMapOvr>
+  <p:timing>
+    <p:tnLst>
+      <p:par>
+        <p:cTn xmlns:p14="http://schemas.microsoft.com/office/powerpoint/2010/main" id="1" dur="indefinite" restart="never" nodeType="tmRoot"/>
+      </p:par>
+    </p:tnLst>
+  </p:timing>
+</p:sld>
+</file>
+
+<file path=ppt/slides/slide37.xml><?xml version="1.0" encoding="utf-8"?>
+<p:sld xmlns:a="http://schemas.openxmlformats.org/drawingml/2006/main" xmlns:r="http://schemas.openxmlformats.org/officeDocument/2006/relationships" xmlns:p="http://schemas.openxmlformats.org/presentationml/2006/main">
+  <p:cSld>
+    <p:spTree>
+      <p:nvGrpSpPr>
+        <p:cNvPr id="1" name=""/>
+        <p:cNvGrpSpPr/>
+        <p:nvPr/>
+      </p:nvGrpSpPr>
+      <p:grpSpPr>
+        <a:xfrm>
+          <a:off x="0" y="0"/>
+          <a:ext cx="0" cy="0"/>
+          <a:chOff x="0" y="0"/>
+          <a:chExt cx="0" cy="0"/>
+        </a:xfrm>
+      </p:grpSpPr>
+      <p:sp>
+        <p:nvSpPr>
+          <p:cNvPr id="2" name="Titre 1"/>
+          <p:cNvSpPr>
+            <a:spLocks noGrp="1"/>
+          </p:cNvSpPr>
+          <p:nvPr>
+            <p:ph type="title"/>
+          </p:nvPr>
+        </p:nvSpPr>
+        <p:spPr>
+          <a:xfrm>
+            <a:off x="517266" y="2471269"/>
+            <a:ext cx="8229600" cy="1143000"/>
+          </a:xfrm>
+        </p:spPr>
+        <p:txBody>
+          <a:bodyPr/>
+          <a:lstStyle/>
+          <a:p>
+            <a:r>
+              <a:rPr lang="en-GB" sz="6600" b="1" dirty="0" smtClean="0"/>
+              <a:t>Conclusions</a:t>
+            </a:r>
+            <a:endParaRPr lang="en-GB" sz="6600" b="1" dirty="0"/>
+          </a:p>
+        </p:txBody>
+      </p:sp>
+      <p:pic>
+        <p:nvPicPr>
+          <p:cNvPr id="3" name="Image 2" descr="es-doc-logo.png"/>
+          <p:cNvPicPr>
+            <a:picLocks noChangeAspect="1"/>
+          </p:cNvPicPr>
+          <p:nvPr/>
+        </p:nvPicPr>
+        <p:blipFill>
+          <a:blip r:embed="rId2">
+            <a:extLst>
+              <a:ext uri="{28A0092B-C50C-407E-A947-70E740481C1C}">
+                <a14:useLocalDpi xmlns:a14="http://schemas.microsoft.com/office/drawing/2010/main" val="0"/>
+              </a:ext>
+            </a:extLst>
+          </a:blip>
+          <a:stretch>
+            <a:fillRect/>
+          </a:stretch>
+        </p:blipFill>
+        <p:spPr>
+          <a:xfrm>
+            <a:off x="6358431" y="5962278"/>
+            <a:ext cx="2592253" cy="653902"/>
+          </a:xfrm>
+          <a:prstGeom prst="rect">
+            <a:avLst/>
+          </a:prstGeom>
+        </p:spPr>
+      </p:pic>
+    </p:spTree>
+    <p:extLst>
+      <p:ext uri="{BB962C8B-B14F-4D97-AF65-F5344CB8AC3E}">
+        <p14:creationId xmlns:p14="http://schemas.microsoft.com/office/powerpoint/2010/main" val="619476570"/>
+      </p:ext>
+    </p:extLst>
+  </p:cSld>
+  <p:clrMapOvr>
+    <a:masterClrMapping/>
+  </p:clrMapOvr>
+  <p:timing>
+    <p:tnLst>
+      <p:par>
+        <p:cTn xmlns:p14="http://schemas.microsoft.com/office/powerpoint/2010/main" id="1" dur="indefinite" restart="never" nodeType="tmRoot"/>
+      </p:par>
+    </p:tnLst>
+  </p:timing>
+</p:sld>
+</file>
+
+<file path=ppt/slides/slide38.xml><?xml version="1.0" encoding="utf-8"?>
+<p:sld xmlns:a="http://schemas.openxmlformats.org/drawingml/2006/main" xmlns:r="http://schemas.openxmlformats.org/officeDocument/2006/relationships" xmlns:p="http://schemas.openxmlformats.org/presentationml/2006/main">
+  <p:cSld>
+    <p:spTree>
+      <p:nvGrpSpPr>
+        <p:cNvPr id="1" name=""/>
+        <p:cNvGrpSpPr/>
+        <p:nvPr/>
+      </p:nvGrpSpPr>
+      <p:grpSpPr>
+        <a:xfrm>
+          <a:off x="0" y="0"/>
+          <a:ext cx="0" cy="0"/>
+          <a:chOff x="0" y="0"/>
+          <a:chExt cx="0" cy="0"/>
+        </a:xfrm>
+      </p:grpSpPr>
+      <p:sp>
+        <p:nvSpPr>
+          <p:cNvPr id="2" name="Titre 1"/>
+          <p:cNvSpPr>
+            <a:spLocks noGrp="1"/>
+          </p:cNvSpPr>
+          <p:nvPr>
+            <p:ph type="title"/>
+          </p:nvPr>
+        </p:nvSpPr>
+        <p:spPr>
+          <a:xfrm>
+            <a:off x="457200" y="489163"/>
+            <a:ext cx="8229600" cy="1143000"/>
+          </a:xfrm>
+        </p:spPr>
+        <p:txBody>
+          <a:bodyPr/>
+          <a:lstStyle/>
+          <a:p>
+            <a:r>
+              <a:rPr lang="en-GB" sz="6600" b="1" dirty="0" smtClean="0"/>
+              <a:t>Conclusion - 1</a:t>
+            </a:r>
+            <a:endParaRPr lang="en-GB" sz="6600" b="1" dirty="0"/>
+          </a:p>
+        </p:txBody>
+      </p:sp>
+      <p:pic>
+        <p:nvPicPr>
+          <p:cNvPr id="3" name="Image 2" descr="es-doc-logo.png"/>
+          <p:cNvPicPr>
+            <a:picLocks noChangeAspect="1"/>
+          </p:cNvPicPr>
+          <p:nvPr/>
+        </p:nvPicPr>
+        <p:blipFill>
+          <a:blip r:embed="rId2">
+            <a:extLst>
+              <a:ext uri="{28A0092B-C50C-407E-A947-70E740481C1C}">
+                <a14:useLocalDpi xmlns:a14="http://schemas.microsoft.com/office/drawing/2010/main" val="0"/>
+              </a:ext>
+            </a:extLst>
+          </a:blip>
+          <a:stretch>
+            <a:fillRect/>
+          </a:stretch>
+        </p:blipFill>
+        <p:spPr>
+          <a:xfrm>
+            <a:off x="6358431" y="5962278"/>
+            <a:ext cx="2592253" cy="653902"/>
+          </a:xfrm>
+          <a:prstGeom prst="rect">
+            <a:avLst/>
+          </a:prstGeom>
+        </p:spPr>
+      </p:pic>
+      <p:sp>
+        <p:nvSpPr>
+          <p:cNvPr id="4" name="ZoneTexte 3"/>
+          <p:cNvSpPr txBox="1"/>
+          <p:nvPr/>
+        </p:nvSpPr>
+        <p:spPr>
+          <a:xfrm>
+            <a:off x="1" y="1954127"/>
+            <a:ext cx="9143999" cy="2862322"/>
+          </a:xfrm>
+          <a:prstGeom prst="rect">
+            <a:avLst/>
+          </a:prstGeom>
+          <a:noFill/>
+        </p:spPr>
+        <p:txBody>
+          <a:bodyPr wrap="square" rtlCol="0">
+            <a:spAutoFit/>
+          </a:bodyPr>
+          <a:lstStyle/>
+          <a:p>
+            <a:pPr algn="ctr"/>
+            <a:r>
+              <a:rPr lang="en-GB" sz="3600" b="1" dirty="0" smtClean="0"/>
+              <a:t>Scripter   Developer   Engineer   Architect</a:t>
+            </a:r>
+          </a:p>
+          <a:p>
+            <a:pPr algn="ctr"/>
+            <a:endParaRPr lang="en-GB" sz="3600" b="1" dirty="0"/>
+          </a:p>
+          <a:p>
+            <a:pPr algn="ctr"/>
+            <a:r>
+              <a:rPr lang="en-GB" sz="3600" dirty="0" smtClean="0"/>
+              <a:t>In the absence of systematic training, internships, &amp; mentoring, scientists will not get beyond developer status</a:t>
+            </a:r>
+          </a:p>
+        </p:txBody>
+      </p:sp>
+    </p:spTree>
+    <p:extLst>
+      <p:ext uri="{BB962C8B-B14F-4D97-AF65-F5344CB8AC3E}">
+        <p14:creationId xmlns:p14="http://schemas.microsoft.com/office/powerpoint/2010/main" val="2211244477"/>
+      </p:ext>
+    </p:extLst>
+  </p:cSld>
+  <p:clrMapOvr>
+    <a:masterClrMapping/>
+  </p:clrMapOvr>
+  <p:timing>
+    <p:tnLst>
+      <p:par>
+        <p:cTn xmlns:p14="http://schemas.microsoft.com/office/powerpoint/2010/main" id="1" dur="indefinite" restart="never" nodeType="tmRoot"/>
+      </p:par>
+    </p:tnLst>
+  </p:timing>
+</p:sld>
+</file>
+
+<file path=ppt/slides/slide39.xml><?xml version="1.0" encoding="utf-8"?>
+<p:sld xmlns:a="http://schemas.openxmlformats.org/drawingml/2006/main" xmlns:r="http://schemas.openxmlformats.org/officeDocument/2006/relationships" xmlns:p="http://schemas.openxmlformats.org/presentationml/2006/main">
+  <p:cSld>
+    <p:spTree>
+      <p:nvGrpSpPr>
+        <p:cNvPr id="1" name=""/>
+        <p:cNvGrpSpPr/>
+        <p:nvPr/>
+      </p:nvGrpSpPr>
+      <p:grpSpPr>
+        <a:xfrm>
+          <a:off x="0" y="0"/>
+          <a:ext cx="0" cy="0"/>
+          <a:chOff x="0" y="0"/>
+          <a:chExt cx="0" cy="0"/>
+        </a:xfrm>
+      </p:grpSpPr>
+      <p:sp>
+        <p:nvSpPr>
+          <p:cNvPr id="2" name="Titre 1"/>
+          <p:cNvSpPr>
+            <a:spLocks noGrp="1"/>
+          </p:cNvSpPr>
+          <p:nvPr>
+            <p:ph type="title"/>
+          </p:nvPr>
+        </p:nvSpPr>
+        <p:spPr>
+          <a:xfrm>
+            <a:off x="457200" y="489163"/>
+            <a:ext cx="8229600" cy="1143000"/>
+          </a:xfrm>
+        </p:spPr>
+        <p:txBody>
+          <a:bodyPr/>
+          <a:lstStyle/>
+          <a:p>
+            <a:r>
+              <a:rPr lang="en-GB" sz="6600" b="1" dirty="0" smtClean="0"/>
+              <a:t>Conclusion - 2</a:t>
+            </a:r>
+            <a:endParaRPr lang="en-GB" sz="6600" b="1" dirty="0"/>
+          </a:p>
+        </p:txBody>
+      </p:sp>
+      <p:pic>
+        <p:nvPicPr>
+          <p:cNvPr id="3" name="Image 2" descr="es-doc-logo.png"/>
+          <p:cNvPicPr>
+            <a:picLocks noChangeAspect="1"/>
+          </p:cNvPicPr>
+          <p:nvPr/>
+        </p:nvPicPr>
+        <p:blipFill>
+          <a:blip r:embed="rId2">
+            <a:extLst>
+              <a:ext uri="{28A0092B-C50C-407E-A947-70E740481C1C}">
+                <a14:useLocalDpi xmlns:a14="http://schemas.microsoft.com/office/drawing/2010/main" val="0"/>
+              </a:ext>
+            </a:extLst>
+          </a:blip>
+          <a:stretch>
+            <a:fillRect/>
+          </a:stretch>
+        </p:blipFill>
+        <p:spPr>
+          <a:xfrm>
+            <a:off x="6358431" y="5962278"/>
+            <a:ext cx="2592253" cy="653902"/>
+          </a:xfrm>
+          <a:prstGeom prst="rect">
+            <a:avLst/>
+          </a:prstGeom>
+        </p:spPr>
+      </p:pic>
+      <p:sp>
+        <p:nvSpPr>
+          <p:cNvPr id="4" name="ZoneTexte 3"/>
+          <p:cNvSpPr txBox="1"/>
+          <p:nvPr/>
+        </p:nvSpPr>
+        <p:spPr>
+          <a:xfrm>
+            <a:off x="1" y="1954127"/>
+            <a:ext cx="9143999" cy="2308324"/>
+          </a:xfrm>
+          <a:prstGeom prst="rect">
+            <a:avLst/>
+          </a:prstGeom>
+          <a:noFill/>
+        </p:spPr>
+        <p:txBody>
+          <a:bodyPr wrap="square" rtlCol="0">
+            <a:spAutoFit/>
+          </a:bodyPr>
+          <a:lstStyle/>
+          <a:p>
+            <a:pPr algn="ctr"/>
+            <a:r>
+              <a:rPr lang="en-GB" sz="3600" b="1" dirty="0" smtClean="0"/>
+              <a:t>Strong Repeatable Social Process</a:t>
+            </a:r>
+          </a:p>
+          <a:p>
+            <a:pPr algn="ctr"/>
+            <a:endParaRPr lang="en-GB" sz="3600" b="1" dirty="0"/>
+          </a:p>
+          <a:p>
+            <a:pPr algn="ctr"/>
+            <a:r>
+              <a:rPr lang="en-GB" sz="3600" smtClean="0"/>
+              <a:t>The </a:t>
+            </a:r>
+            <a:r>
+              <a:rPr lang="en-GB" sz="3600" dirty="0" smtClean="0"/>
+              <a:t>social process is undervalued yet once learnt is transferable between projects </a:t>
+            </a:r>
+          </a:p>
+        </p:txBody>
+      </p:sp>
+    </p:spTree>
+    <p:extLst>
+      <p:ext uri="{BB962C8B-B14F-4D97-AF65-F5344CB8AC3E}">
+        <p14:creationId xmlns:p14="http://schemas.microsoft.com/office/powerpoint/2010/main" val="79349902"/>
       </p:ext>
     </p:extLst>
   </p:cSld>
@@ -7828,34 +8178,27 @@
       </p:grpSpPr>
       <p:sp>
         <p:nvSpPr>
-          <p:cNvPr id="16" name="ZoneTexte 15"/>
-          <p:cNvSpPr txBox="1"/>
-          <p:nvPr/>
-        </p:nvSpPr>
-        <p:spPr>
-          <a:xfrm>
-            <a:off x="0" y="2560156"/>
-            <a:ext cx="9143999" cy="1107996"/>
-          </a:xfrm>
-          <a:prstGeom prst="rect">
-            <a:avLst/>
-          </a:prstGeom>
-          <a:noFill/>
-        </p:spPr>
-        <p:txBody>
-          <a:bodyPr wrap="square" rtlCol="0">
-            <a:spAutoFit/>
-          </a:bodyPr>
-          <a:lstStyle/>
-          <a:p>
-            <a:pPr algn="ctr"/>
+          <p:cNvPr id="2" name="Titre 1"/>
+          <p:cNvSpPr>
+            <a:spLocks noGrp="1"/>
+          </p:cNvSpPr>
+          <p:nvPr>
+            <p:ph type="title"/>
+          </p:nvPr>
+        </p:nvSpPr>
+        <p:spPr>
+          <a:xfrm>
+            <a:off x="457200" y="489163"/>
+            <a:ext cx="8229600" cy="1143000"/>
+          </a:xfrm>
+        </p:spPr>
+        <p:txBody>
+          <a:bodyPr/>
+          <a:lstStyle/>
+          <a:p>
             <a:r>
               <a:rPr lang="en-GB" sz="6600" b="1" dirty="0" smtClean="0"/>
-              <a:t>http://</a:t>
-            </a:r>
-            <a:r>
-              <a:rPr lang="en-GB" sz="6600" b="1" dirty="0" err="1" smtClean="0"/>
-              <a:t>es-doc.org</a:t>
+              <a:t>Sub-Domains</a:t>
             </a:r>
             <a:endParaRPr lang="en-GB" sz="6600" b="1" dirty="0"/>
           </a:p>
@@ -7863,7 +8206,7 @@
       </p:sp>
       <p:pic>
         <p:nvPicPr>
-          <p:cNvPr id="4" name="Image 3" descr="es-doc-logo.png"/>
+          <p:cNvPr id="3" name="Image 2" descr="es-doc-logo.png"/>
           <p:cNvPicPr>
             <a:picLocks noChangeAspect="1"/>
           </p:cNvPicPr>
@@ -7891,10 +8234,72 @@
           </a:prstGeom>
         </p:spPr>
       </p:pic>
+      <p:sp>
+        <p:nvSpPr>
+          <p:cNvPr id="4" name="ZoneTexte 3"/>
+          <p:cNvSpPr txBox="1"/>
+          <p:nvPr/>
+        </p:nvSpPr>
+        <p:spPr>
+          <a:xfrm>
+            <a:off x="1" y="1739602"/>
+            <a:ext cx="9143999" cy="4154983"/>
+          </a:xfrm>
+          <a:prstGeom prst="rect">
+            <a:avLst/>
+          </a:prstGeom>
+          <a:noFill/>
+        </p:spPr>
+        <p:txBody>
+          <a:bodyPr wrap="square" rtlCol="0">
+            <a:spAutoFit/>
+          </a:bodyPr>
+          <a:lstStyle/>
+          <a:p>
+            <a:pPr algn="ctr"/>
+            <a:r>
+              <a:rPr lang="en-GB" sz="4400" b="1" dirty="0" smtClean="0"/>
+              <a:t>2013</a:t>
+            </a:r>
+          </a:p>
+          <a:p>
+            <a:pPr algn="ctr"/>
+            <a:r>
+              <a:rPr lang="en-GB" sz="4400" dirty="0" smtClean="0"/>
+              <a:t>Earth System Models</a:t>
+            </a:r>
+          </a:p>
+          <a:p>
+            <a:pPr algn="ctr"/>
+            <a:r>
+              <a:rPr lang="en-GB" sz="4400" dirty="0" smtClean="0"/>
+              <a:t>Statistical Downscaling</a:t>
+            </a:r>
+          </a:p>
+          <a:p>
+            <a:pPr algn="ctr"/>
+            <a:endParaRPr lang="en-GB" sz="4400" dirty="0" smtClean="0"/>
+          </a:p>
+          <a:p>
+            <a:pPr algn="ctr"/>
+            <a:r>
+              <a:rPr lang="en-GB" sz="4400" b="1" dirty="0" smtClean="0"/>
+              <a:t>2014</a:t>
+            </a:r>
+          </a:p>
+          <a:p>
+            <a:pPr algn="ctr"/>
+            <a:r>
+              <a:rPr lang="en-GB" sz="4400" dirty="0" smtClean="0"/>
+              <a:t>Obs4MIPs ?</a:t>
+            </a:r>
+          </a:p>
+        </p:txBody>
+      </p:sp>
     </p:spTree>
     <p:extLst>
       <p:ext uri="{BB962C8B-B14F-4D97-AF65-F5344CB8AC3E}">
-        <p14:creationId xmlns:p14="http://schemas.microsoft.com/office/powerpoint/2010/main" val="2152116728"/>
+        <p14:creationId xmlns:p14="http://schemas.microsoft.com/office/powerpoint/2010/main" val="2383636056"/>
       </p:ext>
     </p:extLst>
   </p:cSld>
@@ -7930,34 +8335,27 @@
       </p:grpSpPr>
       <p:sp>
         <p:nvSpPr>
-          <p:cNvPr id="16" name="ZoneTexte 15"/>
-          <p:cNvSpPr txBox="1"/>
-          <p:nvPr/>
-        </p:nvSpPr>
-        <p:spPr>
-          <a:xfrm>
-            <a:off x="0" y="2560156"/>
-            <a:ext cx="9143999" cy="1107996"/>
-          </a:xfrm>
-          <a:prstGeom prst="rect">
-            <a:avLst/>
-          </a:prstGeom>
-          <a:noFill/>
-        </p:spPr>
-        <p:txBody>
-          <a:bodyPr wrap="square" rtlCol="0">
-            <a:spAutoFit/>
-          </a:bodyPr>
-          <a:lstStyle/>
-          <a:p>
-            <a:pPr algn="ctr"/>
+          <p:cNvPr id="2" name="Titre 1"/>
+          <p:cNvSpPr>
+            <a:spLocks noGrp="1"/>
+          </p:cNvSpPr>
+          <p:nvPr>
+            <p:ph type="title"/>
+          </p:nvPr>
+        </p:nvSpPr>
+        <p:spPr>
+          <a:xfrm>
+            <a:off x="457200" y="489163"/>
+            <a:ext cx="8229600" cy="1143000"/>
+          </a:xfrm>
+        </p:spPr>
+        <p:txBody>
+          <a:bodyPr/>
+          <a:lstStyle/>
+          <a:p>
             <a:r>
               <a:rPr lang="en-GB" sz="6600" b="1" dirty="0" smtClean="0"/>
-              <a:t>#</a:t>
-            </a:r>
-            <a:r>
-              <a:rPr lang="en-GB" sz="6600" b="1" dirty="0" err="1" smtClean="0"/>
-              <a:t>esdocumentation</a:t>
+              <a:t>Strategic Relevance</a:t>
             </a:r>
             <a:endParaRPr lang="en-GB" sz="6600" b="1" dirty="0"/>
           </a:p>
@@ -7965,7 +8363,7 @@
       </p:sp>
       <p:pic>
         <p:nvPicPr>
-          <p:cNvPr id="4" name="Image 3" descr="es-doc-logo.png"/>
+          <p:cNvPr id="3" name="Image 2" descr="es-doc-logo.png"/>
           <p:cNvPicPr>
             <a:picLocks noChangeAspect="1"/>
           </p:cNvPicPr>
@@ -7993,10 +8391,40 @@
           </a:prstGeom>
         </p:spPr>
       </p:pic>
+      <p:sp>
+        <p:nvSpPr>
+          <p:cNvPr id="4" name="ZoneTexte 3"/>
+          <p:cNvSpPr txBox="1"/>
+          <p:nvPr/>
+        </p:nvSpPr>
+        <p:spPr>
+          <a:xfrm>
+            <a:off x="1" y="2443244"/>
+            <a:ext cx="9143999" cy="1446550"/>
+          </a:xfrm>
+          <a:prstGeom prst="rect">
+            <a:avLst/>
+          </a:prstGeom>
+          <a:noFill/>
+        </p:spPr>
+        <p:txBody>
+          <a:bodyPr wrap="square" rtlCol="0">
+            <a:spAutoFit/>
+          </a:bodyPr>
+          <a:lstStyle/>
+          <a:p>
+            <a:pPr algn="ctr"/>
+            <a:r>
+              <a:rPr lang="en-GB" sz="4400" dirty="0" smtClean="0"/>
+              <a:t>EXA-Scale requires quality documentation</a:t>
+            </a:r>
+          </a:p>
+        </p:txBody>
+      </p:sp>
     </p:spTree>
     <p:extLst>
       <p:ext uri="{BB962C8B-B14F-4D97-AF65-F5344CB8AC3E}">
-        <p14:creationId xmlns:p14="http://schemas.microsoft.com/office/powerpoint/2010/main" val="4194142009"/>
+        <p14:creationId xmlns:p14="http://schemas.microsoft.com/office/powerpoint/2010/main" val="372129873"/>
       </p:ext>
     </p:extLst>
   </p:cSld>
@@ -8032,27 +8460,34 @@
       </p:grpSpPr>
       <p:sp>
         <p:nvSpPr>
-          <p:cNvPr id="2" name="Titre 1"/>
-          <p:cNvSpPr>
-            <a:spLocks noGrp="1"/>
-          </p:cNvSpPr>
-          <p:nvPr>
-            <p:ph type="title"/>
-          </p:nvPr>
-        </p:nvSpPr>
-        <p:spPr>
-          <a:xfrm>
-            <a:off x="457200" y="489163"/>
-            <a:ext cx="8229600" cy="1143000"/>
-          </a:xfrm>
-        </p:spPr>
-        <p:txBody>
-          <a:bodyPr/>
-          <a:lstStyle/>
-          <a:p>
+          <p:cNvPr id="16" name="ZoneTexte 15"/>
+          <p:cNvSpPr txBox="1"/>
+          <p:nvPr/>
+        </p:nvSpPr>
+        <p:spPr>
+          <a:xfrm>
+            <a:off x="0" y="2560156"/>
+            <a:ext cx="9143999" cy="1107996"/>
+          </a:xfrm>
+          <a:prstGeom prst="rect">
+            <a:avLst/>
+          </a:prstGeom>
+          <a:noFill/>
+        </p:spPr>
+        <p:txBody>
+          <a:bodyPr wrap="square" rtlCol="0">
+            <a:spAutoFit/>
+          </a:bodyPr>
+          <a:lstStyle/>
+          <a:p>
+            <a:pPr algn="ctr"/>
             <a:r>
               <a:rPr lang="en-GB" sz="6600" b="1" dirty="0" smtClean="0"/>
-              <a:t>Funders</a:t>
+              <a:t>http://</a:t>
+            </a:r>
+            <a:r>
+              <a:rPr lang="en-GB" sz="6600" b="1" dirty="0" err="1" smtClean="0"/>
+              <a:t>es-doc.org</a:t>
             </a:r>
             <a:endParaRPr lang="en-GB" sz="6600" b="1" dirty="0"/>
           </a:p>
@@ -8060,7 +8495,7 @@
       </p:sp>
       <p:pic>
         <p:nvPicPr>
-          <p:cNvPr id="3" name="Image 2" descr="es-doc-logo.png"/>
+          <p:cNvPr id="4" name="Image 3" descr="es-doc-logo.png"/>
           <p:cNvPicPr>
             <a:picLocks noChangeAspect="1"/>
           </p:cNvPicPr>
@@ -8088,66 +8523,10 @@
           </a:prstGeom>
         </p:spPr>
       </p:pic>
-      <p:sp>
-        <p:nvSpPr>
-          <p:cNvPr id="4" name="ZoneTexte 3"/>
-          <p:cNvSpPr txBox="1"/>
-          <p:nvPr/>
-        </p:nvSpPr>
-        <p:spPr>
-          <a:xfrm>
-            <a:off x="1" y="2202976"/>
-            <a:ext cx="9143999" cy="3046988"/>
-          </a:xfrm>
-          <a:prstGeom prst="rect">
-            <a:avLst/>
-          </a:prstGeom>
-          <a:noFill/>
-        </p:spPr>
-        <p:txBody>
-          <a:bodyPr wrap="square" rtlCol="0">
-            <a:spAutoFit/>
-          </a:bodyPr>
-          <a:lstStyle/>
-          <a:p>
-            <a:pPr algn="ctr"/>
-            <a:r>
-              <a:rPr lang="en-GB" sz="4800" dirty="0" smtClean="0"/>
-              <a:t>IPSL (EU)</a:t>
-            </a:r>
-          </a:p>
-          <a:p>
-            <a:pPr algn="ctr"/>
-            <a:r>
-              <a:rPr lang="en-GB" sz="4800" dirty="0" smtClean="0"/>
-              <a:t>NOAA (US)</a:t>
-            </a:r>
-          </a:p>
-          <a:p>
-            <a:pPr algn="ctr"/>
-            <a:r>
-              <a:rPr lang="en-GB" sz="4800" dirty="0" smtClean="0"/>
-              <a:t>EX-ARCH (G8</a:t>
-            </a:r>
-            <a:r>
-              <a:rPr lang="en-GB" sz="4800" dirty="0" smtClean="0"/>
-              <a:t>)</a:t>
-            </a:r>
-          </a:p>
-          <a:p>
-            <a:pPr algn="ctr"/>
-            <a:r>
-              <a:rPr lang="en-GB" sz="4800" dirty="0" smtClean="0"/>
-              <a:t>ISENES-2 (EU)</a:t>
-            </a:r>
-            <a:endParaRPr lang="en-GB" sz="4800" dirty="0" smtClean="0"/>
-          </a:p>
-        </p:txBody>
-      </p:sp>
     </p:spTree>
     <p:extLst>
       <p:ext uri="{BB962C8B-B14F-4D97-AF65-F5344CB8AC3E}">
-        <p14:creationId xmlns:p14="http://schemas.microsoft.com/office/powerpoint/2010/main" val="2122656717"/>
+        <p14:creationId xmlns:p14="http://schemas.microsoft.com/office/powerpoint/2010/main" val="2152116728"/>
       </p:ext>
     </p:extLst>
   </p:cSld>
@@ -8183,27 +8562,34 @@
       </p:grpSpPr>
       <p:sp>
         <p:nvSpPr>
-          <p:cNvPr id="2" name="Titre 1"/>
-          <p:cNvSpPr>
-            <a:spLocks noGrp="1"/>
-          </p:cNvSpPr>
-          <p:nvPr>
-            <p:ph type="title"/>
-          </p:nvPr>
-        </p:nvSpPr>
-        <p:spPr>
-          <a:xfrm>
-            <a:off x="457200" y="489163"/>
-            <a:ext cx="8229600" cy="1143000"/>
-          </a:xfrm>
-        </p:spPr>
-        <p:txBody>
-          <a:bodyPr/>
-          <a:lstStyle/>
-          <a:p>
+          <p:cNvPr id="16" name="ZoneTexte 15"/>
+          <p:cNvSpPr txBox="1"/>
+          <p:nvPr/>
+        </p:nvSpPr>
+        <p:spPr>
+          <a:xfrm>
+            <a:off x="0" y="2560156"/>
+            <a:ext cx="9143999" cy="1107996"/>
+          </a:xfrm>
+          <a:prstGeom prst="rect">
+            <a:avLst/>
+          </a:prstGeom>
+          <a:noFill/>
+        </p:spPr>
+        <p:txBody>
+          <a:bodyPr wrap="square" rtlCol="0">
+            <a:spAutoFit/>
+          </a:bodyPr>
+          <a:lstStyle/>
+          <a:p>
+            <a:pPr algn="ctr"/>
             <a:r>
               <a:rPr lang="en-GB" sz="6600" b="1" dirty="0" smtClean="0"/>
-              <a:t>PI’s</a:t>
+              <a:t>#</a:t>
+            </a:r>
+            <a:r>
+              <a:rPr lang="en-GB" sz="6600" b="1" dirty="0" err="1" smtClean="0"/>
+              <a:t>esdocumentation</a:t>
             </a:r>
             <a:endParaRPr lang="en-GB" sz="6600" b="1" dirty="0"/>
           </a:p>
@@ -8211,7 +8597,7 @@
       </p:sp>
       <p:pic>
         <p:nvPicPr>
-          <p:cNvPr id="3" name="Image 2" descr="es-doc-logo.png"/>
+          <p:cNvPr id="4" name="Image 3" descr="es-doc-logo.png"/>
           <p:cNvPicPr>
             <a:picLocks noChangeAspect="1"/>
           </p:cNvPicPr>
@@ -8239,107 +8625,10 @@
           </a:prstGeom>
         </p:spPr>
       </p:pic>
-      <p:sp>
-        <p:nvSpPr>
-          <p:cNvPr id="4" name="ZoneTexte 3"/>
-          <p:cNvSpPr txBox="1"/>
-          <p:nvPr/>
-        </p:nvSpPr>
-        <p:spPr>
-          <a:xfrm>
-            <a:off x="1" y="1645211"/>
-            <a:ext cx="9143999" cy="4154983"/>
-          </a:xfrm>
-          <a:prstGeom prst="rect">
-            <a:avLst/>
-          </a:prstGeom>
-          <a:noFill/>
-        </p:spPr>
-        <p:txBody>
-          <a:bodyPr wrap="square" rtlCol="0">
-            <a:spAutoFit/>
-          </a:bodyPr>
-          <a:lstStyle/>
-          <a:p>
-            <a:pPr algn="ctr"/>
-            <a:r>
-              <a:rPr lang="en-GB" sz="4400" dirty="0" err="1" smtClean="0"/>
-              <a:t>Venkatramani</a:t>
-            </a:r>
-            <a:r>
-              <a:rPr lang="en-GB" sz="4400" dirty="0" smtClean="0"/>
-              <a:t> </a:t>
-            </a:r>
-            <a:r>
-              <a:rPr lang="en-GB" sz="4400" dirty="0" err="1" smtClean="0"/>
-              <a:t>Balaji</a:t>
-            </a:r>
-            <a:r>
-              <a:rPr lang="en-GB" sz="4400" dirty="0" smtClean="0"/>
-              <a:t> (US - NOAA)</a:t>
-            </a:r>
-          </a:p>
-          <a:p>
-            <a:pPr algn="ctr"/>
-            <a:r>
-              <a:rPr lang="en-GB" sz="4400" dirty="0" smtClean="0"/>
-              <a:t>Cecelia DeLuca (US - NOAA)</a:t>
-            </a:r>
-          </a:p>
-          <a:p>
-            <a:pPr algn="ctr"/>
-            <a:r>
-              <a:rPr lang="en-GB" sz="4400" dirty="0" err="1" smtClean="0"/>
-              <a:t>Sébastien</a:t>
-            </a:r>
-            <a:r>
-              <a:rPr lang="en-GB" sz="4400" dirty="0" smtClean="0"/>
-              <a:t> </a:t>
-            </a:r>
-            <a:r>
-              <a:rPr lang="en-GB" sz="4400" dirty="0" err="1" smtClean="0"/>
-              <a:t>Denvil</a:t>
-            </a:r>
-            <a:r>
-              <a:rPr lang="en-GB" sz="4400" dirty="0" smtClean="0"/>
-              <a:t> (EU - IPSL)</a:t>
-            </a:r>
-          </a:p>
-          <a:p>
-            <a:pPr algn="ctr"/>
-            <a:r>
-              <a:rPr lang="en-GB" sz="4400" dirty="0" smtClean="0"/>
-              <a:t>Eric </a:t>
-            </a:r>
-            <a:r>
-              <a:rPr lang="en-GB" sz="4400" dirty="0" err="1" smtClean="0"/>
-              <a:t>Guilyardi</a:t>
-            </a:r>
-            <a:r>
-              <a:rPr lang="en-GB" sz="4400" dirty="0" smtClean="0"/>
-              <a:t> (EU - IPSL)</a:t>
-            </a:r>
-          </a:p>
-          <a:p>
-            <a:pPr algn="ctr"/>
-            <a:r>
-              <a:rPr lang="en-GB" sz="4400" dirty="0" smtClean="0"/>
-              <a:t>Bryan Lawrence (EU - BADC)</a:t>
-            </a:r>
-          </a:p>
-          <a:p>
-            <a:pPr algn="ctr"/>
-            <a:r>
-              <a:rPr lang="en-GB" sz="4400" dirty="0" smtClean="0"/>
-              <a:t>Karl Taylor (US - PCMDI)</a:t>
-            </a:r>
-          </a:p>
-        </p:txBody>
-      </p:sp>
     </p:spTree>
     <p:extLst>
       <p:ext uri="{BB962C8B-B14F-4D97-AF65-F5344CB8AC3E}">
-        <p14:creationId xmlns:p14="http://schemas.microsoft.com/office/powerpoint/2010/main" val="811844690"/>
+        <p14:creationId xmlns:p14="http://schemas.microsoft.com/office/powerpoint/2010/main" val="4194142009"/>
       </p:ext>
     </p:extLst>
   </p:cSld>
@@ -8395,7 +8684,7 @@
           <a:p>
             <a:r>
               <a:rPr lang="en-GB" sz="6600" b="1" dirty="0" smtClean="0"/>
-              <a:t>Core Team</a:t>
+              <a:t>Funders</a:t>
             </a:r>
             <a:endParaRPr lang="en-GB" sz="6600" b="1" dirty="0"/>
           </a:p>
@@ -8439,8 +8728,8 @@
         </p:nvSpPr>
         <p:spPr>
           <a:xfrm>
-            <a:off x="1" y="2297367"/>
-            <a:ext cx="9143999" cy="2308324"/>
+            <a:off x="1" y="2202976"/>
+            <a:ext cx="9143999" cy="3046988"/>
           </a:xfrm>
           <a:prstGeom prst="rect">
             <a:avLst/>
@@ -8456,41 +8745,28 @@
             <a:pPr algn="ctr"/>
             <a:r>
               <a:rPr lang="en-GB" sz="4800" dirty="0" smtClean="0"/>
-              <a:t>Sylvia Murphy (US - NOAA)</a:t>
+              <a:t>IPSL (EU)</a:t>
             </a:r>
           </a:p>
           <a:p>
             <a:pPr algn="ctr"/>
             <a:r>
-              <a:rPr lang="en-GB" sz="4800" dirty="0" err="1" smtClean="0"/>
-              <a:t>Allyn</a:t>
-            </a:r>
-            <a:r>
               <a:rPr lang="en-GB" sz="4800" dirty="0" smtClean="0"/>
-              <a:t> </a:t>
-            </a:r>
-            <a:r>
-              <a:rPr lang="en-GB" sz="4800" dirty="0" err="1" smtClean="0"/>
-              <a:t>Treshansky</a:t>
-            </a:r>
+              <a:t>NOAA (US)</a:t>
+            </a:r>
+          </a:p>
+          <a:p>
+            <a:pPr algn="ctr"/>
             <a:r>
               <a:rPr lang="en-GB" sz="4800" dirty="0" smtClean="0"/>
-              <a:t> (US - NOAA)</a:t>
+              <a:t>EX-ARCH (G8)</a:t>
             </a:r>
           </a:p>
           <a:p>
             <a:pPr algn="ctr"/>
             <a:r>
               <a:rPr lang="en-GB" sz="4800" dirty="0" smtClean="0"/>
-              <a:t>Mark </a:t>
-            </a:r>
-            <a:r>
-              <a:rPr lang="en-GB" sz="4800" dirty="0" err="1" smtClean="0"/>
-              <a:t>Greenslade</a:t>
-            </a:r>
-            <a:r>
-              <a:rPr lang="en-GB" sz="4800" dirty="0" smtClean="0"/>
-              <a:t> (EU - IPSL)</a:t>
+              <a:t>ISENES-2 (EU)</a:t>
             </a:r>
           </a:p>
         </p:txBody>
@@ -8498,7 +8774,7 @@
     </p:spTree>
     <p:extLst>
       <p:ext uri="{BB962C8B-B14F-4D97-AF65-F5344CB8AC3E}">
-        <p14:creationId xmlns:p14="http://schemas.microsoft.com/office/powerpoint/2010/main" val="3760817667"/>
+        <p14:creationId xmlns:p14="http://schemas.microsoft.com/office/powerpoint/2010/main" val="2122656717"/>
       </p:ext>
     </p:extLst>
   </p:cSld>
@@ -8554,7 +8830,7 @@
           <a:p>
             <a:r>
               <a:rPr lang="en-GB" sz="6600" b="1" dirty="0" smtClean="0"/>
-              <a:t>Domains</a:t>
+              <a:t>PI’s</a:t>
             </a:r>
             <a:endParaRPr lang="en-GB" sz="6600" b="1" dirty="0"/>
           </a:p>
@@ -8598,8 +8874,8 @@
         </p:nvSpPr>
         <p:spPr>
           <a:xfrm>
-            <a:off x="1" y="2297367"/>
-            <a:ext cx="9143999" cy="2123658"/>
+            <a:off x="1" y="1645211"/>
+            <a:ext cx="9143999" cy="4154983"/>
           </a:xfrm>
           <a:prstGeom prst="rect">
             <a:avLst/>
@@ -8614,27 +8890,75 @@
           <a:p>
             <a:pPr algn="ctr"/>
             <a:r>
+              <a:rPr lang="en-GB" sz="4400" dirty="0" err="1" smtClean="0"/>
+              <a:t>Venkatramani</a:t>
+            </a:r>
+            <a:r>
               <a:rPr lang="en-GB" sz="4400" dirty="0" smtClean="0"/>
-              <a:t>@2013 :: Earth System Models</a:t>
+              <a:t> </a:t>
+            </a:r>
+            <a:r>
+              <a:rPr lang="en-GB" sz="4400" dirty="0" err="1" smtClean="0"/>
+              <a:t>Balaji</a:t>
+            </a:r>
+            <a:r>
+              <a:rPr lang="en-GB" sz="4400" dirty="0" smtClean="0"/>
+              <a:t> (US - NOAA)</a:t>
             </a:r>
           </a:p>
           <a:p>
             <a:pPr algn="ctr"/>
-            <a:endParaRPr lang="en-GB" sz="4400" dirty="0" smtClean="0"/>
+            <a:r>
+              <a:rPr lang="en-GB" sz="4400" dirty="0" smtClean="0"/>
+              <a:t>Cecelia DeLuca (US - NOAA)</a:t>
+            </a:r>
           </a:p>
           <a:p>
             <a:pPr algn="ctr"/>
             <a:r>
+              <a:rPr lang="en-GB" sz="4400" dirty="0" err="1" smtClean="0"/>
+              <a:t>Sébastien</a:t>
+            </a:r>
+            <a:r>
               <a:rPr lang="en-GB" sz="4400" dirty="0" smtClean="0"/>
-              <a:t>@2014 ? :</a:t>
-            </a:r>
-            <a:r>
-              <a:rPr lang="en-GB" sz="4400" dirty="0"/>
-              <a:t>: Earth System </a:t>
+              <a:t> </a:t>
+            </a:r>
+            <a:r>
+              <a:rPr lang="en-GB" sz="4400" dirty="0" err="1" smtClean="0"/>
+              <a:t>Denvil</a:t>
             </a:r>
             <a:r>
               <a:rPr lang="en-GB" sz="4400" dirty="0" smtClean="0"/>
-              <a:t>Observations</a:t>
+              <a:t> (EU - IPSL)</a:t>
+            </a:r>
+          </a:p>
+          <a:p>
+            <a:pPr algn="ctr"/>
+            <a:r>
+              <a:rPr lang="en-GB" sz="4400" dirty="0" smtClean="0"/>
+              <a:t>Eric </a:t>
+            </a:r>
+            <a:r>
+              <a:rPr lang="en-GB" sz="4400" dirty="0" err="1" smtClean="0"/>
+              <a:t>Guilyardi</a:t>
+            </a:r>
+            <a:r>
+              <a:rPr lang="en-GB" sz="4400" dirty="0" smtClean="0"/>
+              <a:t> (EU - IPSL)</a:t>
+            </a:r>
+          </a:p>
+          <a:p>
+            <a:pPr algn="ctr"/>
+            <a:r>
+              <a:rPr lang="en-GB" sz="4400" dirty="0" smtClean="0"/>
+              <a:t>Bryan Lawrence (EU - BADC)</a:t>
+            </a:r>
+          </a:p>
+          <a:p>
+            <a:pPr algn="ctr"/>
+            <a:r>
+              <a:rPr lang="en-GB" sz="4400" dirty="0" smtClean="0"/>
+              <a:t>Karl Taylor (US - PCMDI)</a:t>
             </a:r>
           </a:p>
         </p:txBody>
@@ -8642,7 +8966,7 @@
     </p:spTree>
     <p:extLst>
       <p:ext uri="{BB962C8B-B14F-4D97-AF65-F5344CB8AC3E}">
-        <p14:creationId xmlns:p14="http://schemas.microsoft.com/office/powerpoint/2010/main" val="978404151"/>
+        <p14:creationId xmlns:p14="http://schemas.microsoft.com/office/powerpoint/2010/main" val="811844690"/>
       </p:ext>
     </p:extLst>
   </p:cSld>
